--- a/DOCUMENT/FULL LVTN/BÀI BÁO KHOA HỌC/85-Research on methods for assessing cumulative fatigue damage in structures, with applications to ships and offshore structures.pptx
+++ b/DOCUMENT/FULL LVTN/BÀI BÁO KHOA HỌC/85-Research on methods for assessing cumulative fatigue damage in structures, with applications to ships and offshore structures.pptx
@@ -240,7 +240,7 @@
           <a:p>
             <a:fld id="{C07986BD-EBB6-4346-92EF-FCE8341307FB}" type="datetimeFigureOut">
               <a:rPr lang="en-GB" smtClean="0"/>
-              <a:t>12/08/2024</a:t>
+              <a:t>13/08/2024</a:t>
             </a:fld>
             <a:endParaRPr lang="en-GB"/>
           </a:p>
@@ -3861,6 +3861,1649 @@
         <p:txBody>
           <a:bodyPr/>
           <a:lstStyle/>
+          <a:p>
+            <a:pPr marL="285750" marR="0" lvl="0" indent="-285750" algn="just">
+              <a:lnSpc>
+                <a:spcPct val="95000"/>
+              </a:lnSpc>
+              <a:spcBef>
+                <a:spcPts val="0"/>
+              </a:spcBef>
+              <a:spcAft>
+                <a:spcPts val="600"/>
+              </a:spcAft>
+              <a:buFont typeface="Arial" panose="020B0604020202020204" pitchFamily="34" charset="0"/>
+              <a:buChar char="•"/>
+              <a:tabLst>
+                <a:tab pos="182880" algn="l"/>
+                <a:tab pos="411480" algn="l"/>
+                <a:tab pos="182880" algn="l"/>
+              </a:tabLst>
+            </a:pPr>
+            <a:r>
+              <a:rPr lang="x-none" sz="1200" spc="-5" dirty="0">
+                <a:effectLst/>
+                <a:latin typeface="Cambria" panose="02040503050406030204" pitchFamily="18" charset="0"/>
+                <a:ea typeface="Cambria" panose="02040503050406030204" pitchFamily="18" charset="0"/>
+              </a:rPr>
+              <a:t>Trường hợp 1 giữ nguyên hệ số hình dạng Weibull là 1.1, thay đổi các giá trị của đường cong S-N. Với cùng điều kiện số năm phục vụ của kết cấu là 20 năm, trường hợp 1 cho thấy giá trị của tuổi thọ mỏi chịu ảnh hưởng bởi việc lựa chọn đường cong S-N, khi chọn đường cong C2 hoặc lớn hơn, tuổi thọ mỏi giảm xuống dưới 20 năm, điều này chứng minh được sự quan trọng trong việc lựa chọn đúng đường cong S-N trong việc phân tích và xác định tuổi thọ mỏi kết cấu.</a:t>
+            </a:r>
+            <a:endParaRPr lang="en-US" sz="1200" spc="-5" dirty="0">
+              <a:effectLst/>
+              <a:latin typeface="Cambria" panose="02040503050406030204" pitchFamily="18" charset="0"/>
+              <a:ea typeface="Cambria" panose="02040503050406030204" pitchFamily="18" charset="0"/>
+            </a:endParaRPr>
+          </a:p>
+          <a:p>
+            <a:pPr marL="285750" indent="-285750" algn="just">
+              <a:buFont typeface="Arial" panose="020B0604020202020204" pitchFamily="34" charset="0"/>
+              <a:buChar char="•"/>
+            </a:pPr>
+            <a:r>
+              <a:rPr lang="en-US" spc="-5" dirty="0" err="1">
+                <a:latin typeface="Cambria" panose="02040503050406030204" pitchFamily="18" charset="0"/>
+                <a:ea typeface="Cambria" panose="02040503050406030204" pitchFamily="18" charset="0"/>
+              </a:rPr>
+              <a:t>Trường</a:t>
+            </a:r>
+            <a:r>
+              <a:rPr lang="en-US" sz="1200" dirty="0">
+                <a:effectLst/>
+                <a:latin typeface="Cambria" panose="02040503050406030204" pitchFamily="18" charset="0"/>
+                <a:ea typeface="Cambria" panose="02040503050406030204" pitchFamily="18" charset="0"/>
+              </a:rPr>
+              <a:t> </a:t>
+            </a:r>
+            <a:r>
+              <a:rPr lang="en-US" sz="1200" dirty="0" err="1">
+                <a:effectLst/>
+                <a:latin typeface="Cambria" panose="02040503050406030204" pitchFamily="18" charset="0"/>
+                <a:ea typeface="Cambria" panose="02040503050406030204" pitchFamily="18" charset="0"/>
+              </a:rPr>
+              <a:t>hợp</a:t>
+            </a:r>
+            <a:r>
+              <a:rPr lang="en-US" sz="1200" dirty="0">
+                <a:effectLst/>
+                <a:latin typeface="Cambria" panose="02040503050406030204" pitchFamily="18" charset="0"/>
+                <a:ea typeface="Cambria" panose="02040503050406030204" pitchFamily="18" charset="0"/>
+              </a:rPr>
+              <a:t> 2 </a:t>
+            </a:r>
+            <a:r>
+              <a:rPr lang="en-US" sz="1200" dirty="0" err="1">
+                <a:effectLst/>
+                <a:latin typeface="Cambria" panose="02040503050406030204" pitchFamily="18" charset="0"/>
+                <a:ea typeface="Cambria" panose="02040503050406030204" pitchFamily="18" charset="0"/>
+              </a:rPr>
+              <a:t>giữ</a:t>
+            </a:r>
+            <a:r>
+              <a:rPr lang="en-US" sz="1200" dirty="0">
+                <a:effectLst/>
+                <a:latin typeface="Cambria" panose="02040503050406030204" pitchFamily="18" charset="0"/>
+                <a:ea typeface="Cambria" panose="02040503050406030204" pitchFamily="18" charset="0"/>
+              </a:rPr>
+              <a:t> </a:t>
+            </a:r>
+            <a:r>
+              <a:rPr lang="en-US" sz="1200" dirty="0" err="1">
+                <a:effectLst/>
+                <a:latin typeface="Cambria" panose="02040503050406030204" pitchFamily="18" charset="0"/>
+                <a:ea typeface="Cambria" panose="02040503050406030204" pitchFamily="18" charset="0"/>
+              </a:rPr>
+              <a:t>nguyên</a:t>
+            </a:r>
+            <a:r>
+              <a:rPr lang="en-US" sz="1200" dirty="0">
+                <a:effectLst/>
+                <a:latin typeface="Cambria" panose="02040503050406030204" pitchFamily="18" charset="0"/>
+                <a:ea typeface="Cambria" panose="02040503050406030204" pitchFamily="18" charset="0"/>
+              </a:rPr>
+              <a:t> </a:t>
+            </a:r>
+            <a:r>
+              <a:rPr lang="en-US" sz="1200" dirty="0" err="1">
+                <a:effectLst/>
+                <a:latin typeface="Cambria" panose="02040503050406030204" pitchFamily="18" charset="0"/>
+                <a:ea typeface="Cambria" panose="02040503050406030204" pitchFamily="18" charset="0"/>
+              </a:rPr>
+              <a:t>đường</a:t>
+            </a:r>
+            <a:r>
+              <a:rPr lang="en-US" sz="1200" dirty="0">
+                <a:effectLst/>
+                <a:latin typeface="Cambria" panose="02040503050406030204" pitchFamily="18" charset="0"/>
+                <a:ea typeface="Cambria" panose="02040503050406030204" pitchFamily="18" charset="0"/>
+              </a:rPr>
+              <a:t> </a:t>
+            </a:r>
+            <a:r>
+              <a:rPr lang="en-US" sz="1200" dirty="0" err="1">
+                <a:effectLst/>
+                <a:latin typeface="Cambria" panose="02040503050406030204" pitchFamily="18" charset="0"/>
+                <a:ea typeface="Cambria" panose="02040503050406030204" pitchFamily="18" charset="0"/>
+              </a:rPr>
+              <a:t>cong</a:t>
+            </a:r>
+            <a:r>
+              <a:rPr lang="en-US" sz="1200" dirty="0">
+                <a:effectLst/>
+                <a:latin typeface="Cambria" panose="02040503050406030204" pitchFamily="18" charset="0"/>
+                <a:ea typeface="Cambria" panose="02040503050406030204" pitchFamily="18" charset="0"/>
+              </a:rPr>
+              <a:t> S-N </a:t>
+            </a:r>
+            <a:r>
+              <a:rPr lang="en-US" sz="1200" dirty="0" err="1">
+                <a:effectLst/>
+                <a:latin typeface="Cambria" panose="02040503050406030204" pitchFamily="18" charset="0"/>
+                <a:ea typeface="Cambria" panose="02040503050406030204" pitchFamily="18" charset="0"/>
+              </a:rPr>
+              <a:t>là</a:t>
+            </a:r>
+            <a:r>
+              <a:rPr lang="en-US" sz="1200" dirty="0">
+                <a:effectLst/>
+                <a:latin typeface="Cambria" panose="02040503050406030204" pitchFamily="18" charset="0"/>
+                <a:ea typeface="Cambria" panose="02040503050406030204" pitchFamily="18" charset="0"/>
+              </a:rPr>
+              <a:t> B1, </a:t>
+            </a:r>
+            <a:r>
+              <a:rPr lang="en-US" sz="1200" dirty="0" err="1">
+                <a:effectLst/>
+                <a:latin typeface="Cambria" panose="02040503050406030204" pitchFamily="18" charset="0"/>
+                <a:ea typeface="Cambria" panose="02040503050406030204" pitchFamily="18" charset="0"/>
+              </a:rPr>
+              <a:t>thay</a:t>
+            </a:r>
+            <a:r>
+              <a:rPr lang="en-US" sz="1200" dirty="0">
+                <a:effectLst/>
+                <a:latin typeface="Cambria" panose="02040503050406030204" pitchFamily="18" charset="0"/>
+                <a:ea typeface="Cambria" panose="02040503050406030204" pitchFamily="18" charset="0"/>
+              </a:rPr>
+              <a:t> </a:t>
+            </a:r>
+            <a:r>
+              <a:rPr lang="en-US" sz="1200" dirty="0" err="1">
+                <a:effectLst/>
+                <a:latin typeface="Cambria" panose="02040503050406030204" pitchFamily="18" charset="0"/>
+                <a:ea typeface="Cambria" panose="02040503050406030204" pitchFamily="18" charset="0"/>
+              </a:rPr>
+              <a:t>đổi</a:t>
+            </a:r>
+            <a:r>
+              <a:rPr lang="en-US" sz="1200" dirty="0">
+                <a:effectLst/>
+                <a:latin typeface="Cambria" panose="02040503050406030204" pitchFamily="18" charset="0"/>
+                <a:ea typeface="Cambria" panose="02040503050406030204" pitchFamily="18" charset="0"/>
+              </a:rPr>
+              <a:t> </a:t>
+            </a:r>
+            <a:r>
+              <a:rPr lang="en-US" sz="1200" dirty="0" err="1">
+                <a:effectLst/>
+                <a:latin typeface="Cambria" panose="02040503050406030204" pitchFamily="18" charset="0"/>
+                <a:ea typeface="Cambria" panose="02040503050406030204" pitchFamily="18" charset="0"/>
+              </a:rPr>
+              <a:t>các</a:t>
+            </a:r>
+            <a:r>
+              <a:rPr lang="en-US" sz="1200" dirty="0">
+                <a:effectLst/>
+                <a:latin typeface="Cambria" panose="02040503050406030204" pitchFamily="18" charset="0"/>
+                <a:ea typeface="Cambria" panose="02040503050406030204" pitchFamily="18" charset="0"/>
+              </a:rPr>
+              <a:t> </a:t>
+            </a:r>
+            <a:r>
+              <a:rPr lang="en-US" sz="1200" dirty="0" err="1">
+                <a:effectLst/>
+                <a:latin typeface="Cambria" panose="02040503050406030204" pitchFamily="18" charset="0"/>
+                <a:ea typeface="Cambria" panose="02040503050406030204" pitchFamily="18" charset="0"/>
+              </a:rPr>
+              <a:t>giá</a:t>
+            </a:r>
+            <a:r>
+              <a:rPr lang="en-US" sz="1200" dirty="0">
+                <a:effectLst/>
+                <a:latin typeface="Cambria" panose="02040503050406030204" pitchFamily="18" charset="0"/>
+                <a:ea typeface="Cambria" panose="02040503050406030204" pitchFamily="18" charset="0"/>
+              </a:rPr>
+              <a:t> </a:t>
+            </a:r>
+            <a:r>
+              <a:rPr lang="en-US" sz="1200" dirty="0" err="1">
+                <a:effectLst/>
+                <a:latin typeface="Cambria" panose="02040503050406030204" pitchFamily="18" charset="0"/>
+                <a:ea typeface="Cambria" panose="02040503050406030204" pitchFamily="18" charset="0"/>
+              </a:rPr>
+              <a:t>trị</a:t>
+            </a:r>
+            <a:r>
+              <a:rPr lang="en-US" sz="1200" dirty="0">
+                <a:effectLst/>
+                <a:latin typeface="Cambria" panose="02040503050406030204" pitchFamily="18" charset="0"/>
+                <a:ea typeface="Cambria" panose="02040503050406030204" pitchFamily="18" charset="0"/>
+              </a:rPr>
+              <a:t> </a:t>
+            </a:r>
+            <a:r>
+              <a:rPr lang="en-US" sz="1200" dirty="0" err="1">
+                <a:effectLst/>
+                <a:latin typeface="Cambria" panose="02040503050406030204" pitchFamily="18" charset="0"/>
+                <a:ea typeface="Cambria" panose="02040503050406030204" pitchFamily="18" charset="0"/>
+              </a:rPr>
+              <a:t>của</a:t>
+            </a:r>
+            <a:r>
+              <a:rPr lang="en-US" sz="1200" dirty="0">
+                <a:effectLst/>
+                <a:latin typeface="Cambria" panose="02040503050406030204" pitchFamily="18" charset="0"/>
+                <a:ea typeface="Cambria" panose="02040503050406030204" pitchFamily="18" charset="0"/>
+              </a:rPr>
+              <a:t> </a:t>
+            </a:r>
+            <a:r>
+              <a:rPr lang="en-US" sz="1200" dirty="0" err="1">
+                <a:effectLst/>
+                <a:latin typeface="Cambria" panose="02040503050406030204" pitchFamily="18" charset="0"/>
+                <a:ea typeface="Cambria" panose="02040503050406030204" pitchFamily="18" charset="0"/>
+              </a:rPr>
+              <a:t>hệ</a:t>
+            </a:r>
+            <a:r>
+              <a:rPr lang="en-US" sz="1200" dirty="0">
+                <a:effectLst/>
+                <a:latin typeface="Cambria" panose="02040503050406030204" pitchFamily="18" charset="0"/>
+                <a:ea typeface="Cambria" panose="02040503050406030204" pitchFamily="18" charset="0"/>
+              </a:rPr>
+              <a:t> </a:t>
+            </a:r>
+            <a:r>
+              <a:rPr lang="en-US" sz="1200" dirty="0" err="1">
+                <a:effectLst/>
+                <a:latin typeface="Cambria" panose="02040503050406030204" pitchFamily="18" charset="0"/>
+                <a:ea typeface="Cambria" panose="02040503050406030204" pitchFamily="18" charset="0"/>
+              </a:rPr>
+              <a:t>số</a:t>
+            </a:r>
+            <a:r>
+              <a:rPr lang="en-US" sz="1200" dirty="0">
+                <a:effectLst/>
+                <a:latin typeface="Cambria" panose="02040503050406030204" pitchFamily="18" charset="0"/>
+                <a:ea typeface="Cambria" panose="02040503050406030204" pitchFamily="18" charset="0"/>
+              </a:rPr>
+              <a:t> </a:t>
+            </a:r>
+            <a:r>
+              <a:rPr lang="en-US" sz="1200" dirty="0" err="1">
+                <a:effectLst/>
+                <a:latin typeface="Cambria" panose="02040503050406030204" pitchFamily="18" charset="0"/>
+                <a:ea typeface="Cambria" panose="02040503050406030204" pitchFamily="18" charset="0"/>
+              </a:rPr>
+              <a:t>hình</a:t>
+            </a:r>
+            <a:r>
+              <a:rPr lang="en-US" sz="1200" dirty="0">
+                <a:effectLst/>
+                <a:latin typeface="Cambria" panose="02040503050406030204" pitchFamily="18" charset="0"/>
+                <a:ea typeface="Cambria" panose="02040503050406030204" pitchFamily="18" charset="0"/>
+              </a:rPr>
+              <a:t> </a:t>
+            </a:r>
+            <a:r>
+              <a:rPr lang="en-US" sz="1200" dirty="0" err="1">
+                <a:effectLst/>
+                <a:latin typeface="Cambria" panose="02040503050406030204" pitchFamily="18" charset="0"/>
+                <a:ea typeface="Cambria" panose="02040503050406030204" pitchFamily="18" charset="0"/>
+              </a:rPr>
+              <a:t>dạng</a:t>
+            </a:r>
+            <a:r>
+              <a:rPr lang="en-US" sz="1200" dirty="0">
+                <a:effectLst/>
+                <a:latin typeface="Cambria" panose="02040503050406030204" pitchFamily="18" charset="0"/>
+                <a:ea typeface="Cambria" panose="02040503050406030204" pitchFamily="18" charset="0"/>
+              </a:rPr>
+              <a:t> Weibull. </a:t>
+            </a:r>
+            <a:r>
+              <a:rPr lang="en-US" sz="1200" dirty="0" err="1">
+                <a:effectLst/>
+                <a:latin typeface="Cambria" panose="02040503050406030204" pitchFamily="18" charset="0"/>
+                <a:ea typeface="Cambria" panose="02040503050406030204" pitchFamily="18" charset="0"/>
+              </a:rPr>
+              <a:t>Tương</a:t>
+            </a:r>
+            <a:r>
+              <a:rPr lang="en-US" sz="1200" dirty="0">
+                <a:effectLst/>
+                <a:latin typeface="Cambria" panose="02040503050406030204" pitchFamily="18" charset="0"/>
+                <a:ea typeface="Cambria" panose="02040503050406030204" pitchFamily="18" charset="0"/>
+              </a:rPr>
+              <a:t> </a:t>
+            </a:r>
+            <a:r>
+              <a:rPr lang="en-US" sz="1200" dirty="0" err="1">
+                <a:effectLst/>
+                <a:latin typeface="Cambria" panose="02040503050406030204" pitchFamily="18" charset="0"/>
+                <a:ea typeface="Cambria" panose="02040503050406030204" pitchFamily="18" charset="0"/>
+              </a:rPr>
+              <a:t>tự</a:t>
+            </a:r>
+            <a:r>
+              <a:rPr lang="en-US" sz="1200" dirty="0">
+                <a:effectLst/>
+                <a:latin typeface="Cambria" panose="02040503050406030204" pitchFamily="18" charset="0"/>
+                <a:ea typeface="Cambria" panose="02040503050406030204" pitchFamily="18" charset="0"/>
+              </a:rPr>
+              <a:t> </a:t>
+            </a:r>
+            <a:r>
+              <a:rPr lang="en-US" sz="1200" dirty="0" err="1">
+                <a:effectLst/>
+                <a:latin typeface="Cambria" panose="02040503050406030204" pitchFamily="18" charset="0"/>
+                <a:ea typeface="Cambria" panose="02040503050406030204" pitchFamily="18" charset="0"/>
+              </a:rPr>
+              <a:t>với</a:t>
+            </a:r>
+            <a:r>
+              <a:rPr lang="en-US" sz="1200" dirty="0">
+                <a:effectLst/>
+                <a:latin typeface="Cambria" panose="02040503050406030204" pitchFamily="18" charset="0"/>
+                <a:ea typeface="Cambria" panose="02040503050406030204" pitchFamily="18" charset="0"/>
+              </a:rPr>
+              <a:t> </a:t>
+            </a:r>
+            <a:r>
+              <a:rPr lang="en-US" sz="1200" dirty="0" err="1">
+                <a:effectLst/>
+                <a:latin typeface="Cambria" panose="02040503050406030204" pitchFamily="18" charset="0"/>
+                <a:ea typeface="Cambria" panose="02040503050406030204" pitchFamily="18" charset="0"/>
+              </a:rPr>
+              <a:t>cùng</a:t>
+            </a:r>
+            <a:r>
+              <a:rPr lang="en-US" sz="1200" dirty="0">
+                <a:effectLst/>
+                <a:latin typeface="Cambria" panose="02040503050406030204" pitchFamily="18" charset="0"/>
+                <a:ea typeface="Cambria" panose="02040503050406030204" pitchFamily="18" charset="0"/>
+              </a:rPr>
+              <a:t> </a:t>
+            </a:r>
+            <a:r>
+              <a:rPr lang="en-US" sz="1200" dirty="0" err="1">
+                <a:effectLst/>
+                <a:latin typeface="Cambria" panose="02040503050406030204" pitchFamily="18" charset="0"/>
+                <a:ea typeface="Cambria" panose="02040503050406030204" pitchFamily="18" charset="0"/>
+              </a:rPr>
+              <a:t>điều</a:t>
+            </a:r>
+            <a:r>
+              <a:rPr lang="en-US" sz="1200" dirty="0">
+                <a:effectLst/>
+                <a:latin typeface="Cambria" panose="02040503050406030204" pitchFamily="18" charset="0"/>
+                <a:ea typeface="Cambria" panose="02040503050406030204" pitchFamily="18" charset="0"/>
+              </a:rPr>
+              <a:t> </a:t>
+            </a:r>
+            <a:r>
+              <a:rPr lang="en-US" sz="1200" dirty="0" err="1">
+                <a:effectLst/>
+                <a:latin typeface="Cambria" panose="02040503050406030204" pitchFamily="18" charset="0"/>
+                <a:ea typeface="Cambria" panose="02040503050406030204" pitchFamily="18" charset="0"/>
+              </a:rPr>
+              <a:t>kiện</a:t>
+            </a:r>
+            <a:r>
+              <a:rPr lang="en-US" sz="1200" dirty="0">
+                <a:effectLst/>
+                <a:latin typeface="Cambria" panose="02040503050406030204" pitchFamily="18" charset="0"/>
+                <a:ea typeface="Cambria" panose="02040503050406030204" pitchFamily="18" charset="0"/>
+              </a:rPr>
+              <a:t> </a:t>
+            </a:r>
+            <a:r>
+              <a:rPr lang="en-US" sz="1200" dirty="0" err="1">
+                <a:effectLst/>
+                <a:latin typeface="Cambria" panose="02040503050406030204" pitchFamily="18" charset="0"/>
+                <a:ea typeface="Cambria" panose="02040503050406030204" pitchFamily="18" charset="0"/>
+              </a:rPr>
+              <a:t>số</a:t>
+            </a:r>
+            <a:r>
+              <a:rPr lang="en-US" sz="1200" dirty="0">
+                <a:effectLst/>
+                <a:latin typeface="Cambria" panose="02040503050406030204" pitchFamily="18" charset="0"/>
+                <a:ea typeface="Cambria" panose="02040503050406030204" pitchFamily="18" charset="0"/>
+              </a:rPr>
+              <a:t> </a:t>
+            </a:r>
+            <a:r>
+              <a:rPr lang="en-US" sz="1200" dirty="0" err="1">
+                <a:effectLst/>
+                <a:latin typeface="Cambria" panose="02040503050406030204" pitchFamily="18" charset="0"/>
+                <a:ea typeface="Cambria" panose="02040503050406030204" pitchFamily="18" charset="0"/>
+              </a:rPr>
+              <a:t>năm</a:t>
+            </a:r>
+            <a:r>
+              <a:rPr lang="en-US" sz="1200" dirty="0">
+                <a:effectLst/>
+                <a:latin typeface="Cambria" panose="02040503050406030204" pitchFamily="18" charset="0"/>
+                <a:ea typeface="Cambria" panose="02040503050406030204" pitchFamily="18" charset="0"/>
+              </a:rPr>
+              <a:t> </a:t>
+            </a:r>
+            <a:r>
+              <a:rPr lang="en-US" sz="1200" dirty="0" err="1">
+                <a:effectLst/>
+                <a:latin typeface="Cambria" panose="02040503050406030204" pitchFamily="18" charset="0"/>
+                <a:ea typeface="Cambria" panose="02040503050406030204" pitchFamily="18" charset="0"/>
+              </a:rPr>
+              <a:t>phục</a:t>
+            </a:r>
+            <a:r>
+              <a:rPr lang="en-US" sz="1200" dirty="0">
+                <a:effectLst/>
+                <a:latin typeface="Cambria" panose="02040503050406030204" pitchFamily="18" charset="0"/>
+                <a:ea typeface="Cambria" panose="02040503050406030204" pitchFamily="18" charset="0"/>
+              </a:rPr>
+              <a:t> </a:t>
+            </a:r>
+            <a:r>
+              <a:rPr lang="en-US" sz="1200" dirty="0" err="1">
+                <a:effectLst/>
+                <a:latin typeface="Cambria" panose="02040503050406030204" pitchFamily="18" charset="0"/>
+                <a:ea typeface="Cambria" panose="02040503050406030204" pitchFamily="18" charset="0"/>
+              </a:rPr>
+              <a:t>vụ</a:t>
+            </a:r>
+            <a:r>
+              <a:rPr lang="en-US" sz="1200" dirty="0">
+                <a:effectLst/>
+                <a:latin typeface="Cambria" panose="02040503050406030204" pitchFamily="18" charset="0"/>
+                <a:ea typeface="Cambria" panose="02040503050406030204" pitchFamily="18" charset="0"/>
+              </a:rPr>
+              <a:t> </a:t>
+            </a:r>
+            <a:r>
+              <a:rPr lang="en-US" sz="1200" dirty="0" err="1">
+                <a:effectLst/>
+                <a:latin typeface="Cambria" panose="02040503050406030204" pitchFamily="18" charset="0"/>
+                <a:ea typeface="Cambria" panose="02040503050406030204" pitchFamily="18" charset="0"/>
+              </a:rPr>
+              <a:t>là</a:t>
+            </a:r>
+            <a:r>
+              <a:rPr lang="en-US" sz="1200" dirty="0">
+                <a:effectLst/>
+                <a:latin typeface="Cambria" panose="02040503050406030204" pitchFamily="18" charset="0"/>
+                <a:ea typeface="Cambria" panose="02040503050406030204" pitchFamily="18" charset="0"/>
+              </a:rPr>
+              <a:t> 20 </a:t>
+            </a:r>
+            <a:r>
+              <a:rPr lang="en-US" sz="1200" dirty="0" err="1">
+                <a:effectLst/>
+                <a:latin typeface="Cambria" panose="02040503050406030204" pitchFamily="18" charset="0"/>
+                <a:ea typeface="Cambria" panose="02040503050406030204" pitchFamily="18" charset="0"/>
+              </a:rPr>
+              <a:t>năm</a:t>
+            </a:r>
+            <a:r>
+              <a:rPr lang="en-US" sz="1200" dirty="0">
+                <a:effectLst/>
+                <a:latin typeface="Cambria" panose="02040503050406030204" pitchFamily="18" charset="0"/>
+                <a:ea typeface="Cambria" panose="02040503050406030204" pitchFamily="18" charset="0"/>
+              </a:rPr>
+              <a:t>, </a:t>
+            </a:r>
+            <a:r>
+              <a:rPr lang="en-US" sz="1200" dirty="0" err="1">
+                <a:effectLst/>
+                <a:latin typeface="Cambria" panose="02040503050406030204" pitchFamily="18" charset="0"/>
+                <a:ea typeface="Cambria" panose="02040503050406030204" pitchFamily="18" charset="0"/>
+              </a:rPr>
+              <a:t>trường</a:t>
+            </a:r>
+            <a:r>
+              <a:rPr lang="en-US" sz="1200" dirty="0">
+                <a:effectLst/>
+                <a:latin typeface="Cambria" panose="02040503050406030204" pitchFamily="18" charset="0"/>
+                <a:ea typeface="Cambria" panose="02040503050406030204" pitchFamily="18" charset="0"/>
+              </a:rPr>
+              <a:t> </a:t>
+            </a:r>
+            <a:r>
+              <a:rPr lang="en-US" sz="1200" dirty="0" err="1">
+                <a:effectLst/>
+                <a:latin typeface="Cambria" panose="02040503050406030204" pitchFamily="18" charset="0"/>
+                <a:ea typeface="Cambria" panose="02040503050406030204" pitchFamily="18" charset="0"/>
+              </a:rPr>
+              <a:t>hợp</a:t>
+            </a:r>
+            <a:r>
+              <a:rPr lang="en-US" sz="1200" dirty="0">
+                <a:effectLst/>
+                <a:latin typeface="Cambria" panose="02040503050406030204" pitchFamily="18" charset="0"/>
+                <a:ea typeface="Cambria" panose="02040503050406030204" pitchFamily="18" charset="0"/>
+              </a:rPr>
+              <a:t> 2 </a:t>
+            </a:r>
+            <a:r>
+              <a:rPr lang="en-US" sz="1200" dirty="0" err="1">
+                <a:effectLst/>
+                <a:latin typeface="Cambria" panose="02040503050406030204" pitchFamily="18" charset="0"/>
+                <a:ea typeface="Cambria" panose="02040503050406030204" pitchFamily="18" charset="0"/>
+              </a:rPr>
+              <a:t>cũng</a:t>
+            </a:r>
+            <a:r>
+              <a:rPr lang="en-US" sz="1200" dirty="0">
+                <a:effectLst/>
+                <a:latin typeface="Cambria" panose="02040503050406030204" pitchFamily="18" charset="0"/>
+                <a:ea typeface="Cambria" panose="02040503050406030204" pitchFamily="18" charset="0"/>
+              </a:rPr>
+              <a:t> </a:t>
+            </a:r>
+            <a:r>
+              <a:rPr lang="en-US" sz="1200" dirty="0" err="1">
+                <a:effectLst/>
+                <a:latin typeface="Cambria" panose="02040503050406030204" pitchFamily="18" charset="0"/>
+                <a:ea typeface="Cambria" panose="02040503050406030204" pitchFamily="18" charset="0"/>
+              </a:rPr>
+              <a:t>cho</a:t>
+            </a:r>
+            <a:r>
+              <a:rPr lang="en-US" sz="1200" dirty="0">
+                <a:effectLst/>
+                <a:latin typeface="Cambria" panose="02040503050406030204" pitchFamily="18" charset="0"/>
+                <a:ea typeface="Cambria" panose="02040503050406030204" pitchFamily="18" charset="0"/>
+              </a:rPr>
+              <a:t> </a:t>
+            </a:r>
+            <a:r>
+              <a:rPr lang="en-US" sz="1200" dirty="0" err="1">
+                <a:effectLst/>
+                <a:latin typeface="Cambria" panose="02040503050406030204" pitchFamily="18" charset="0"/>
+                <a:ea typeface="Cambria" panose="02040503050406030204" pitchFamily="18" charset="0"/>
+              </a:rPr>
+              <a:t>thấy</a:t>
+            </a:r>
+            <a:r>
+              <a:rPr lang="en-US" sz="1200" dirty="0">
+                <a:effectLst/>
+                <a:latin typeface="Cambria" panose="02040503050406030204" pitchFamily="18" charset="0"/>
+                <a:ea typeface="Cambria" panose="02040503050406030204" pitchFamily="18" charset="0"/>
+              </a:rPr>
+              <a:t> </a:t>
+            </a:r>
+            <a:r>
+              <a:rPr lang="en-US" sz="1200" dirty="0" err="1">
+                <a:effectLst/>
+                <a:latin typeface="Cambria" panose="02040503050406030204" pitchFamily="18" charset="0"/>
+                <a:ea typeface="Cambria" panose="02040503050406030204" pitchFamily="18" charset="0"/>
+              </a:rPr>
+              <a:t>sự</a:t>
+            </a:r>
+            <a:r>
+              <a:rPr lang="en-US" sz="1200" dirty="0">
+                <a:effectLst/>
+                <a:latin typeface="Cambria" panose="02040503050406030204" pitchFamily="18" charset="0"/>
+                <a:ea typeface="Cambria" panose="02040503050406030204" pitchFamily="18" charset="0"/>
+              </a:rPr>
+              <a:t> </a:t>
+            </a:r>
+            <a:r>
+              <a:rPr lang="en-US" sz="1200" dirty="0" err="1">
+                <a:effectLst/>
+                <a:latin typeface="Cambria" panose="02040503050406030204" pitchFamily="18" charset="0"/>
+                <a:ea typeface="Cambria" panose="02040503050406030204" pitchFamily="18" charset="0"/>
+              </a:rPr>
+              <a:t>ảnh</a:t>
+            </a:r>
+            <a:r>
+              <a:rPr lang="en-US" sz="1200" dirty="0">
+                <a:effectLst/>
+                <a:latin typeface="Cambria" panose="02040503050406030204" pitchFamily="18" charset="0"/>
+                <a:ea typeface="Cambria" panose="02040503050406030204" pitchFamily="18" charset="0"/>
+              </a:rPr>
+              <a:t> </a:t>
+            </a:r>
+            <a:r>
+              <a:rPr lang="en-US" sz="1200" dirty="0" err="1">
+                <a:effectLst/>
+                <a:latin typeface="Cambria" panose="02040503050406030204" pitchFamily="18" charset="0"/>
+                <a:ea typeface="Cambria" panose="02040503050406030204" pitchFamily="18" charset="0"/>
+              </a:rPr>
+              <a:t>hưởng</a:t>
+            </a:r>
+            <a:r>
+              <a:rPr lang="en-US" sz="1200" dirty="0">
+                <a:effectLst/>
+                <a:latin typeface="Cambria" panose="02040503050406030204" pitchFamily="18" charset="0"/>
+                <a:ea typeface="Cambria" panose="02040503050406030204" pitchFamily="18" charset="0"/>
+              </a:rPr>
+              <a:t> </a:t>
+            </a:r>
+            <a:r>
+              <a:rPr lang="en-US" sz="1200" dirty="0" err="1">
+                <a:effectLst/>
+                <a:latin typeface="Cambria" panose="02040503050406030204" pitchFamily="18" charset="0"/>
+                <a:ea typeface="Cambria" panose="02040503050406030204" pitchFamily="18" charset="0"/>
+              </a:rPr>
+              <a:t>bởi</a:t>
+            </a:r>
+            <a:r>
+              <a:rPr lang="en-US" sz="1200" dirty="0">
+                <a:effectLst/>
+                <a:latin typeface="Cambria" panose="02040503050406030204" pitchFamily="18" charset="0"/>
+                <a:ea typeface="Cambria" panose="02040503050406030204" pitchFamily="18" charset="0"/>
+              </a:rPr>
+              <a:t> </a:t>
+            </a:r>
+            <a:r>
+              <a:rPr lang="en-US" sz="1200" dirty="0" err="1">
+                <a:effectLst/>
+                <a:latin typeface="Cambria" panose="02040503050406030204" pitchFamily="18" charset="0"/>
+                <a:ea typeface="Cambria" panose="02040503050406030204" pitchFamily="18" charset="0"/>
+              </a:rPr>
+              <a:t>việc</a:t>
+            </a:r>
+            <a:r>
+              <a:rPr lang="en-US" sz="1200" dirty="0">
+                <a:effectLst/>
+                <a:latin typeface="Cambria" panose="02040503050406030204" pitchFamily="18" charset="0"/>
+                <a:ea typeface="Cambria" panose="02040503050406030204" pitchFamily="18" charset="0"/>
+              </a:rPr>
+              <a:t> </a:t>
+            </a:r>
+            <a:r>
+              <a:rPr lang="en-US" sz="1200" dirty="0" err="1">
+                <a:effectLst/>
+                <a:latin typeface="Cambria" panose="02040503050406030204" pitchFamily="18" charset="0"/>
+                <a:ea typeface="Cambria" panose="02040503050406030204" pitchFamily="18" charset="0"/>
+              </a:rPr>
+              <a:t>lựa</a:t>
+            </a:r>
+            <a:r>
+              <a:rPr lang="en-US" sz="1200" dirty="0">
+                <a:effectLst/>
+                <a:latin typeface="Cambria" panose="02040503050406030204" pitchFamily="18" charset="0"/>
+                <a:ea typeface="Cambria" panose="02040503050406030204" pitchFamily="18" charset="0"/>
+              </a:rPr>
+              <a:t> </a:t>
+            </a:r>
+            <a:r>
+              <a:rPr lang="en-US" sz="1200" dirty="0" err="1">
+                <a:effectLst/>
+                <a:latin typeface="Cambria" panose="02040503050406030204" pitchFamily="18" charset="0"/>
+                <a:ea typeface="Cambria" panose="02040503050406030204" pitchFamily="18" charset="0"/>
+              </a:rPr>
+              <a:t>chọn</a:t>
+            </a:r>
+            <a:r>
+              <a:rPr lang="en-US" sz="1200" dirty="0">
+                <a:effectLst/>
+                <a:latin typeface="Cambria" panose="02040503050406030204" pitchFamily="18" charset="0"/>
+                <a:ea typeface="Cambria" panose="02040503050406030204" pitchFamily="18" charset="0"/>
+              </a:rPr>
+              <a:t> </a:t>
+            </a:r>
+            <a:r>
+              <a:rPr lang="en-US" sz="1200" dirty="0" err="1">
+                <a:effectLst/>
+                <a:latin typeface="Cambria" panose="02040503050406030204" pitchFamily="18" charset="0"/>
+                <a:ea typeface="Cambria" panose="02040503050406030204" pitchFamily="18" charset="0"/>
+              </a:rPr>
+              <a:t>hệ</a:t>
+            </a:r>
+            <a:r>
+              <a:rPr lang="en-US" sz="1200" dirty="0">
+                <a:effectLst/>
+                <a:latin typeface="Cambria" panose="02040503050406030204" pitchFamily="18" charset="0"/>
+                <a:ea typeface="Cambria" panose="02040503050406030204" pitchFamily="18" charset="0"/>
+              </a:rPr>
+              <a:t> </a:t>
+            </a:r>
+            <a:r>
+              <a:rPr lang="en-US" sz="1200" dirty="0" err="1">
+                <a:effectLst/>
+                <a:latin typeface="Cambria" panose="02040503050406030204" pitchFamily="18" charset="0"/>
+                <a:ea typeface="Cambria" panose="02040503050406030204" pitchFamily="18" charset="0"/>
+              </a:rPr>
+              <a:t>số</a:t>
+            </a:r>
+            <a:r>
+              <a:rPr lang="en-US" sz="1200" dirty="0">
+                <a:effectLst/>
+                <a:latin typeface="Cambria" panose="02040503050406030204" pitchFamily="18" charset="0"/>
+                <a:ea typeface="Cambria" panose="02040503050406030204" pitchFamily="18" charset="0"/>
+              </a:rPr>
+              <a:t> </a:t>
+            </a:r>
+            <a:r>
+              <a:rPr lang="en-US" sz="1200" dirty="0" err="1">
+                <a:effectLst/>
+                <a:latin typeface="Cambria" panose="02040503050406030204" pitchFamily="18" charset="0"/>
+                <a:ea typeface="Cambria" panose="02040503050406030204" pitchFamily="18" charset="0"/>
+              </a:rPr>
+              <a:t>hình</a:t>
+            </a:r>
+            <a:r>
+              <a:rPr lang="en-US" sz="1200" dirty="0">
+                <a:effectLst/>
+                <a:latin typeface="Cambria" panose="02040503050406030204" pitchFamily="18" charset="0"/>
+                <a:ea typeface="Cambria" panose="02040503050406030204" pitchFamily="18" charset="0"/>
+              </a:rPr>
+              <a:t> </a:t>
+            </a:r>
+            <a:r>
+              <a:rPr lang="en-US" sz="1200" dirty="0" err="1">
+                <a:effectLst/>
+                <a:latin typeface="Cambria" panose="02040503050406030204" pitchFamily="18" charset="0"/>
+                <a:ea typeface="Cambria" panose="02040503050406030204" pitchFamily="18" charset="0"/>
+              </a:rPr>
+              <a:t>dạng</a:t>
+            </a:r>
+            <a:r>
+              <a:rPr lang="en-US" sz="1200" dirty="0">
+                <a:effectLst/>
+                <a:latin typeface="Cambria" panose="02040503050406030204" pitchFamily="18" charset="0"/>
+                <a:ea typeface="Cambria" panose="02040503050406030204" pitchFamily="18" charset="0"/>
+              </a:rPr>
+              <a:t> Weibull </a:t>
+            </a:r>
+            <a:r>
+              <a:rPr lang="en-US" sz="1200" dirty="0" err="1">
+                <a:effectLst/>
+                <a:latin typeface="Cambria" panose="02040503050406030204" pitchFamily="18" charset="0"/>
+                <a:ea typeface="Cambria" panose="02040503050406030204" pitchFamily="18" charset="0"/>
+              </a:rPr>
+              <a:t>trong</a:t>
+            </a:r>
+            <a:r>
+              <a:rPr lang="en-US" sz="1200" dirty="0">
+                <a:effectLst/>
+                <a:latin typeface="Cambria" panose="02040503050406030204" pitchFamily="18" charset="0"/>
+                <a:ea typeface="Cambria" panose="02040503050406030204" pitchFamily="18" charset="0"/>
+              </a:rPr>
+              <a:t> </a:t>
+            </a:r>
+            <a:r>
+              <a:rPr lang="en-US" sz="1200" dirty="0" err="1">
+                <a:effectLst/>
+                <a:latin typeface="Cambria" panose="02040503050406030204" pitchFamily="18" charset="0"/>
+                <a:ea typeface="Cambria" panose="02040503050406030204" pitchFamily="18" charset="0"/>
+              </a:rPr>
+              <a:t>việc</a:t>
+            </a:r>
+            <a:r>
+              <a:rPr lang="en-US" sz="1200" dirty="0">
+                <a:effectLst/>
+                <a:latin typeface="Cambria" panose="02040503050406030204" pitchFamily="18" charset="0"/>
+                <a:ea typeface="Cambria" panose="02040503050406030204" pitchFamily="18" charset="0"/>
+              </a:rPr>
+              <a:t> </a:t>
+            </a:r>
+            <a:r>
+              <a:rPr lang="en-US" sz="1200" dirty="0" err="1">
+                <a:effectLst/>
+                <a:latin typeface="Cambria" panose="02040503050406030204" pitchFamily="18" charset="0"/>
+                <a:ea typeface="Cambria" panose="02040503050406030204" pitchFamily="18" charset="0"/>
+              </a:rPr>
+              <a:t>phân</a:t>
+            </a:r>
+            <a:r>
+              <a:rPr lang="en-US" sz="1200" dirty="0">
+                <a:effectLst/>
+                <a:latin typeface="Cambria" panose="02040503050406030204" pitchFamily="18" charset="0"/>
+                <a:ea typeface="Cambria" panose="02040503050406030204" pitchFamily="18" charset="0"/>
+              </a:rPr>
+              <a:t> </a:t>
+            </a:r>
+            <a:r>
+              <a:rPr lang="en-US" sz="1200" dirty="0" err="1">
+                <a:effectLst/>
+                <a:latin typeface="Cambria" panose="02040503050406030204" pitchFamily="18" charset="0"/>
+                <a:ea typeface="Cambria" panose="02040503050406030204" pitchFamily="18" charset="0"/>
+              </a:rPr>
+              <a:t>tích</a:t>
+            </a:r>
+            <a:r>
+              <a:rPr lang="en-US" sz="1200" dirty="0">
+                <a:effectLst/>
+                <a:latin typeface="Cambria" panose="02040503050406030204" pitchFamily="18" charset="0"/>
+                <a:ea typeface="Cambria" panose="02040503050406030204" pitchFamily="18" charset="0"/>
+              </a:rPr>
+              <a:t> </a:t>
+            </a:r>
+            <a:r>
+              <a:rPr lang="en-US" sz="1200" dirty="0" err="1">
+                <a:effectLst/>
+                <a:latin typeface="Cambria" panose="02040503050406030204" pitchFamily="18" charset="0"/>
+                <a:ea typeface="Cambria" panose="02040503050406030204" pitchFamily="18" charset="0"/>
+              </a:rPr>
+              <a:t>và</a:t>
+            </a:r>
+            <a:r>
+              <a:rPr lang="en-US" sz="1200" dirty="0">
+                <a:effectLst/>
+                <a:latin typeface="Cambria" panose="02040503050406030204" pitchFamily="18" charset="0"/>
+                <a:ea typeface="Cambria" panose="02040503050406030204" pitchFamily="18" charset="0"/>
+              </a:rPr>
+              <a:t> </a:t>
+            </a:r>
+            <a:r>
+              <a:rPr lang="en-US" sz="1200" dirty="0" err="1">
+                <a:effectLst/>
+                <a:latin typeface="Cambria" panose="02040503050406030204" pitchFamily="18" charset="0"/>
+                <a:ea typeface="Cambria" panose="02040503050406030204" pitchFamily="18" charset="0"/>
+              </a:rPr>
+              <a:t>xác</a:t>
+            </a:r>
+            <a:r>
+              <a:rPr lang="en-US" sz="1200" dirty="0">
+                <a:effectLst/>
+                <a:latin typeface="Cambria" panose="02040503050406030204" pitchFamily="18" charset="0"/>
+                <a:ea typeface="Cambria" panose="02040503050406030204" pitchFamily="18" charset="0"/>
+              </a:rPr>
+              <a:t> </a:t>
+            </a:r>
+            <a:r>
+              <a:rPr lang="en-US" sz="1200" dirty="0" err="1">
+                <a:effectLst/>
+                <a:latin typeface="Cambria" panose="02040503050406030204" pitchFamily="18" charset="0"/>
+                <a:ea typeface="Cambria" panose="02040503050406030204" pitchFamily="18" charset="0"/>
+              </a:rPr>
+              <a:t>định</a:t>
+            </a:r>
+            <a:r>
+              <a:rPr lang="en-US" sz="1200" dirty="0">
+                <a:effectLst/>
+                <a:latin typeface="Cambria" panose="02040503050406030204" pitchFamily="18" charset="0"/>
+                <a:ea typeface="Cambria" panose="02040503050406030204" pitchFamily="18" charset="0"/>
+              </a:rPr>
+              <a:t> </a:t>
+            </a:r>
+            <a:r>
+              <a:rPr lang="en-US" sz="1200" dirty="0" err="1">
+                <a:effectLst/>
+                <a:latin typeface="Cambria" panose="02040503050406030204" pitchFamily="18" charset="0"/>
+                <a:ea typeface="Cambria" panose="02040503050406030204" pitchFamily="18" charset="0"/>
+              </a:rPr>
+              <a:t>tuổi</a:t>
+            </a:r>
+            <a:r>
+              <a:rPr lang="en-US" sz="1200" dirty="0">
+                <a:effectLst/>
+                <a:latin typeface="Cambria" panose="02040503050406030204" pitchFamily="18" charset="0"/>
+                <a:ea typeface="Cambria" panose="02040503050406030204" pitchFamily="18" charset="0"/>
+              </a:rPr>
+              <a:t> </a:t>
+            </a:r>
+            <a:r>
+              <a:rPr lang="en-US" sz="1200" dirty="0" err="1">
+                <a:effectLst/>
+                <a:latin typeface="Cambria" panose="02040503050406030204" pitchFamily="18" charset="0"/>
+                <a:ea typeface="Cambria" panose="02040503050406030204" pitchFamily="18" charset="0"/>
+              </a:rPr>
+              <a:t>thọ</a:t>
+            </a:r>
+            <a:r>
+              <a:rPr lang="en-US" sz="1200" dirty="0">
+                <a:effectLst/>
+                <a:latin typeface="Cambria" panose="02040503050406030204" pitchFamily="18" charset="0"/>
+                <a:ea typeface="Cambria" panose="02040503050406030204" pitchFamily="18" charset="0"/>
+              </a:rPr>
+              <a:t> </a:t>
+            </a:r>
+            <a:r>
+              <a:rPr lang="en-US" sz="1200" dirty="0" err="1">
+                <a:effectLst/>
+                <a:latin typeface="Cambria" panose="02040503050406030204" pitchFamily="18" charset="0"/>
+                <a:ea typeface="Cambria" panose="02040503050406030204" pitchFamily="18" charset="0"/>
+              </a:rPr>
+              <a:t>mỏi</a:t>
+            </a:r>
+            <a:r>
+              <a:rPr lang="en-US" sz="1200" dirty="0">
+                <a:effectLst/>
+                <a:latin typeface="Cambria" panose="02040503050406030204" pitchFamily="18" charset="0"/>
+                <a:ea typeface="Cambria" panose="02040503050406030204" pitchFamily="18" charset="0"/>
+              </a:rPr>
+              <a:t> </a:t>
+            </a:r>
+            <a:r>
+              <a:rPr lang="en-US" sz="1200" dirty="0" err="1">
+                <a:effectLst/>
+                <a:latin typeface="Cambria" panose="02040503050406030204" pitchFamily="18" charset="0"/>
+                <a:ea typeface="Cambria" panose="02040503050406030204" pitchFamily="18" charset="0"/>
+              </a:rPr>
+              <a:t>kết</a:t>
+            </a:r>
+            <a:r>
+              <a:rPr lang="en-US" sz="1200" dirty="0">
+                <a:effectLst/>
+                <a:latin typeface="Cambria" panose="02040503050406030204" pitchFamily="18" charset="0"/>
+                <a:ea typeface="Cambria" panose="02040503050406030204" pitchFamily="18" charset="0"/>
+              </a:rPr>
+              <a:t> </a:t>
+            </a:r>
+            <a:r>
+              <a:rPr lang="en-US" sz="1200" dirty="0" err="1">
+                <a:effectLst/>
+                <a:latin typeface="Cambria" panose="02040503050406030204" pitchFamily="18" charset="0"/>
+                <a:ea typeface="Cambria" panose="02040503050406030204" pitchFamily="18" charset="0"/>
+              </a:rPr>
+              <a:t>cấu</a:t>
+            </a:r>
+            <a:r>
+              <a:rPr lang="en-US" sz="1200" dirty="0">
+                <a:effectLst/>
+                <a:latin typeface="Cambria" panose="02040503050406030204" pitchFamily="18" charset="0"/>
+                <a:ea typeface="Cambria" panose="02040503050406030204" pitchFamily="18" charset="0"/>
+              </a:rPr>
+              <a:t>. </a:t>
+            </a:r>
+            <a:r>
+              <a:rPr lang="en-US" sz="1200" dirty="0" err="1">
+                <a:effectLst/>
+                <a:latin typeface="Cambria" panose="02040503050406030204" pitchFamily="18" charset="0"/>
+                <a:ea typeface="Cambria" panose="02040503050406030204" pitchFamily="18" charset="0"/>
+              </a:rPr>
+              <a:t>Trường</a:t>
+            </a:r>
+            <a:r>
+              <a:rPr lang="en-US" sz="1200" dirty="0">
+                <a:effectLst/>
+                <a:latin typeface="Cambria" panose="02040503050406030204" pitchFamily="18" charset="0"/>
+                <a:ea typeface="Cambria" panose="02040503050406030204" pitchFamily="18" charset="0"/>
+              </a:rPr>
+              <a:t> </a:t>
+            </a:r>
+            <a:r>
+              <a:rPr lang="en-US" sz="1200" dirty="0" err="1">
+                <a:effectLst/>
+                <a:latin typeface="Cambria" panose="02040503050406030204" pitchFamily="18" charset="0"/>
+                <a:ea typeface="Cambria" panose="02040503050406030204" pitchFamily="18" charset="0"/>
+              </a:rPr>
+              <a:t>hợp</a:t>
+            </a:r>
+            <a:r>
+              <a:rPr lang="en-US" sz="1200" dirty="0">
+                <a:effectLst/>
+                <a:latin typeface="Cambria" panose="02040503050406030204" pitchFamily="18" charset="0"/>
+                <a:ea typeface="Cambria" panose="02040503050406030204" pitchFamily="18" charset="0"/>
+              </a:rPr>
+              <a:t> </a:t>
+            </a:r>
+            <a:r>
+              <a:rPr lang="en-US" sz="1200" dirty="0" err="1">
+                <a:effectLst/>
+                <a:latin typeface="Cambria" panose="02040503050406030204" pitchFamily="18" charset="0"/>
+                <a:ea typeface="Cambria" panose="02040503050406030204" pitchFamily="18" charset="0"/>
+              </a:rPr>
+              <a:t>này</a:t>
+            </a:r>
+            <a:r>
+              <a:rPr lang="en-US" sz="1200" dirty="0">
+                <a:effectLst/>
+                <a:latin typeface="Cambria" panose="02040503050406030204" pitchFamily="18" charset="0"/>
+                <a:ea typeface="Cambria" panose="02040503050406030204" pitchFamily="18" charset="0"/>
+              </a:rPr>
+              <a:t> </a:t>
+            </a:r>
+            <a:r>
+              <a:rPr lang="en-US" sz="1200" dirty="0" err="1">
+                <a:effectLst/>
+                <a:latin typeface="Cambria" panose="02040503050406030204" pitchFamily="18" charset="0"/>
+                <a:ea typeface="Cambria" panose="02040503050406030204" pitchFamily="18" charset="0"/>
+              </a:rPr>
+              <a:t>tuy</a:t>
+            </a:r>
+            <a:r>
+              <a:rPr lang="en-US" sz="1200" dirty="0">
+                <a:effectLst/>
+                <a:latin typeface="Cambria" panose="02040503050406030204" pitchFamily="18" charset="0"/>
+                <a:ea typeface="Cambria" panose="02040503050406030204" pitchFamily="18" charset="0"/>
+              </a:rPr>
+              <a:t> </a:t>
+            </a:r>
+            <a:r>
+              <a:rPr lang="en-US" sz="1200" dirty="0" err="1">
+                <a:effectLst/>
+                <a:latin typeface="Cambria" panose="02040503050406030204" pitchFamily="18" charset="0"/>
+                <a:ea typeface="Cambria" panose="02040503050406030204" pitchFamily="18" charset="0"/>
+              </a:rPr>
+              <a:t>không</a:t>
+            </a:r>
+            <a:r>
+              <a:rPr lang="en-US" sz="1200" dirty="0">
+                <a:effectLst/>
+                <a:latin typeface="Cambria" panose="02040503050406030204" pitchFamily="18" charset="0"/>
+                <a:ea typeface="Cambria" panose="02040503050406030204" pitchFamily="18" charset="0"/>
+              </a:rPr>
+              <a:t> </a:t>
+            </a:r>
+            <a:r>
+              <a:rPr lang="en-US" sz="1200" dirty="0" err="1">
+                <a:effectLst/>
+                <a:latin typeface="Cambria" panose="02040503050406030204" pitchFamily="18" charset="0"/>
+                <a:ea typeface="Cambria" panose="02040503050406030204" pitchFamily="18" charset="0"/>
+              </a:rPr>
+              <a:t>có</a:t>
+            </a:r>
+            <a:r>
+              <a:rPr lang="en-US" sz="1200" dirty="0">
+                <a:effectLst/>
+                <a:latin typeface="Cambria" panose="02040503050406030204" pitchFamily="18" charset="0"/>
+                <a:ea typeface="Cambria" panose="02040503050406030204" pitchFamily="18" charset="0"/>
+              </a:rPr>
+              <a:t> </a:t>
+            </a:r>
+            <a:r>
+              <a:rPr lang="en-US" sz="1200" dirty="0" err="1">
+                <a:effectLst/>
+                <a:latin typeface="Cambria" panose="02040503050406030204" pitchFamily="18" charset="0"/>
+                <a:ea typeface="Cambria" panose="02040503050406030204" pitchFamily="18" charset="0"/>
+              </a:rPr>
+              <a:t>giá</a:t>
+            </a:r>
+            <a:r>
+              <a:rPr lang="en-US" sz="1200" dirty="0">
+                <a:effectLst/>
+                <a:latin typeface="Cambria" panose="02040503050406030204" pitchFamily="18" charset="0"/>
+                <a:ea typeface="Cambria" panose="02040503050406030204" pitchFamily="18" charset="0"/>
+              </a:rPr>
+              <a:t> </a:t>
+            </a:r>
+            <a:r>
+              <a:rPr lang="en-US" sz="1200" dirty="0" err="1">
+                <a:effectLst/>
+                <a:latin typeface="Cambria" panose="02040503050406030204" pitchFamily="18" charset="0"/>
+                <a:ea typeface="Cambria" panose="02040503050406030204" pitchFamily="18" charset="0"/>
+              </a:rPr>
+              <a:t>trị</a:t>
+            </a:r>
+            <a:r>
+              <a:rPr lang="en-US" sz="1200" dirty="0">
+                <a:effectLst/>
+                <a:latin typeface="Cambria" panose="02040503050406030204" pitchFamily="18" charset="0"/>
+                <a:ea typeface="Cambria" panose="02040503050406030204" pitchFamily="18" charset="0"/>
+              </a:rPr>
+              <a:t> </a:t>
+            </a:r>
+            <a:r>
+              <a:rPr lang="en-US" sz="1200" dirty="0" err="1">
+                <a:effectLst/>
+                <a:latin typeface="Cambria" panose="02040503050406030204" pitchFamily="18" charset="0"/>
+                <a:ea typeface="Cambria" panose="02040503050406030204" pitchFamily="18" charset="0"/>
+              </a:rPr>
+              <a:t>tuổi</a:t>
+            </a:r>
+            <a:r>
+              <a:rPr lang="en-US" sz="1200" dirty="0">
+                <a:effectLst/>
+                <a:latin typeface="Cambria" panose="02040503050406030204" pitchFamily="18" charset="0"/>
+                <a:ea typeface="Cambria" panose="02040503050406030204" pitchFamily="18" charset="0"/>
+              </a:rPr>
+              <a:t> </a:t>
+            </a:r>
+            <a:r>
+              <a:rPr lang="en-US" sz="1200" dirty="0" err="1">
+                <a:effectLst/>
+                <a:latin typeface="Cambria" panose="02040503050406030204" pitchFamily="18" charset="0"/>
+                <a:ea typeface="Cambria" panose="02040503050406030204" pitchFamily="18" charset="0"/>
+              </a:rPr>
+              <a:t>thọ</a:t>
+            </a:r>
+            <a:r>
+              <a:rPr lang="en-US" sz="1200" dirty="0">
+                <a:effectLst/>
+                <a:latin typeface="Cambria" panose="02040503050406030204" pitchFamily="18" charset="0"/>
+                <a:ea typeface="Cambria" panose="02040503050406030204" pitchFamily="18" charset="0"/>
+              </a:rPr>
+              <a:t> </a:t>
+            </a:r>
+            <a:r>
+              <a:rPr lang="en-US" sz="1200" dirty="0" err="1">
+                <a:effectLst/>
+                <a:latin typeface="Cambria" panose="02040503050406030204" pitchFamily="18" charset="0"/>
+                <a:ea typeface="Cambria" panose="02040503050406030204" pitchFamily="18" charset="0"/>
+              </a:rPr>
+              <a:t>mỏi</a:t>
+            </a:r>
+            <a:r>
+              <a:rPr lang="en-US" sz="1200" dirty="0">
+                <a:effectLst/>
+                <a:latin typeface="Cambria" panose="02040503050406030204" pitchFamily="18" charset="0"/>
+                <a:ea typeface="Cambria" panose="02040503050406030204" pitchFamily="18" charset="0"/>
+              </a:rPr>
+              <a:t> </a:t>
+            </a:r>
+            <a:r>
+              <a:rPr lang="en-US" sz="1200" dirty="0" err="1">
+                <a:effectLst/>
+                <a:latin typeface="Cambria" panose="02040503050406030204" pitchFamily="18" charset="0"/>
+                <a:ea typeface="Cambria" panose="02040503050406030204" pitchFamily="18" charset="0"/>
+              </a:rPr>
+              <a:t>tính</a:t>
+            </a:r>
+            <a:r>
+              <a:rPr lang="en-US" sz="1200" dirty="0">
+                <a:effectLst/>
+                <a:latin typeface="Cambria" panose="02040503050406030204" pitchFamily="18" charset="0"/>
+                <a:ea typeface="Cambria" panose="02040503050406030204" pitchFamily="18" charset="0"/>
+              </a:rPr>
+              <a:t> </a:t>
+            </a:r>
+            <a:r>
+              <a:rPr lang="en-US" sz="1200" dirty="0" err="1">
+                <a:effectLst/>
+                <a:latin typeface="Cambria" panose="02040503050406030204" pitchFamily="18" charset="0"/>
+                <a:ea typeface="Cambria" panose="02040503050406030204" pitchFamily="18" charset="0"/>
+              </a:rPr>
+              <a:t>toán</a:t>
+            </a:r>
+            <a:r>
+              <a:rPr lang="en-US" sz="1200" dirty="0">
+                <a:effectLst/>
+                <a:latin typeface="Cambria" panose="02040503050406030204" pitchFamily="18" charset="0"/>
+                <a:ea typeface="Cambria" panose="02040503050406030204" pitchFamily="18" charset="0"/>
+              </a:rPr>
+              <a:t> </a:t>
+            </a:r>
+            <a:r>
+              <a:rPr lang="en-US" sz="1200" dirty="0" err="1">
+                <a:effectLst/>
+                <a:latin typeface="Cambria" panose="02040503050406030204" pitchFamily="18" charset="0"/>
+                <a:ea typeface="Cambria" panose="02040503050406030204" pitchFamily="18" charset="0"/>
+              </a:rPr>
+              <a:t>dưới</a:t>
+            </a:r>
+            <a:r>
+              <a:rPr lang="en-US" sz="1200" dirty="0">
+                <a:effectLst/>
+                <a:latin typeface="Cambria" panose="02040503050406030204" pitchFamily="18" charset="0"/>
+                <a:ea typeface="Cambria" panose="02040503050406030204" pitchFamily="18" charset="0"/>
+              </a:rPr>
+              <a:t> 20 </a:t>
+            </a:r>
+            <a:r>
+              <a:rPr lang="en-US" sz="1200" dirty="0" err="1">
+                <a:effectLst/>
+                <a:latin typeface="Cambria" panose="02040503050406030204" pitchFamily="18" charset="0"/>
+                <a:ea typeface="Cambria" panose="02040503050406030204" pitchFamily="18" charset="0"/>
+              </a:rPr>
+              <a:t>năm</a:t>
+            </a:r>
+            <a:r>
+              <a:rPr lang="en-US" sz="1200" dirty="0">
+                <a:effectLst/>
+                <a:latin typeface="Cambria" panose="02040503050406030204" pitchFamily="18" charset="0"/>
+                <a:ea typeface="Cambria" panose="02040503050406030204" pitchFamily="18" charset="0"/>
+              </a:rPr>
+              <a:t>, </a:t>
+            </a:r>
+            <a:r>
+              <a:rPr lang="en-US" sz="1200" dirty="0" err="1">
+                <a:effectLst/>
+                <a:latin typeface="Cambria" panose="02040503050406030204" pitchFamily="18" charset="0"/>
+                <a:ea typeface="Cambria" panose="02040503050406030204" pitchFamily="18" charset="0"/>
+              </a:rPr>
+              <a:t>tuy</a:t>
+            </a:r>
+            <a:r>
+              <a:rPr lang="en-US" sz="1200" dirty="0">
+                <a:effectLst/>
+                <a:latin typeface="Cambria" panose="02040503050406030204" pitchFamily="18" charset="0"/>
+                <a:ea typeface="Cambria" panose="02040503050406030204" pitchFamily="18" charset="0"/>
+              </a:rPr>
+              <a:t> </a:t>
+            </a:r>
+            <a:r>
+              <a:rPr lang="en-US" sz="1200" dirty="0" err="1">
+                <a:effectLst/>
+                <a:latin typeface="Cambria" panose="02040503050406030204" pitchFamily="18" charset="0"/>
+                <a:ea typeface="Cambria" panose="02040503050406030204" pitchFamily="18" charset="0"/>
+              </a:rPr>
+              <a:t>nhiên</a:t>
+            </a:r>
+            <a:r>
+              <a:rPr lang="en-US" sz="1200" dirty="0">
+                <a:effectLst/>
+                <a:latin typeface="Cambria" panose="02040503050406030204" pitchFamily="18" charset="0"/>
+                <a:ea typeface="Cambria" panose="02040503050406030204" pitchFamily="18" charset="0"/>
+              </a:rPr>
+              <a:t> </a:t>
+            </a:r>
+            <a:r>
+              <a:rPr lang="en-US" sz="1200" dirty="0" err="1">
+                <a:effectLst/>
+                <a:latin typeface="Cambria" panose="02040503050406030204" pitchFamily="18" charset="0"/>
+                <a:ea typeface="Cambria" panose="02040503050406030204" pitchFamily="18" charset="0"/>
+              </a:rPr>
+              <a:t>kết</a:t>
+            </a:r>
+            <a:r>
+              <a:rPr lang="en-US" sz="1200" dirty="0">
+                <a:effectLst/>
+                <a:latin typeface="Cambria" panose="02040503050406030204" pitchFamily="18" charset="0"/>
+                <a:ea typeface="Cambria" panose="02040503050406030204" pitchFamily="18" charset="0"/>
+              </a:rPr>
+              <a:t> </a:t>
+            </a:r>
+            <a:r>
+              <a:rPr lang="en-US" sz="1200" dirty="0" err="1">
+                <a:effectLst/>
+                <a:latin typeface="Cambria" panose="02040503050406030204" pitchFamily="18" charset="0"/>
+                <a:ea typeface="Cambria" panose="02040503050406030204" pitchFamily="18" charset="0"/>
+              </a:rPr>
+              <a:t>quả</a:t>
+            </a:r>
+            <a:r>
+              <a:rPr lang="en-US" sz="1200" dirty="0">
+                <a:effectLst/>
+                <a:latin typeface="Cambria" panose="02040503050406030204" pitchFamily="18" charset="0"/>
+                <a:ea typeface="Cambria" panose="02040503050406030204" pitchFamily="18" charset="0"/>
+              </a:rPr>
+              <a:t> </a:t>
+            </a:r>
+            <a:r>
+              <a:rPr lang="en-US" sz="1200" dirty="0" err="1">
+                <a:effectLst/>
+                <a:latin typeface="Cambria" panose="02040503050406030204" pitchFamily="18" charset="0"/>
+                <a:ea typeface="Cambria" panose="02040503050406030204" pitchFamily="18" charset="0"/>
+              </a:rPr>
+              <a:t>cho</a:t>
+            </a:r>
+            <a:r>
+              <a:rPr lang="en-US" sz="1200" dirty="0">
+                <a:effectLst/>
+                <a:latin typeface="Cambria" panose="02040503050406030204" pitchFamily="18" charset="0"/>
+                <a:ea typeface="Cambria" panose="02040503050406030204" pitchFamily="18" charset="0"/>
+              </a:rPr>
+              <a:t> </a:t>
+            </a:r>
+            <a:r>
+              <a:rPr lang="en-US" sz="1200" dirty="0" err="1">
+                <a:effectLst/>
+                <a:latin typeface="Cambria" panose="02040503050406030204" pitchFamily="18" charset="0"/>
+                <a:ea typeface="Cambria" panose="02040503050406030204" pitchFamily="18" charset="0"/>
+              </a:rPr>
+              <a:t>thấy</a:t>
+            </a:r>
+            <a:r>
+              <a:rPr lang="en-US" sz="1200" dirty="0">
+                <a:effectLst/>
+                <a:latin typeface="Cambria" panose="02040503050406030204" pitchFamily="18" charset="0"/>
+                <a:ea typeface="Cambria" panose="02040503050406030204" pitchFamily="18" charset="0"/>
+              </a:rPr>
+              <a:t> </a:t>
+            </a:r>
+            <a:r>
+              <a:rPr lang="en-US" sz="1200" dirty="0" err="1">
+                <a:effectLst/>
+                <a:latin typeface="Cambria" panose="02040503050406030204" pitchFamily="18" charset="0"/>
+                <a:ea typeface="Cambria" panose="02040503050406030204" pitchFamily="18" charset="0"/>
+              </a:rPr>
+              <a:t>giá</a:t>
+            </a:r>
+            <a:r>
+              <a:rPr lang="en-US" sz="1200" dirty="0">
+                <a:effectLst/>
+                <a:latin typeface="Cambria" panose="02040503050406030204" pitchFamily="18" charset="0"/>
+                <a:ea typeface="Cambria" panose="02040503050406030204" pitchFamily="18" charset="0"/>
+              </a:rPr>
+              <a:t> </a:t>
+            </a:r>
+            <a:r>
+              <a:rPr lang="en-US" sz="1200" dirty="0" err="1">
+                <a:effectLst/>
+                <a:latin typeface="Cambria" panose="02040503050406030204" pitchFamily="18" charset="0"/>
+                <a:ea typeface="Cambria" panose="02040503050406030204" pitchFamily="18" charset="0"/>
+              </a:rPr>
+              <a:t>trị</a:t>
+            </a:r>
+            <a:r>
+              <a:rPr lang="en-US" sz="1200" dirty="0">
+                <a:effectLst/>
+                <a:latin typeface="Cambria" panose="02040503050406030204" pitchFamily="18" charset="0"/>
+                <a:ea typeface="Cambria" panose="02040503050406030204" pitchFamily="18" charset="0"/>
+              </a:rPr>
+              <a:t> </a:t>
+            </a:r>
+            <a:r>
+              <a:rPr lang="en-US" sz="1200" dirty="0" err="1">
+                <a:effectLst/>
+                <a:latin typeface="Cambria" panose="02040503050406030204" pitchFamily="18" charset="0"/>
+                <a:ea typeface="Cambria" panose="02040503050406030204" pitchFamily="18" charset="0"/>
+              </a:rPr>
+              <a:t>của</a:t>
+            </a:r>
+            <a:r>
+              <a:rPr lang="en-US" sz="1200" dirty="0">
+                <a:effectLst/>
+                <a:latin typeface="Cambria" panose="02040503050406030204" pitchFamily="18" charset="0"/>
+                <a:ea typeface="Cambria" panose="02040503050406030204" pitchFamily="18" charset="0"/>
+              </a:rPr>
+              <a:t> </a:t>
+            </a:r>
+            <a:r>
+              <a:rPr lang="en-US" sz="1200" dirty="0" err="1">
+                <a:effectLst/>
+                <a:latin typeface="Cambria" panose="02040503050406030204" pitchFamily="18" charset="0"/>
+                <a:ea typeface="Cambria" panose="02040503050406030204" pitchFamily="18" charset="0"/>
+              </a:rPr>
+              <a:t>tuổi</a:t>
+            </a:r>
+            <a:r>
+              <a:rPr lang="en-US" sz="1200" dirty="0">
+                <a:effectLst/>
+                <a:latin typeface="Cambria" panose="02040503050406030204" pitchFamily="18" charset="0"/>
+                <a:ea typeface="Cambria" panose="02040503050406030204" pitchFamily="18" charset="0"/>
+              </a:rPr>
+              <a:t> </a:t>
+            </a:r>
+            <a:r>
+              <a:rPr lang="en-US" sz="1200" dirty="0" err="1">
+                <a:effectLst/>
+                <a:latin typeface="Cambria" panose="02040503050406030204" pitchFamily="18" charset="0"/>
+                <a:ea typeface="Cambria" panose="02040503050406030204" pitchFamily="18" charset="0"/>
+              </a:rPr>
+              <a:t>thọ</a:t>
+            </a:r>
+            <a:r>
+              <a:rPr lang="en-US" sz="1200" dirty="0">
+                <a:effectLst/>
+                <a:latin typeface="Cambria" panose="02040503050406030204" pitchFamily="18" charset="0"/>
+                <a:ea typeface="Cambria" panose="02040503050406030204" pitchFamily="18" charset="0"/>
+              </a:rPr>
+              <a:t> </a:t>
+            </a:r>
+            <a:r>
+              <a:rPr lang="en-US" sz="1200" dirty="0" err="1">
+                <a:effectLst/>
+                <a:latin typeface="Cambria" panose="02040503050406030204" pitchFamily="18" charset="0"/>
+                <a:ea typeface="Cambria" panose="02040503050406030204" pitchFamily="18" charset="0"/>
+              </a:rPr>
+              <a:t>mỏi</a:t>
+            </a:r>
+            <a:r>
+              <a:rPr lang="en-US" sz="1200" dirty="0">
+                <a:effectLst/>
+                <a:latin typeface="Cambria" panose="02040503050406030204" pitchFamily="18" charset="0"/>
+                <a:ea typeface="Cambria" panose="02040503050406030204" pitchFamily="18" charset="0"/>
+              </a:rPr>
+              <a:t> </a:t>
+            </a:r>
+            <a:r>
+              <a:rPr lang="en-US" sz="1200" dirty="0" err="1">
+                <a:effectLst/>
+                <a:latin typeface="Cambria" panose="02040503050406030204" pitchFamily="18" charset="0"/>
+                <a:ea typeface="Cambria" panose="02040503050406030204" pitchFamily="18" charset="0"/>
+              </a:rPr>
+              <a:t>kết</a:t>
+            </a:r>
+            <a:r>
+              <a:rPr lang="en-US" sz="1200" dirty="0">
+                <a:effectLst/>
+                <a:latin typeface="Cambria" panose="02040503050406030204" pitchFamily="18" charset="0"/>
+                <a:ea typeface="Cambria" panose="02040503050406030204" pitchFamily="18" charset="0"/>
+              </a:rPr>
+              <a:t> </a:t>
+            </a:r>
+            <a:r>
+              <a:rPr lang="en-US" sz="1200" dirty="0" err="1">
+                <a:effectLst/>
+                <a:latin typeface="Cambria" panose="02040503050406030204" pitchFamily="18" charset="0"/>
+                <a:ea typeface="Cambria" panose="02040503050406030204" pitchFamily="18" charset="0"/>
+              </a:rPr>
+              <a:t>cấu</a:t>
+            </a:r>
+            <a:r>
+              <a:rPr lang="en-US" sz="1200" dirty="0">
+                <a:effectLst/>
+                <a:latin typeface="Cambria" panose="02040503050406030204" pitchFamily="18" charset="0"/>
+                <a:ea typeface="Cambria" panose="02040503050406030204" pitchFamily="18" charset="0"/>
+              </a:rPr>
+              <a:t> </a:t>
+            </a:r>
+            <a:r>
+              <a:rPr lang="en-US" sz="1200" dirty="0" err="1">
+                <a:effectLst/>
+                <a:latin typeface="Cambria" panose="02040503050406030204" pitchFamily="18" charset="0"/>
+                <a:ea typeface="Cambria" panose="02040503050406030204" pitchFamily="18" charset="0"/>
+              </a:rPr>
+              <a:t>giảm</a:t>
+            </a:r>
+            <a:r>
+              <a:rPr lang="en-US" sz="1200" dirty="0">
+                <a:effectLst/>
+                <a:latin typeface="Cambria" panose="02040503050406030204" pitchFamily="18" charset="0"/>
+                <a:ea typeface="Cambria" panose="02040503050406030204" pitchFamily="18" charset="0"/>
+              </a:rPr>
+              <a:t> </a:t>
+            </a:r>
+            <a:r>
+              <a:rPr lang="en-US" sz="1200" dirty="0" err="1">
+                <a:effectLst/>
+                <a:latin typeface="Cambria" panose="02040503050406030204" pitchFamily="18" charset="0"/>
+                <a:ea typeface="Cambria" panose="02040503050406030204" pitchFamily="18" charset="0"/>
+              </a:rPr>
+              <a:t>dần</a:t>
+            </a:r>
+            <a:r>
+              <a:rPr lang="en-US" sz="1200" dirty="0">
+                <a:effectLst/>
+                <a:latin typeface="Cambria" panose="02040503050406030204" pitchFamily="18" charset="0"/>
+                <a:ea typeface="Cambria" panose="02040503050406030204" pitchFamily="18" charset="0"/>
+              </a:rPr>
+              <a:t> </a:t>
+            </a:r>
+            <a:r>
+              <a:rPr lang="en-US" sz="1200" dirty="0" err="1">
+                <a:effectLst/>
+                <a:latin typeface="Cambria" panose="02040503050406030204" pitchFamily="18" charset="0"/>
+                <a:ea typeface="Cambria" panose="02040503050406030204" pitchFamily="18" charset="0"/>
+              </a:rPr>
+              <a:t>từ</a:t>
+            </a:r>
+            <a:r>
+              <a:rPr lang="en-US" sz="1200" dirty="0">
+                <a:effectLst/>
+                <a:latin typeface="Cambria" panose="02040503050406030204" pitchFamily="18" charset="0"/>
+                <a:ea typeface="Cambria" panose="02040503050406030204" pitchFamily="18" charset="0"/>
+              </a:rPr>
+              <a:t> 23465 </a:t>
+            </a:r>
+            <a:r>
+              <a:rPr lang="en-US" sz="1200" dirty="0" err="1">
+                <a:effectLst/>
+                <a:latin typeface="Cambria" panose="02040503050406030204" pitchFamily="18" charset="0"/>
+                <a:ea typeface="Cambria" panose="02040503050406030204" pitchFamily="18" charset="0"/>
+              </a:rPr>
+              <a:t>năm</a:t>
+            </a:r>
+            <a:r>
+              <a:rPr lang="en-US" sz="1200" dirty="0">
+                <a:effectLst/>
+                <a:latin typeface="Cambria" panose="02040503050406030204" pitchFamily="18" charset="0"/>
+                <a:ea typeface="Cambria" panose="02040503050406030204" pitchFamily="18" charset="0"/>
+              </a:rPr>
+              <a:t> </a:t>
+            </a:r>
+            <a:r>
+              <a:rPr lang="en-US" sz="1200" dirty="0" err="1">
+                <a:effectLst/>
+                <a:latin typeface="Cambria" panose="02040503050406030204" pitchFamily="18" charset="0"/>
+                <a:ea typeface="Cambria" panose="02040503050406030204" pitchFamily="18" charset="0"/>
+              </a:rPr>
+              <a:t>khi</a:t>
+            </a:r>
+            <a:r>
+              <a:rPr lang="en-US" sz="1200" dirty="0">
+                <a:effectLst/>
+                <a:latin typeface="Cambria" panose="02040503050406030204" pitchFamily="18" charset="0"/>
+                <a:ea typeface="Cambria" panose="02040503050406030204" pitchFamily="18" charset="0"/>
+              </a:rPr>
+              <a:t> </a:t>
+            </a:r>
+            <a:r>
+              <a:rPr lang="en-US" sz="1200" dirty="0" err="1">
+                <a:effectLst/>
+                <a:latin typeface="Cambria" panose="02040503050406030204" pitchFamily="18" charset="0"/>
+                <a:ea typeface="Cambria" panose="02040503050406030204" pitchFamily="18" charset="0"/>
+              </a:rPr>
+              <a:t>chọn</a:t>
+            </a:r>
+            <a:r>
+              <a:rPr lang="en-US" sz="1200" dirty="0">
+                <a:effectLst/>
+                <a:latin typeface="Cambria" panose="02040503050406030204" pitchFamily="18" charset="0"/>
+                <a:ea typeface="Cambria" panose="02040503050406030204" pitchFamily="18" charset="0"/>
+              </a:rPr>
+              <a:t> </a:t>
+            </a:r>
+            <a:r>
+              <a:rPr lang="en-US" sz="1200" dirty="0" err="1">
+                <a:effectLst/>
+                <a:latin typeface="Cambria" panose="02040503050406030204" pitchFamily="18" charset="0"/>
+                <a:ea typeface="Cambria" panose="02040503050406030204" pitchFamily="18" charset="0"/>
+              </a:rPr>
+              <a:t>hệ</a:t>
+            </a:r>
+            <a:r>
+              <a:rPr lang="en-US" sz="1200" dirty="0">
+                <a:effectLst/>
+                <a:latin typeface="Cambria" panose="02040503050406030204" pitchFamily="18" charset="0"/>
+                <a:ea typeface="Cambria" panose="02040503050406030204" pitchFamily="18" charset="0"/>
+              </a:rPr>
+              <a:t> </a:t>
+            </a:r>
+            <a:r>
+              <a:rPr lang="en-US" sz="1200" dirty="0" err="1">
+                <a:effectLst/>
+                <a:latin typeface="Cambria" panose="02040503050406030204" pitchFamily="18" charset="0"/>
+                <a:ea typeface="Cambria" panose="02040503050406030204" pitchFamily="18" charset="0"/>
+              </a:rPr>
+              <a:t>số</a:t>
+            </a:r>
+            <a:r>
+              <a:rPr lang="en-US" sz="1200" dirty="0">
+                <a:effectLst/>
+                <a:latin typeface="Cambria" panose="02040503050406030204" pitchFamily="18" charset="0"/>
+                <a:ea typeface="Cambria" panose="02040503050406030204" pitchFamily="18" charset="0"/>
+              </a:rPr>
+              <a:t> Weibull 0.5 </a:t>
+            </a:r>
+            <a:r>
+              <a:rPr lang="en-US" sz="1200" dirty="0" err="1">
+                <a:effectLst/>
+                <a:latin typeface="Cambria" panose="02040503050406030204" pitchFamily="18" charset="0"/>
+                <a:ea typeface="Cambria" panose="02040503050406030204" pitchFamily="18" charset="0"/>
+              </a:rPr>
+              <a:t>về</a:t>
+            </a:r>
+            <a:r>
+              <a:rPr lang="en-US" sz="1200" dirty="0">
+                <a:effectLst/>
+                <a:latin typeface="Cambria" panose="02040503050406030204" pitchFamily="18" charset="0"/>
+                <a:ea typeface="Cambria" panose="02040503050406030204" pitchFamily="18" charset="0"/>
+              </a:rPr>
+              <a:t> 68.223 </a:t>
+            </a:r>
+            <a:r>
+              <a:rPr lang="en-US" sz="1200" dirty="0" err="1">
+                <a:effectLst/>
+                <a:latin typeface="Cambria" panose="02040503050406030204" pitchFamily="18" charset="0"/>
+                <a:ea typeface="Cambria" panose="02040503050406030204" pitchFamily="18" charset="0"/>
+              </a:rPr>
+              <a:t>năm</a:t>
+            </a:r>
+            <a:r>
+              <a:rPr lang="en-US" sz="1200" dirty="0">
+                <a:effectLst/>
+                <a:latin typeface="Cambria" panose="02040503050406030204" pitchFamily="18" charset="0"/>
+                <a:ea typeface="Cambria" panose="02040503050406030204" pitchFamily="18" charset="0"/>
+              </a:rPr>
+              <a:t> </a:t>
+            </a:r>
+            <a:r>
+              <a:rPr lang="en-US" sz="1200" dirty="0" err="1">
+                <a:effectLst/>
+                <a:latin typeface="Cambria" panose="02040503050406030204" pitchFamily="18" charset="0"/>
+                <a:ea typeface="Cambria" panose="02040503050406030204" pitchFamily="18" charset="0"/>
+              </a:rPr>
+              <a:t>khi</a:t>
+            </a:r>
+            <a:r>
+              <a:rPr lang="en-US" sz="1200" dirty="0">
+                <a:effectLst/>
+                <a:latin typeface="Cambria" panose="02040503050406030204" pitchFamily="18" charset="0"/>
+                <a:ea typeface="Cambria" panose="02040503050406030204" pitchFamily="18" charset="0"/>
+              </a:rPr>
+              <a:t> </a:t>
+            </a:r>
+            <a:r>
+              <a:rPr lang="en-US" sz="1200" dirty="0" err="1">
+                <a:effectLst/>
+                <a:latin typeface="Cambria" panose="02040503050406030204" pitchFamily="18" charset="0"/>
+                <a:ea typeface="Cambria" panose="02040503050406030204" pitchFamily="18" charset="0"/>
+              </a:rPr>
+              <a:t>chọn</a:t>
+            </a:r>
+            <a:r>
+              <a:rPr lang="en-US" sz="1200" dirty="0">
+                <a:effectLst/>
+                <a:latin typeface="Cambria" panose="02040503050406030204" pitchFamily="18" charset="0"/>
+                <a:ea typeface="Cambria" panose="02040503050406030204" pitchFamily="18" charset="0"/>
+              </a:rPr>
+              <a:t> </a:t>
+            </a:r>
+            <a:r>
+              <a:rPr lang="en-US" sz="1200" dirty="0" err="1">
+                <a:effectLst/>
+                <a:latin typeface="Cambria" panose="02040503050406030204" pitchFamily="18" charset="0"/>
+                <a:ea typeface="Cambria" panose="02040503050406030204" pitchFamily="18" charset="0"/>
+              </a:rPr>
+              <a:t>hệ</a:t>
+            </a:r>
+            <a:r>
+              <a:rPr lang="en-US" sz="1200" dirty="0">
+                <a:effectLst/>
+                <a:latin typeface="Cambria" panose="02040503050406030204" pitchFamily="18" charset="0"/>
+                <a:ea typeface="Cambria" panose="02040503050406030204" pitchFamily="18" charset="0"/>
+              </a:rPr>
+              <a:t> </a:t>
+            </a:r>
+            <a:r>
+              <a:rPr lang="en-US" sz="1200" dirty="0" err="1">
+                <a:effectLst/>
+                <a:latin typeface="Cambria" panose="02040503050406030204" pitchFamily="18" charset="0"/>
+                <a:ea typeface="Cambria" panose="02040503050406030204" pitchFamily="18" charset="0"/>
+              </a:rPr>
+              <a:t>số</a:t>
+            </a:r>
+            <a:r>
+              <a:rPr lang="en-US" sz="1200" dirty="0">
+                <a:effectLst/>
+                <a:latin typeface="Cambria" panose="02040503050406030204" pitchFamily="18" charset="0"/>
+                <a:ea typeface="Cambria" panose="02040503050406030204" pitchFamily="18" charset="0"/>
+              </a:rPr>
+              <a:t> Weibull 1.3. </a:t>
+            </a:r>
+            <a:endParaRPr lang="en-US" sz="1200" spc="-5" dirty="0">
+              <a:effectLst/>
+              <a:latin typeface="Cambria" panose="02040503050406030204" pitchFamily="18" charset="0"/>
+              <a:ea typeface="Cambria" panose="02040503050406030204" pitchFamily="18" charset="0"/>
+            </a:endParaRPr>
+          </a:p>
           <a:p>
             <a:endParaRPr lang="en-US" dirty="0"/>
           </a:p>
@@ -4957,7 +6600,7 @@
           <a:p>
             <a:fld id="{788865AF-7432-480B-9612-EF5D3F52AA0C}" type="datetime1">
               <a:rPr lang="en-GB" smtClean="0"/>
-              <a:t>12/08/2024</a:t>
+              <a:t>13/08/2024</a:t>
             </a:fld>
             <a:endParaRPr lang="en-GB"/>
           </a:p>
@@ -5127,7 +6770,7 @@
           <a:p>
             <a:fld id="{1FC71D8B-99EC-40EA-A233-0973E00D4C15}" type="datetime1">
               <a:rPr lang="en-GB" smtClean="0"/>
-              <a:t>12/08/2024</a:t>
+              <a:t>13/08/2024</a:t>
             </a:fld>
             <a:endParaRPr lang="en-GB"/>
           </a:p>
@@ -5307,7 +6950,7 @@
           <a:p>
             <a:fld id="{F25A149F-3BC9-4488-A0F1-D096F9FC243D}" type="datetime1">
               <a:rPr lang="en-GB" smtClean="0"/>
-              <a:t>12/08/2024</a:t>
+              <a:t>13/08/2024</a:t>
             </a:fld>
             <a:endParaRPr lang="en-GB"/>
           </a:p>
@@ -5477,7 +7120,7 @@
           <a:p>
             <a:fld id="{0E2D3034-9D35-41A4-9E94-4FBA333E95EE}" type="datetime1">
               <a:rPr lang="en-GB" smtClean="0"/>
-              <a:t>12/08/2024</a:t>
+              <a:t>13/08/2024</a:t>
             </a:fld>
             <a:endParaRPr lang="en-GB"/>
           </a:p>
@@ -5723,7 +7366,7 @@
           <a:p>
             <a:fld id="{49EDE3FE-C736-42F7-A4F3-D2C26C11E4F2}" type="datetime1">
               <a:rPr lang="en-GB" smtClean="0"/>
-              <a:t>12/08/2024</a:t>
+              <a:t>13/08/2024</a:t>
             </a:fld>
             <a:endParaRPr lang="en-GB"/>
           </a:p>
@@ -5955,7 +7598,7 @@
           <a:p>
             <a:fld id="{C91EB60C-8AFE-46E6-8973-70771194545E}" type="datetime1">
               <a:rPr lang="en-GB" smtClean="0"/>
-              <a:t>12/08/2024</a:t>
+              <a:t>13/08/2024</a:t>
             </a:fld>
             <a:endParaRPr lang="en-GB"/>
           </a:p>
@@ -6322,7 +7965,7 @@
           <a:p>
             <a:fld id="{EA985306-3F5C-4164-B1BE-AF062875C1EC}" type="datetime1">
               <a:rPr lang="en-GB" smtClean="0"/>
-              <a:t>12/08/2024</a:t>
+              <a:t>13/08/2024</a:t>
             </a:fld>
             <a:endParaRPr lang="en-GB"/>
           </a:p>
@@ -6440,7 +8083,7 @@
           <a:p>
             <a:fld id="{AC64500A-0CA5-4733-9D06-CCAE2ED65B74}" type="datetime1">
               <a:rPr lang="en-GB" smtClean="0"/>
-              <a:t>12/08/2024</a:t>
+              <a:t>13/08/2024</a:t>
             </a:fld>
             <a:endParaRPr lang="en-GB"/>
           </a:p>
@@ -6535,7 +8178,7 @@
           <a:p>
             <a:fld id="{B99782EB-9EB7-4454-9EDC-422D6DFF334E}" type="datetime1">
               <a:rPr lang="en-GB" smtClean="0"/>
-              <a:t>12/08/2024</a:t>
+              <a:t>13/08/2024</a:t>
             </a:fld>
             <a:endParaRPr lang="en-GB"/>
           </a:p>
@@ -6812,7 +8455,7 @@
           <a:p>
             <a:fld id="{51176BB7-EE7E-4CDD-B66F-6308210D855D}" type="datetime1">
               <a:rPr lang="en-GB" smtClean="0"/>
-              <a:t>12/08/2024</a:t>
+              <a:t>13/08/2024</a:t>
             </a:fld>
             <a:endParaRPr lang="en-GB"/>
           </a:p>
@@ -7065,7 +8708,7 @@
           <a:p>
             <a:fld id="{C678F787-E9DC-484B-8432-0A5290E98B47}" type="datetime1">
               <a:rPr lang="en-GB" smtClean="0"/>
-              <a:t>12/08/2024</a:t>
+              <a:t>13/08/2024</a:t>
             </a:fld>
             <a:endParaRPr lang="en-GB"/>
           </a:p>
@@ -7287,7 +8930,7 @@
           <a:p>
             <a:fld id="{AD2ED24A-EECF-431B-9837-DCF7CD8E0482}" type="datetime1">
               <a:rPr lang="en-GB" smtClean="0"/>
-              <a:t>12/08/2024</a:t>
+              <a:t>13/08/2024</a:t>
             </a:fld>
             <a:endParaRPr lang="en-GB"/>
           </a:p>
@@ -8925,58 +10568,6 @@
       </p:sp>
       <p:sp>
         <p:nvSpPr>
-          <p:cNvPr id="5" name="Rectangle 4">
-            <a:extLst>
-              <a:ext uri="{FF2B5EF4-FFF2-40B4-BE49-F238E27FC236}">
-                <a16:creationId xmlns:a16="http://schemas.microsoft.com/office/drawing/2014/main" id="{DD5A9045-492D-0BCD-2764-6DF30C16A6CD}"/>
-              </a:ext>
-            </a:extLst>
-          </p:cNvPr>
-          <p:cNvSpPr/>
-          <p:nvPr/>
-        </p:nvSpPr>
-        <p:spPr>
-          <a:xfrm>
-            <a:off x="0" y="0"/>
-            <a:ext cx="12192000" cy="6858000"/>
-          </a:xfrm>
-          <a:prstGeom prst="rect">
-            <a:avLst/>
-          </a:prstGeom>
-          <a:solidFill>
-            <a:schemeClr val="bg1"/>
-          </a:solidFill>
-          <a:ln>
-            <a:noFill/>
-          </a:ln>
-        </p:spPr>
-        <p:style>
-          <a:lnRef idx="2">
-            <a:schemeClr val="accent1">
-              <a:shade val="15000"/>
-            </a:schemeClr>
-          </a:lnRef>
-          <a:fillRef idx="1">
-            <a:schemeClr val="accent1"/>
-          </a:fillRef>
-          <a:effectRef idx="0">
-            <a:schemeClr val="accent1"/>
-          </a:effectRef>
-          <a:fontRef idx="minor">
-            <a:schemeClr val="lt1"/>
-          </a:fontRef>
-        </p:style>
-        <p:txBody>
-          <a:bodyPr rtlCol="0" anchor="ctr"/>
-          <a:lstStyle/>
-          <a:p>
-            <a:pPr algn="ctr"/>
-            <a:endParaRPr lang="en-US"/>
-          </a:p>
-        </p:txBody>
-      </p:sp>
-      <p:sp>
-        <p:nvSpPr>
           <p:cNvPr id="9" name="Arrow: Pentagon 8">
             <a:extLst>
               <a:ext uri="{FF2B5EF4-FFF2-40B4-BE49-F238E27FC236}">
@@ -9687,58 +11278,6 @@
           <a:xfrm>
             <a:off x="0" y="0"/>
             <a:ext cx="6096000" cy="2371725"/>
-          </a:xfrm>
-          <a:prstGeom prst="rect">
-            <a:avLst/>
-          </a:prstGeom>
-          <a:solidFill>
-            <a:schemeClr val="bg1"/>
-          </a:solidFill>
-          <a:ln>
-            <a:noFill/>
-          </a:ln>
-        </p:spPr>
-        <p:style>
-          <a:lnRef idx="2">
-            <a:schemeClr val="accent1">
-              <a:shade val="15000"/>
-            </a:schemeClr>
-          </a:lnRef>
-          <a:fillRef idx="1">
-            <a:schemeClr val="accent1"/>
-          </a:fillRef>
-          <a:effectRef idx="0">
-            <a:schemeClr val="accent1"/>
-          </a:effectRef>
-          <a:fontRef idx="minor">
-            <a:schemeClr val="lt1"/>
-          </a:fontRef>
-        </p:style>
-        <p:txBody>
-          <a:bodyPr rtlCol="0" anchor="ctr"/>
-          <a:lstStyle/>
-          <a:p>
-            <a:pPr algn="ctr"/>
-            <a:endParaRPr lang="en-US"/>
-          </a:p>
-        </p:txBody>
-      </p:sp>
-      <p:sp>
-        <p:nvSpPr>
-          <p:cNvPr id="5" name="Rectangle 4">
-            <a:extLst>
-              <a:ext uri="{FF2B5EF4-FFF2-40B4-BE49-F238E27FC236}">
-                <a16:creationId xmlns:a16="http://schemas.microsoft.com/office/drawing/2014/main" id="{DD5A9045-492D-0BCD-2764-6DF30C16A6CD}"/>
-              </a:ext>
-            </a:extLst>
-          </p:cNvPr>
-          <p:cNvSpPr/>
-          <p:nvPr/>
-        </p:nvSpPr>
-        <p:spPr>
-          <a:xfrm>
-            <a:off x="0" y="0"/>
-            <a:ext cx="12192000" cy="6858000"/>
           </a:xfrm>
           <a:prstGeom prst="rect">
             <a:avLst/>
@@ -10367,7 +11906,7 @@
         </p:blipFill>
         <p:spPr bwMode="auto">
           <a:xfrm>
-            <a:off x="7500321" y="3937128"/>
+            <a:off x="5592587" y="3880930"/>
             <a:ext cx="4602121" cy="2761456"/>
           </a:xfrm>
           <a:prstGeom prst="rect">
@@ -10427,58 +11966,6 @@
           <a:xfrm>
             <a:off x="0" y="0"/>
             <a:ext cx="6096000" cy="2371725"/>
-          </a:xfrm>
-          <a:prstGeom prst="rect">
-            <a:avLst/>
-          </a:prstGeom>
-          <a:solidFill>
-            <a:schemeClr val="bg1"/>
-          </a:solidFill>
-          <a:ln>
-            <a:noFill/>
-          </a:ln>
-        </p:spPr>
-        <p:style>
-          <a:lnRef idx="2">
-            <a:schemeClr val="accent1">
-              <a:shade val="15000"/>
-            </a:schemeClr>
-          </a:lnRef>
-          <a:fillRef idx="1">
-            <a:schemeClr val="accent1"/>
-          </a:fillRef>
-          <a:effectRef idx="0">
-            <a:schemeClr val="accent1"/>
-          </a:effectRef>
-          <a:fontRef idx="minor">
-            <a:schemeClr val="lt1"/>
-          </a:fontRef>
-        </p:style>
-        <p:txBody>
-          <a:bodyPr rtlCol="0" anchor="ctr"/>
-          <a:lstStyle/>
-          <a:p>
-            <a:pPr algn="ctr"/>
-            <a:endParaRPr lang="en-US"/>
-          </a:p>
-        </p:txBody>
-      </p:sp>
-      <p:sp>
-        <p:nvSpPr>
-          <p:cNvPr id="5" name="Rectangle 4">
-            <a:extLst>
-              <a:ext uri="{FF2B5EF4-FFF2-40B4-BE49-F238E27FC236}">
-                <a16:creationId xmlns:a16="http://schemas.microsoft.com/office/drawing/2014/main" id="{DD5A9045-492D-0BCD-2764-6DF30C16A6CD}"/>
-              </a:ext>
-            </a:extLst>
-          </p:cNvPr>
-          <p:cNvSpPr/>
-          <p:nvPr/>
-        </p:nvSpPr>
-        <p:spPr>
-          <a:xfrm>
-            <a:off x="0" y="0"/>
-            <a:ext cx="12192000" cy="6858000"/>
           </a:xfrm>
           <a:prstGeom prst="rect">
             <a:avLst/>
@@ -11204,10 +12691,1150 @@
       </p:sp>
       <p:sp>
         <p:nvSpPr>
-          <p:cNvPr id="5" name="Rectangle 4">
+          <p:cNvPr id="9" name="Arrow: Pentagon 8">
             <a:extLst>
               <a:ext uri="{FF2B5EF4-FFF2-40B4-BE49-F238E27FC236}">
-                <a16:creationId xmlns:a16="http://schemas.microsoft.com/office/drawing/2014/main" id="{DD5A9045-492D-0BCD-2764-6DF30C16A6CD}"/>
+                <a16:creationId xmlns:a16="http://schemas.microsoft.com/office/drawing/2014/main" id="{825114DF-7015-A4E5-3570-B3B4D50A1F54}"/>
+              </a:ext>
+            </a:extLst>
+          </p:cNvPr>
+          <p:cNvSpPr/>
+          <p:nvPr/>
+        </p:nvSpPr>
+        <p:spPr>
+          <a:xfrm>
+            <a:off x="264516" y="322987"/>
+            <a:ext cx="5413473" cy="484632"/>
+          </a:xfrm>
+          <a:prstGeom prst="homePlate">
+            <a:avLst/>
+          </a:prstGeom>
+          <a:solidFill>
+            <a:srgbClr val="15848B"/>
+          </a:solidFill>
+          <a:ln>
+            <a:noFill/>
+          </a:ln>
+        </p:spPr>
+        <p:style>
+          <a:lnRef idx="2">
+            <a:schemeClr val="accent1">
+              <a:shade val="15000"/>
+            </a:schemeClr>
+          </a:lnRef>
+          <a:fillRef idx="1">
+            <a:schemeClr val="accent1"/>
+          </a:fillRef>
+          <a:effectRef idx="0">
+            <a:schemeClr val="accent1"/>
+          </a:effectRef>
+          <a:fontRef idx="minor">
+            <a:schemeClr val="lt1"/>
+          </a:fontRef>
+        </p:style>
+        <p:txBody>
+          <a:bodyPr rtlCol="0" anchor="ctr"/>
+          <a:lstStyle/>
+          <a:p>
+            <a:pPr algn="ctr"/>
+            <a:endParaRPr lang="en-US"/>
+          </a:p>
+        </p:txBody>
+      </p:sp>
+      <p:sp>
+        <p:nvSpPr>
+          <p:cNvPr id="6" name="Rectangle 15">
+            <a:extLst>
+              <a:ext uri="{FF2B5EF4-FFF2-40B4-BE49-F238E27FC236}">
+                <a16:creationId xmlns:a16="http://schemas.microsoft.com/office/drawing/2014/main" id="{79B26C9F-381B-B38A-0256-05516E21BF35}"/>
+              </a:ext>
+            </a:extLst>
+          </p:cNvPr>
+          <p:cNvSpPr>
+            <a:spLocks noChangeArrowheads="1"/>
+          </p:cNvSpPr>
+          <p:nvPr/>
+        </p:nvSpPr>
+        <p:spPr bwMode="auto">
+          <a:xfrm>
+            <a:off x="385589" y="322987"/>
+            <a:ext cx="5292399" cy="477054"/>
+          </a:xfrm>
+          <a:prstGeom prst="rect">
+            <a:avLst/>
+          </a:prstGeom>
+          <a:noFill/>
+          <a:ln>
+            <a:noFill/>
+          </a:ln>
+          <a:extLst>
+            <a:ext uri="{909E8E84-426E-40DD-AFC4-6F175D3DCCD1}">
+              <a14:hiddenFill xmlns:a14="http://schemas.microsoft.com/office/drawing/2010/main">
+                <a:solidFill>
+                  <a:srgbClr val="FFFFFF"/>
+                </a:solidFill>
+              </a14:hiddenFill>
+            </a:ext>
+            <a:ext uri="{91240B29-F687-4F45-9708-019B960494DF}">
+              <a14:hiddenLine xmlns:a14="http://schemas.microsoft.com/office/drawing/2010/main" w="9525">
+                <a:solidFill>
+                  <a:srgbClr val="000000"/>
+                </a:solidFill>
+                <a:miter lim="800000"/>
+                <a:headEnd/>
+                <a:tailEnd/>
+              </a14:hiddenLine>
+            </a:ext>
+          </a:extLst>
+        </p:spPr>
+        <p:txBody>
+          <a:bodyPr wrap="square">
+            <a:spAutoFit/>
+          </a:bodyPr>
+          <a:lstStyle>
+            <a:lvl1pPr eaLnBrk="0" hangingPunct="0">
+              <a:defRPr>
+                <a:solidFill>
+                  <a:schemeClr val="tx1"/>
+                </a:solidFill>
+                <a:latin typeface="Arial" panose="020B0604020202020204" pitchFamily="34" charset="0"/>
+                <a:ea typeface="宋体" panose="02010600030101010101" pitchFamily="2" charset="-122"/>
+              </a:defRPr>
+            </a:lvl1pPr>
+            <a:lvl2pPr marL="742950" indent="-285750" eaLnBrk="0" hangingPunct="0">
+              <a:defRPr>
+                <a:solidFill>
+                  <a:schemeClr val="tx1"/>
+                </a:solidFill>
+                <a:latin typeface="Arial" panose="020B0604020202020204" pitchFamily="34" charset="0"/>
+                <a:ea typeface="宋体" panose="02010600030101010101" pitchFamily="2" charset="-122"/>
+              </a:defRPr>
+            </a:lvl2pPr>
+            <a:lvl3pPr marL="1143000" indent="-228600" eaLnBrk="0" hangingPunct="0">
+              <a:defRPr>
+                <a:solidFill>
+                  <a:schemeClr val="tx1"/>
+                </a:solidFill>
+                <a:latin typeface="Arial" panose="020B0604020202020204" pitchFamily="34" charset="0"/>
+                <a:ea typeface="宋体" panose="02010600030101010101" pitchFamily="2" charset="-122"/>
+              </a:defRPr>
+            </a:lvl3pPr>
+            <a:lvl4pPr marL="1600200" indent="-228600" eaLnBrk="0" hangingPunct="0">
+              <a:defRPr>
+                <a:solidFill>
+                  <a:schemeClr val="tx1"/>
+                </a:solidFill>
+                <a:latin typeface="Arial" panose="020B0604020202020204" pitchFamily="34" charset="0"/>
+                <a:ea typeface="宋体" panose="02010600030101010101" pitchFamily="2" charset="-122"/>
+              </a:defRPr>
+            </a:lvl4pPr>
+            <a:lvl5pPr marL="2057400" indent="-228600" eaLnBrk="0" hangingPunct="0">
+              <a:defRPr>
+                <a:solidFill>
+                  <a:schemeClr val="tx1"/>
+                </a:solidFill>
+                <a:latin typeface="Arial" panose="020B0604020202020204" pitchFamily="34" charset="0"/>
+                <a:ea typeface="宋体" panose="02010600030101010101" pitchFamily="2" charset="-122"/>
+              </a:defRPr>
+            </a:lvl5pPr>
+            <a:lvl6pPr marL="2514600" indent="-228600" eaLnBrk="0" fontAlgn="base" hangingPunct="0">
+              <a:spcBef>
+                <a:spcPct val="0"/>
+              </a:spcBef>
+              <a:spcAft>
+                <a:spcPct val="0"/>
+              </a:spcAft>
+              <a:defRPr>
+                <a:solidFill>
+                  <a:schemeClr val="tx1"/>
+                </a:solidFill>
+                <a:latin typeface="Arial" panose="020B0604020202020204" pitchFamily="34" charset="0"/>
+                <a:ea typeface="宋体" panose="02010600030101010101" pitchFamily="2" charset="-122"/>
+              </a:defRPr>
+            </a:lvl6pPr>
+            <a:lvl7pPr marL="2971800" indent="-228600" eaLnBrk="0" fontAlgn="base" hangingPunct="0">
+              <a:spcBef>
+                <a:spcPct val="0"/>
+              </a:spcBef>
+              <a:spcAft>
+                <a:spcPct val="0"/>
+              </a:spcAft>
+              <a:defRPr>
+                <a:solidFill>
+                  <a:schemeClr val="tx1"/>
+                </a:solidFill>
+                <a:latin typeface="Arial" panose="020B0604020202020204" pitchFamily="34" charset="0"/>
+                <a:ea typeface="宋体" panose="02010600030101010101" pitchFamily="2" charset="-122"/>
+              </a:defRPr>
+            </a:lvl7pPr>
+            <a:lvl8pPr marL="3429000" indent="-228600" eaLnBrk="0" fontAlgn="base" hangingPunct="0">
+              <a:spcBef>
+                <a:spcPct val="0"/>
+              </a:spcBef>
+              <a:spcAft>
+                <a:spcPct val="0"/>
+              </a:spcAft>
+              <a:defRPr>
+                <a:solidFill>
+                  <a:schemeClr val="tx1"/>
+                </a:solidFill>
+                <a:latin typeface="Arial" panose="020B0604020202020204" pitchFamily="34" charset="0"/>
+                <a:ea typeface="宋体" panose="02010600030101010101" pitchFamily="2" charset="-122"/>
+              </a:defRPr>
+            </a:lvl8pPr>
+            <a:lvl9pPr marL="3886200" indent="-228600" eaLnBrk="0" fontAlgn="base" hangingPunct="0">
+              <a:spcBef>
+                <a:spcPct val="0"/>
+              </a:spcBef>
+              <a:spcAft>
+                <a:spcPct val="0"/>
+              </a:spcAft>
+              <a:defRPr>
+                <a:solidFill>
+                  <a:schemeClr val="tx1"/>
+                </a:solidFill>
+                <a:latin typeface="Arial" panose="020B0604020202020204" pitchFamily="34" charset="0"/>
+                <a:ea typeface="宋体" panose="02010600030101010101" pitchFamily="2" charset="-122"/>
+              </a:defRPr>
+            </a:lvl9pPr>
+          </a:lstStyle>
+          <a:p>
+            <a:pPr eaLnBrk="1" hangingPunct="1">
+              <a:spcBef>
+                <a:spcPct val="50000"/>
+              </a:spcBef>
+            </a:pPr>
+            <a:r>
+              <a:rPr lang="en-US" sz="2500" b="1" dirty="0">
+                <a:solidFill>
+                  <a:schemeClr val="bg1"/>
+                </a:solidFill>
+                <a:latin typeface="Cambria" panose="02040503050406030204" pitchFamily="18" charset="0"/>
+                <a:ea typeface="Cambria" panose="02040503050406030204" pitchFamily="18" charset="0"/>
+                <a:cs typeface="Arial" panose="020B0604020202020204" pitchFamily="34" charset="0"/>
+              </a:rPr>
+              <a:t>KẾT LUẬN – HƯỚNG PHÁT TRIỂN</a:t>
+            </a:r>
+          </a:p>
+        </p:txBody>
+      </p:sp>
+      <p:cxnSp>
+        <p:nvCxnSpPr>
+          <p:cNvPr id="12" name="Straight Connector 11">
+            <a:extLst>
+              <a:ext uri="{FF2B5EF4-FFF2-40B4-BE49-F238E27FC236}">
+                <a16:creationId xmlns:a16="http://schemas.microsoft.com/office/drawing/2014/main" id="{59FF3DBA-E58D-F129-E10A-6CF6F99991C5}"/>
+              </a:ext>
+            </a:extLst>
+          </p:cNvPr>
+          <p:cNvCxnSpPr>
+            <a:cxnSpLocks/>
+          </p:cNvCxnSpPr>
+          <p:nvPr/>
+        </p:nvCxnSpPr>
+        <p:spPr>
+          <a:xfrm>
+            <a:off x="264516" y="965200"/>
+            <a:ext cx="11317884" cy="0"/>
+          </a:xfrm>
+          <a:prstGeom prst="line">
+            <a:avLst/>
+          </a:prstGeom>
+          <a:ln w="38100">
+            <a:solidFill>
+              <a:srgbClr val="15848B"/>
+            </a:solidFill>
+          </a:ln>
+        </p:spPr>
+        <p:style>
+          <a:lnRef idx="1">
+            <a:schemeClr val="accent1"/>
+          </a:lnRef>
+          <a:fillRef idx="0">
+            <a:schemeClr val="accent1"/>
+          </a:fillRef>
+          <a:effectRef idx="0">
+            <a:schemeClr val="accent1"/>
+          </a:effectRef>
+          <a:fontRef idx="minor">
+            <a:schemeClr val="tx1"/>
+          </a:fontRef>
+        </p:style>
+      </p:cxnSp>
+      <p:pic>
+        <p:nvPicPr>
+          <p:cNvPr id="14" name="Picture 13">
+            <a:extLst>
+              <a:ext uri="{FF2B5EF4-FFF2-40B4-BE49-F238E27FC236}">
+                <a16:creationId xmlns:a16="http://schemas.microsoft.com/office/drawing/2014/main" id="{CCCD50FD-6889-4AB8-A389-0A435EBB1ADA}"/>
+              </a:ext>
+            </a:extLst>
+          </p:cNvPr>
+          <p:cNvPicPr>
+            <a:picLocks noChangeAspect="1"/>
+          </p:cNvPicPr>
+          <p:nvPr/>
+        </p:nvPicPr>
+        <p:blipFill rotWithShape="1">
+          <a:blip r:embed="rId3" cstate="print">
+            <a:extLst>
+              <a:ext uri="{28A0092B-C50C-407E-A947-70E740481C1C}">
+                <a14:useLocalDpi xmlns:a14="http://schemas.microsoft.com/office/drawing/2010/main" val="0"/>
+              </a:ext>
+            </a:extLst>
+          </a:blip>
+          <a:srcRect l="46571" t="40808" r="16364" b="43636"/>
+          <a:stretch/>
+        </p:blipFill>
+        <p:spPr>
+          <a:xfrm>
+            <a:off x="9321735" y="279956"/>
+            <a:ext cx="2385356" cy="563116"/>
+          </a:xfrm>
+          <a:prstGeom prst="rect">
+            <a:avLst/>
+          </a:prstGeom>
+        </p:spPr>
+      </p:pic>
+      <p:sp>
+        <p:nvSpPr>
+          <p:cNvPr id="19" name="Text Box 25">
+            <a:extLst>
+              <a:ext uri="{FF2B5EF4-FFF2-40B4-BE49-F238E27FC236}">
+                <a16:creationId xmlns:a16="http://schemas.microsoft.com/office/drawing/2014/main" id="{11C5259B-EC9E-B824-2FF8-FE6F71E56595}"/>
+              </a:ext>
+            </a:extLst>
+          </p:cNvPr>
+          <p:cNvSpPr txBox="1">
+            <a:spLocks noChangeArrowheads="1"/>
+          </p:cNvSpPr>
+          <p:nvPr/>
+        </p:nvSpPr>
+        <p:spPr bwMode="auto">
+          <a:xfrm>
+            <a:off x="435705" y="1211269"/>
+            <a:ext cx="10975506" cy="830997"/>
+          </a:xfrm>
+          <a:prstGeom prst="rect">
+            <a:avLst/>
+          </a:prstGeom>
+          <a:noFill/>
+          <a:ln>
+            <a:noFill/>
+          </a:ln>
+          <a:extLst>
+            <a:ext uri="{909E8E84-426E-40DD-AFC4-6F175D3DCCD1}">
+              <a14:hiddenFill xmlns:a14="http://schemas.microsoft.com/office/drawing/2010/main">
+                <a:solidFill>
+                  <a:srgbClr val="FFFFFF"/>
+                </a:solidFill>
+              </a14:hiddenFill>
+            </a:ext>
+            <a:ext uri="{91240B29-F687-4F45-9708-019B960494DF}">
+              <a14:hiddenLine xmlns:a14="http://schemas.microsoft.com/office/drawing/2010/main" w="9525">
+                <a:solidFill>
+                  <a:srgbClr val="000000"/>
+                </a:solidFill>
+                <a:miter lim="800000"/>
+                <a:headEnd/>
+                <a:tailEnd/>
+              </a14:hiddenLine>
+            </a:ext>
+          </a:extLst>
+        </p:spPr>
+        <p:txBody>
+          <a:bodyPr wrap="square">
+            <a:spAutoFit/>
+          </a:bodyPr>
+          <a:lstStyle>
+            <a:lvl1pPr eaLnBrk="0" hangingPunct="0">
+              <a:defRPr>
+                <a:solidFill>
+                  <a:schemeClr val="tx1"/>
+                </a:solidFill>
+                <a:latin typeface="Arial" panose="020B0604020202020204" pitchFamily="34" charset="0"/>
+                <a:ea typeface="宋体" panose="02010600030101010101" pitchFamily="2" charset="-122"/>
+              </a:defRPr>
+            </a:lvl1pPr>
+            <a:lvl2pPr marL="742950" indent="-285750" eaLnBrk="0" hangingPunct="0">
+              <a:defRPr>
+                <a:solidFill>
+                  <a:schemeClr val="tx1"/>
+                </a:solidFill>
+                <a:latin typeface="Arial" panose="020B0604020202020204" pitchFamily="34" charset="0"/>
+                <a:ea typeface="宋体" panose="02010600030101010101" pitchFamily="2" charset="-122"/>
+              </a:defRPr>
+            </a:lvl2pPr>
+            <a:lvl3pPr marL="1143000" indent="-228600" eaLnBrk="0" hangingPunct="0">
+              <a:defRPr>
+                <a:solidFill>
+                  <a:schemeClr val="tx1"/>
+                </a:solidFill>
+                <a:latin typeface="Arial" panose="020B0604020202020204" pitchFamily="34" charset="0"/>
+                <a:ea typeface="宋体" panose="02010600030101010101" pitchFamily="2" charset="-122"/>
+              </a:defRPr>
+            </a:lvl3pPr>
+            <a:lvl4pPr marL="1600200" indent="-228600" eaLnBrk="0" hangingPunct="0">
+              <a:defRPr>
+                <a:solidFill>
+                  <a:schemeClr val="tx1"/>
+                </a:solidFill>
+                <a:latin typeface="Arial" panose="020B0604020202020204" pitchFamily="34" charset="0"/>
+                <a:ea typeface="宋体" panose="02010600030101010101" pitchFamily="2" charset="-122"/>
+              </a:defRPr>
+            </a:lvl4pPr>
+            <a:lvl5pPr marL="2057400" indent="-228600" eaLnBrk="0" hangingPunct="0">
+              <a:defRPr>
+                <a:solidFill>
+                  <a:schemeClr val="tx1"/>
+                </a:solidFill>
+                <a:latin typeface="Arial" panose="020B0604020202020204" pitchFamily="34" charset="0"/>
+                <a:ea typeface="宋体" panose="02010600030101010101" pitchFamily="2" charset="-122"/>
+              </a:defRPr>
+            </a:lvl5pPr>
+            <a:lvl6pPr marL="2514600" indent="-228600" eaLnBrk="0" fontAlgn="base" hangingPunct="0">
+              <a:spcBef>
+                <a:spcPct val="0"/>
+              </a:spcBef>
+              <a:spcAft>
+                <a:spcPct val="0"/>
+              </a:spcAft>
+              <a:defRPr>
+                <a:solidFill>
+                  <a:schemeClr val="tx1"/>
+                </a:solidFill>
+                <a:latin typeface="Arial" panose="020B0604020202020204" pitchFamily="34" charset="0"/>
+                <a:ea typeface="宋体" panose="02010600030101010101" pitchFamily="2" charset="-122"/>
+              </a:defRPr>
+            </a:lvl6pPr>
+            <a:lvl7pPr marL="2971800" indent="-228600" eaLnBrk="0" fontAlgn="base" hangingPunct="0">
+              <a:spcBef>
+                <a:spcPct val="0"/>
+              </a:spcBef>
+              <a:spcAft>
+                <a:spcPct val="0"/>
+              </a:spcAft>
+              <a:defRPr>
+                <a:solidFill>
+                  <a:schemeClr val="tx1"/>
+                </a:solidFill>
+                <a:latin typeface="Arial" panose="020B0604020202020204" pitchFamily="34" charset="0"/>
+                <a:ea typeface="宋体" panose="02010600030101010101" pitchFamily="2" charset="-122"/>
+              </a:defRPr>
+            </a:lvl7pPr>
+            <a:lvl8pPr marL="3429000" indent="-228600" eaLnBrk="0" fontAlgn="base" hangingPunct="0">
+              <a:spcBef>
+                <a:spcPct val="0"/>
+              </a:spcBef>
+              <a:spcAft>
+                <a:spcPct val="0"/>
+              </a:spcAft>
+              <a:defRPr>
+                <a:solidFill>
+                  <a:schemeClr val="tx1"/>
+                </a:solidFill>
+                <a:latin typeface="Arial" panose="020B0604020202020204" pitchFamily="34" charset="0"/>
+                <a:ea typeface="宋体" panose="02010600030101010101" pitchFamily="2" charset="-122"/>
+              </a:defRPr>
+            </a:lvl8pPr>
+            <a:lvl9pPr marL="3886200" indent="-228600" eaLnBrk="0" fontAlgn="base" hangingPunct="0">
+              <a:spcBef>
+                <a:spcPct val="0"/>
+              </a:spcBef>
+              <a:spcAft>
+                <a:spcPct val="0"/>
+              </a:spcAft>
+              <a:defRPr>
+                <a:solidFill>
+                  <a:schemeClr val="tx1"/>
+                </a:solidFill>
+                <a:latin typeface="Arial" panose="020B0604020202020204" pitchFamily="34" charset="0"/>
+                <a:ea typeface="宋体" panose="02010600030101010101" pitchFamily="2" charset="-122"/>
+              </a:defRPr>
+            </a:lvl9pPr>
+          </a:lstStyle>
+          <a:p>
+            <a:r>
+              <a:rPr lang="en-US" sz="2000" b="1" dirty="0">
+                <a:solidFill>
+                  <a:srgbClr val="FF0000"/>
+                </a:solidFill>
+                <a:latin typeface="Cambria" panose="02040503050406030204" pitchFamily="18" charset="0"/>
+                <a:ea typeface="Cambria" panose="02040503050406030204" pitchFamily="18" charset="0"/>
+              </a:rPr>
+              <a:t> </a:t>
+            </a:r>
+            <a:endParaRPr lang="en-US" sz="2000" dirty="0">
+              <a:solidFill>
+                <a:srgbClr val="FF0000"/>
+              </a:solidFill>
+              <a:latin typeface="Cambria" panose="02040503050406030204" pitchFamily="18" charset="0"/>
+              <a:ea typeface="Cambria" panose="02040503050406030204" pitchFamily="18" charset="0"/>
+            </a:endParaRPr>
+          </a:p>
+          <a:p>
+            <a:pPr algn="ctr"/>
+            <a:r>
+              <a:rPr lang="en-US" sz="2800" b="1" dirty="0">
+                <a:latin typeface="Cambria" panose="02040503050406030204" pitchFamily="18" charset="0"/>
+                <a:ea typeface="Cambria" panose="02040503050406030204" pitchFamily="18" charset="0"/>
+                <a:cs typeface="Arial" panose="020B0604020202020204" pitchFamily="34" charset="0"/>
+              </a:rPr>
+              <a:t>KẾT LUẬN</a:t>
+            </a:r>
+            <a:endParaRPr lang="en-US" sz="2800" dirty="0">
+              <a:effectLst/>
+              <a:latin typeface="Cambria" panose="02040503050406030204" pitchFamily="18" charset="0"/>
+              <a:ea typeface="Cambria" panose="02040503050406030204" pitchFamily="18" charset="0"/>
+              <a:cs typeface="Arial" panose="020B0604020202020204" pitchFamily="34" charset="0"/>
+            </a:endParaRPr>
+          </a:p>
+        </p:txBody>
+      </p:sp>
+      <p:sp>
+        <p:nvSpPr>
+          <p:cNvPr id="4" name="TextBox 3">
+            <a:extLst>
+              <a:ext uri="{FF2B5EF4-FFF2-40B4-BE49-F238E27FC236}">
+                <a16:creationId xmlns:a16="http://schemas.microsoft.com/office/drawing/2014/main" id="{2159FDA5-8B5F-BD0C-17B9-7D1F771C8958}"/>
+              </a:ext>
+            </a:extLst>
+          </p:cNvPr>
+          <p:cNvSpPr txBox="1"/>
+          <p:nvPr/>
+        </p:nvSpPr>
+        <p:spPr>
+          <a:xfrm>
+            <a:off x="264516" y="2530668"/>
+            <a:ext cx="11442575" cy="1035668"/>
+          </a:xfrm>
+          <a:prstGeom prst="rect">
+            <a:avLst/>
+          </a:prstGeom>
+          <a:noFill/>
+        </p:spPr>
+        <p:txBody>
+          <a:bodyPr wrap="square">
+            <a:spAutoFit/>
+          </a:bodyPr>
+          <a:lstStyle/>
+          <a:p>
+            <a:pPr marL="285750" marR="0" indent="-285750" algn="just">
+              <a:lnSpc>
+                <a:spcPct val="95000"/>
+              </a:lnSpc>
+              <a:spcBef>
+                <a:spcPts val="0"/>
+              </a:spcBef>
+              <a:spcAft>
+                <a:spcPts val="600"/>
+              </a:spcAft>
+              <a:buFontTx/>
+              <a:buChar char="-"/>
+              <a:tabLst>
+                <a:tab pos="182880" algn="l"/>
+              </a:tabLst>
+            </a:pPr>
+            <a:r>
+              <a:rPr lang="en-US" sz="1800" dirty="0" err="1">
+                <a:effectLst/>
+                <a:latin typeface="Cambria" panose="02040503050406030204" pitchFamily="18" charset="0"/>
+                <a:ea typeface="Cambria" panose="02040503050406030204" pitchFamily="18" charset="0"/>
+              </a:rPr>
+              <a:t>Xây</a:t>
+            </a:r>
+            <a:r>
+              <a:rPr lang="en-US" sz="1800" dirty="0">
+                <a:effectLst/>
+                <a:latin typeface="Cambria" panose="02040503050406030204" pitchFamily="18" charset="0"/>
+                <a:ea typeface="Cambria" panose="02040503050406030204" pitchFamily="18" charset="0"/>
+              </a:rPr>
+              <a:t> </a:t>
+            </a:r>
+            <a:r>
+              <a:rPr lang="en-US" sz="1800" dirty="0" err="1">
+                <a:effectLst/>
+                <a:latin typeface="Cambria" panose="02040503050406030204" pitchFamily="18" charset="0"/>
+                <a:ea typeface="Cambria" panose="02040503050406030204" pitchFamily="18" charset="0"/>
+              </a:rPr>
+              <a:t>dựng</a:t>
+            </a:r>
+            <a:r>
+              <a:rPr lang="en-US" sz="1800" dirty="0">
+                <a:effectLst/>
+                <a:latin typeface="Cambria" panose="02040503050406030204" pitchFamily="18" charset="0"/>
+                <a:ea typeface="Cambria" panose="02040503050406030204" pitchFamily="18" charset="0"/>
+              </a:rPr>
+              <a:t> </a:t>
+            </a:r>
+            <a:r>
+              <a:rPr lang="en-US" sz="1800" dirty="0" err="1">
+                <a:effectLst/>
+                <a:latin typeface="Cambria" panose="02040503050406030204" pitchFamily="18" charset="0"/>
+                <a:ea typeface="Cambria" panose="02040503050406030204" pitchFamily="18" charset="0"/>
+              </a:rPr>
+              <a:t>được</a:t>
+            </a:r>
+            <a:r>
+              <a:rPr lang="en-US" sz="1800" dirty="0">
+                <a:effectLst/>
+                <a:latin typeface="Cambria" panose="02040503050406030204" pitchFamily="18" charset="0"/>
+                <a:ea typeface="Cambria" panose="02040503050406030204" pitchFamily="18" charset="0"/>
+              </a:rPr>
+              <a:t> </a:t>
+            </a:r>
+            <a:r>
+              <a:rPr lang="en-US" sz="1800" dirty="0" err="1">
+                <a:effectLst/>
+                <a:latin typeface="Cambria" panose="02040503050406030204" pitchFamily="18" charset="0"/>
+                <a:ea typeface="Cambria" panose="02040503050406030204" pitchFamily="18" charset="0"/>
+              </a:rPr>
+              <a:t>chương</a:t>
+            </a:r>
+            <a:r>
+              <a:rPr lang="en-US" sz="1800" dirty="0">
+                <a:effectLst/>
+                <a:latin typeface="Cambria" panose="02040503050406030204" pitchFamily="18" charset="0"/>
+                <a:ea typeface="Cambria" panose="02040503050406030204" pitchFamily="18" charset="0"/>
+              </a:rPr>
+              <a:t> </a:t>
+            </a:r>
+            <a:r>
+              <a:rPr lang="en-US" sz="1800" dirty="0" err="1">
+                <a:effectLst/>
+                <a:latin typeface="Cambria" panose="02040503050406030204" pitchFamily="18" charset="0"/>
+                <a:ea typeface="Cambria" panose="02040503050406030204" pitchFamily="18" charset="0"/>
+              </a:rPr>
+              <a:t>trình</a:t>
+            </a:r>
+            <a:r>
+              <a:rPr lang="en-US" sz="1800" dirty="0">
+                <a:effectLst/>
+                <a:latin typeface="Cambria" panose="02040503050406030204" pitchFamily="18" charset="0"/>
+                <a:ea typeface="Cambria" panose="02040503050406030204" pitchFamily="18" charset="0"/>
+              </a:rPr>
+              <a:t> </a:t>
+            </a:r>
+            <a:r>
+              <a:rPr lang="en-US" sz="1800" dirty="0" err="1">
+                <a:effectLst/>
+                <a:latin typeface="Cambria" panose="02040503050406030204" pitchFamily="18" charset="0"/>
+                <a:ea typeface="Cambria" panose="02040503050406030204" pitchFamily="18" charset="0"/>
+              </a:rPr>
+              <a:t>hỗ</a:t>
+            </a:r>
+            <a:r>
+              <a:rPr lang="en-US" sz="1800" dirty="0">
+                <a:effectLst/>
+                <a:latin typeface="Cambria" panose="02040503050406030204" pitchFamily="18" charset="0"/>
+                <a:ea typeface="Cambria" panose="02040503050406030204" pitchFamily="18" charset="0"/>
+              </a:rPr>
+              <a:t> </a:t>
+            </a:r>
+            <a:r>
+              <a:rPr lang="en-US" sz="1800" dirty="0" err="1">
+                <a:effectLst/>
+                <a:latin typeface="Cambria" panose="02040503050406030204" pitchFamily="18" charset="0"/>
+                <a:ea typeface="Cambria" panose="02040503050406030204" pitchFamily="18" charset="0"/>
+              </a:rPr>
+              <a:t>trợ</a:t>
+            </a:r>
+            <a:r>
+              <a:rPr lang="en-US" sz="1800" dirty="0">
+                <a:effectLst/>
+                <a:latin typeface="Cambria" panose="02040503050406030204" pitchFamily="18" charset="0"/>
+                <a:ea typeface="Cambria" panose="02040503050406030204" pitchFamily="18" charset="0"/>
+              </a:rPr>
+              <a:t> </a:t>
+            </a:r>
+            <a:r>
+              <a:rPr lang="en-US" sz="1800" dirty="0" err="1">
+                <a:effectLst/>
+                <a:latin typeface="Cambria" panose="02040503050406030204" pitchFamily="18" charset="0"/>
+                <a:ea typeface="Cambria" panose="02040503050406030204" pitchFamily="18" charset="0"/>
+              </a:rPr>
+              <a:t>tính</a:t>
+            </a:r>
+            <a:r>
+              <a:rPr lang="en-US" sz="1800" dirty="0">
+                <a:effectLst/>
+                <a:latin typeface="Cambria" panose="02040503050406030204" pitchFamily="18" charset="0"/>
+                <a:ea typeface="Cambria" panose="02040503050406030204" pitchFamily="18" charset="0"/>
+              </a:rPr>
+              <a:t> </a:t>
+            </a:r>
+            <a:r>
+              <a:rPr lang="en-US" sz="1800" dirty="0" err="1">
+                <a:effectLst/>
+                <a:latin typeface="Cambria" panose="02040503050406030204" pitchFamily="18" charset="0"/>
+                <a:ea typeface="Cambria" panose="02040503050406030204" pitchFamily="18" charset="0"/>
+              </a:rPr>
+              <a:t>toán</a:t>
+            </a:r>
+            <a:r>
+              <a:rPr lang="en-US" sz="1800" dirty="0">
+                <a:effectLst/>
+                <a:latin typeface="Cambria" panose="02040503050406030204" pitchFamily="18" charset="0"/>
+                <a:ea typeface="Cambria" panose="02040503050406030204" pitchFamily="18" charset="0"/>
+              </a:rPr>
+              <a:t>, </a:t>
+            </a:r>
+            <a:r>
+              <a:rPr lang="en-US" sz="1800" dirty="0" err="1">
+                <a:effectLst/>
+                <a:latin typeface="Cambria" panose="02040503050406030204" pitchFamily="18" charset="0"/>
+                <a:ea typeface="Cambria" panose="02040503050406030204" pitchFamily="18" charset="0"/>
+              </a:rPr>
+              <a:t>dựa</a:t>
+            </a:r>
+            <a:r>
+              <a:rPr lang="en-US" sz="1800" dirty="0">
+                <a:effectLst/>
+                <a:latin typeface="Cambria" panose="02040503050406030204" pitchFamily="18" charset="0"/>
+                <a:ea typeface="Cambria" panose="02040503050406030204" pitchFamily="18" charset="0"/>
+              </a:rPr>
+              <a:t> </a:t>
+            </a:r>
+            <a:r>
+              <a:rPr lang="en-US" sz="1800" dirty="0" err="1">
+                <a:effectLst/>
+                <a:latin typeface="Cambria" panose="02040503050406030204" pitchFamily="18" charset="0"/>
+                <a:ea typeface="Cambria" panose="02040503050406030204" pitchFamily="18" charset="0"/>
+              </a:rPr>
+              <a:t>trên</a:t>
+            </a:r>
+            <a:r>
+              <a:rPr lang="en-US" sz="1800" dirty="0">
+                <a:effectLst/>
+                <a:latin typeface="Cambria" panose="02040503050406030204" pitchFamily="18" charset="0"/>
+                <a:ea typeface="Cambria" panose="02040503050406030204" pitchFamily="18" charset="0"/>
+              </a:rPr>
+              <a:t> </a:t>
+            </a:r>
+            <a:r>
+              <a:rPr lang="en-US" sz="1800" dirty="0" err="1">
+                <a:effectLst/>
+                <a:latin typeface="Cambria" panose="02040503050406030204" pitchFamily="18" charset="0"/>
+                <a:ea typeface="Cambria" panose="02040503050406030204" pitchFamily="18" charset="0"/>
+              </a:rPr>
+              <a:t>ngôn</a:t>
+            </a:r>
+            <a:r>
+              <a:rPr lang="en-US" sz="1800" dirty="0">
+                <a:effectLst/>
+                <a:latin typeface="Cambria" panose="02040503050406030204" pitchFamily="18" charset="0"/>
+                <a:ea typeface="Cambria" panose="02040503050406030204" pitchFamily="18" charset="0"/>
+              </a:rPr>
+              <a:t> </a:t>
+            </a:r>
+            <a:r>
+              <a:rPr lang="en-US" sz="1800" dirty="0" err="1">
+                <a:effectLst/>
+                <a:latin typeface="Cambria" panose="02040503050406030204" pitchFamily="18" charset="0"/>
+                <a:ea typeface="Cambria" panose="02040503050406030204" pitchFamily="18" charset="0"/>
+              </a:rPr>
+              <a:t>ngữ</a:t>
+            </a:r>
+            <a:r>
+              <a:rPr lang="en-US" sz="1800" dirty="0">
+                <a:effectLst/>
+                <a:latin typeface="Cambria" panose="02040503050406030204" pitchFamily="18" charset="0"/>
+                <a:ea typeface="Cambria" panose="02040503050406030204" pitchFamily="18" charset="0"/>
+              </a:rPr>
+              <a:t> C# </a:t>
+            </a:r>
+          </a:p>
+          <a:p>
+            <a:pPr marL="285750" marR="0" indent="-285750" algn="just">
+              <a:lnSpc>
+                <a:spcPct val="95000"/>
+              </a:lnSpc>
+              <a:spcBef>
+                <a:spcPts val="0"/>
+              </a:spcBef>
+              <a:spcAft>
+                <a:spcPts val="600"/>
+              </a:spcAft>
+              <a:buFontTx/>
+              <a:buChar char="-"/>
+              <a:tabLst>
+                <a:tab pos="182880" algn="l"/>
+              </a:tabLst>
+            </a:pPr>
+            <a:r>
+              <a:rPr lang="en-US" dirty="0" err="1">
+                <a:latin typeface="Cambria" panose="02040503050406030204" pitchFamily="18" charset="0"/>
+                <a:ea typeface="Cambria" panose="02040503050406030204" pitchFamily="18" charset="0"/>
+              </a:rPr>
+              <a:t>Mô</a:t>
+            </a:r>
+            <a:r>
+              <a:rPr lang="en-US" dirty="0">
+                <a:latin typeface="Cambria" panose="02040503050406030204" pitchFamily="18" charset="0"/>
+                <a:ea typeface="Cambria" panose="02040503050406030204" pitchFamily="18" charset="0"/>
+              </a:rPr>
+              <a:t> </a:t>
+            </a:r>
+            <a:r>
+              <a:rPr lang="en-US" dirty="0" err="1">
+                <a:latin typeface="Cambria" panose="02040503050406030204" pitchFamily="18" charset="0"/>
+                <a:ea typeface="Cambria" panose="02040503050406030204" pitchFamily="18" charset="0"/>
+              </a:rPr>
+              <a:t>hình</a:t>
+            </a:r>
+            <a:r>
+              <a:rPr lang="en-US" dirty="0">
+                <a:latin typeface="Cambria" panose="02040503050406030204" pitchFamily="18" charset="0"/>
+                <a:ea typeface="Cambria" panose="02040503050406030204" pitchFamily="18" charset="0"/>
+              </a:rPr>
+              <a:t> </a:t>
+            </a:r>
+            <a:r>
+              <a:rPr lang="en-US" dirty="0" err="1">
+                <a:latin typeface="Cambria" panose="02040503050406030204" pitchFamily="18" charset="0"/>
+                <a:ea typeface="Cambria" panose="02040503050406030204" pitchFamily="18" charset="0"/>
+              </a:rPr>
+              <a:t>hóa</a:t>
+            </a:r>
+            <a:r>
+              <a:rPr lang="en-US" dirty="0">
+                <a:latin typeface="Cambria" panose="02040503050406030204" pitchFamily="18" charset="0"/>
+                <a:ea typeface="Cambria" panose="02040503050406030204" pitchFamily="18" charset="0"/>
+              </a:rPr>
+              <a:t> </a:t>
+            </a:r>
+            <a:r>
+              <a:rPr lang="en-US" dirty="0" err="1">
+                <a:latin typeface="Cambria" panose="02040503050406030204" pitchFamily="18" charset="0"/>
+                <a:ea typeface="Cambria" panose="02040503050406030204" pitchFamily="18" charset="0"/>
+              </a:rPr>
+              <a:t>kết</a:t>
+            </a:r>
+            <a:r>
+              <a:rPr lang="en-US" dirty="0">
+                <a:latin typeface="Cambria" panose="02040503050406030204" pitchFamily="18" charset="0"/>
+                <a:ea typeface="Cambria" panose="02040503050406030204" pitchFamily="18" charset="0"/>
+              </a:rPr>
+              <a:t> </a:t>
+            </a:r>
+            <a:r>
+              <a:rPr lang="en-US" dirty="0" err="1">
+                <a:latin typeface="Cambria" panose="02040503050406030204" pitchFamily="18" charset="0"/>
+                <a:ea typeface="Cambria" panose="02040503050406030204" pitchFamily="18" charset="0"/>
+              </a:rPr>
+              <a:t>cấu</a:t>
+            </a:r>
+            <a:r>
+              <a:rPr lang="en-US" dirty="0">
+                <a:latin typeface="Cambria" panose="02040503050406030204" pitchFamily="18" charset="0"/>
+                <a:ea typeface="Cambria" panose="02040503050406030204" pitchFamily="18" charset="0"/>
+              </a:rPr>
+              <a:t> </a:t>
+            </a:r>
+            <a:r>
+              <a:rPr lang="en-US" dirty="0" err="1">
+                <a:latin typeface="Cambria" panose="02040503050406030204" pitchFamily="18" charset="0"/>
+                <a:ea typeface="Cambria" panose="02040503050406030204" pitchFamily="18" charset="0"/>
+              </a:rPr>
+              <a:t>và</a:t>
+            </a:r>
+            <a:r>
+              <a:rPr lang="en-US" dirty="0">
+                <a:latin typeface="Cambria" panose="02040503050406030204" pitchFamily="18" charset="0"/>
+                <a:ea typeface="Cambria" panose="02040503050406030204" pitchFamily="18" charset="0"/>
+              </a:rPr>
+              <a:t> </a:t>
+            </a:r>
+            <a:r>
+              <a:rPr lang="en-US" dirty="0" err="1">
+                <a:latin typeface="Cambria" panose="02040503050406030204" pitchFamily="18" charset="0"/>
+                <a:ea typeface="Cambria" panose="02040503050406030204" pitchFamily="18" charset="0"/>
+              </a:rPr>
+              <a:t>tính</a:t>
+            </a:r>
+            <a:r>
+              <a:rPr lang="en-US" dirty="0">
+                <a:latin typeface="Cambria" panose="02040503050406030204" pitchFamily="18" charset="0"/>
+                <a:ea typeface="Cambria" panose="02040503050406030204" pitchFamily="18" charset="0"/>
+              </a:rPr>
+              <a:t> </a:t>
+            </a:r>
+            <a:r>
+              <a:rPr lang="en-US" dirty="0" err="1">
+                <a:latin typeface="Cambria" panose="02040503050406030204" pitchFamily="18" charset="0"/>
+                <a:ea typeface="Cambria" panose="02040503050406030204" pitchFamily="18" charset="0"/>
+              </a:rPr>
+              <a:t>toán</a:t>
+            </a:r>
+            <a:r>
+              <a:rPr lang="en-US" dirty="0">
+                <a:latin typeface="Cambria" panose="02040503050406030204" pitchFamily="18" charset="0"/>
+                <a:ea typeface="Cambria" panose="02040503050406030204" pitchFamily="18" charset="0"/>
+              </a:rPr>
+              <a:t> </a:t>
+            </a:r>
+            <a:r>
+              <a:rPr lang="en-US" dirty="0" err="1">
+                <a:latin typeface="Cambria" panose="02040503050406030204" pitchFamily="18" charset="0"/>
+                <a:ea typeface="Cambria" panose="02040503050406030204" pitchFamily="18" charset="0"/>
+              </a:rPr>
+              <a:t>được</a:t>
+            </a:r>
+            <a:r>
+              <a:rPr lang="en-US" dirty="0">
+                <a:latin typeface="Cambria" panose="02040503050406030204" pitchFamily="18" charset="0"/>
+                <a:ea typeface="Cambria" panose="02040503050406030204" pitchFamily="18" charset="0"/>
+              </a:rPr>
+              <a:t> </a:t>
+            </a:r>
+            <a:r>
+              <a:rPr lang="en-US" dirty="0" err="1">
+                <a:latin typeface="Cambria" panose="02040503050406030204" pitchFamily="18" charset="0"/>
+                <a:ea typeface="Cambria" panose="02040503050406030204" pitchFamily="18" charset="0"/>
+              </a:rPr>
+              <a:t>các</a:t>
+            </a:r>
+            <a:r>
+              <a:rPr lang="en-US" dirty="0">
+                <a:latin typeface="Cambria" panose="02040503050406030204" pitchFamily="18" charset="0"/>
+                <a:ea typeface="Cambria" panose="02040503050406030204" pitchFamily="18" charset="0"/>
+              </a:rPr>
+              <a:t> </a:t>
+            </a:r>
+            <a:r>
+              <a:rPr lang="en-US" dirty="0" err="1">
+                <a:latin typeface="Cambria" panose="02040503050406030204" pitchFamily="18" charset="0"/>
+                <a:ea typeface="Cambria" panose="02040503050406030204" pitchFamily="18" charset="0"/>
+              </a:rPr>
+              <a:t>yếu</a:t>
+            </a:r>
+            <a:r>
+              <a:rPr lang="en-US" dirty="0">
+                <a:latin typeface="Cambria" panose="02040503050406030204" pitchFamily="18" charset="0"/>
+                <a:ea typeface="Cambria" panose="02040503050406030204" pitchFamily="18" charset="0"/>
+              </a:rPr>
+              <a:t> </a:t>
+            </a:r>
+            <a:r>
+              <a:rPr lang="en-US" dirty="0" err="1">
+                <a:latin typeface="Cambria" panose="02040503050406030204" pitchFamily="18" charset="0"/>
+                <a:ea typeface="Cambria" panose="02040503050406030204" pitchFamily="18" charset="0"/>
+              </a:rPr>
+              <a:t>tố</a:t>
+            </a:r>
+            <a:r>
+              <a:rPr lang="en-US" dirty="0">
+                <a:latin typeface="Cambria" panose="02040503050406030204" pitchFamily="18" charset="0"/>
+                <a:ea typeface="Cambria" panose="02040503050406030204" pitchFamily="18" charset="0"/>
+              </a:rPr>
+              <a:t> </a:t>
+            </a:r>
+            <a:r>
+              <a:rPr lang="en-US" dirty="0" err="1">
+                <a:latin typeface="Cambria" panose="02040503050406030204" pitchFamily="18" charset="0"/>
+                <a:ea typeface="Cambria" panose="02040503050406030204" pitchFamily="18" charset="0"/>
+              </a:rPr>
+              <a:t>đầu</a:t>
+            </a:r>
+            <a:r>
+              <a:rPr lang="en-US" dirty="0">
+                <a:latin typeface="Cambria" panose="02040503050406030204" pitchFamily="18" charset="0"/>
+                <a:ea typeface="Cambria" panose="02040503050406030204" pitchFamily="18" charset="0"/>
+              </a:rPr>
+              <a:t> </a:t>
+            </a:r>
+            <a:r>
+              <a:rPr lang="en-US" dirty="0" err="1">
+                <a:latin typeface="Cambria" panose="02040503050406030204" pitchFamily="18" charset="0"/>
+                <a:ea typeface="Cambria" panose="02040503050406030204" pitchFamily="18" charset="0"/>
+              </a:rPr>
+              <a:t>vào</a:t>
+            </a:r>
+            <a:r>
+              <a:rPr lang="en-US" dirty="0">
+                <a:latin typeface="Cambria" panose="02040503050406030204" pitchFamily="18" charset="0"/>
+                <a:ea typeface="Cambria" panose="02040503050406030204" pitchFamily="18" charset="0"/>
+              </a:rPr>
+              <a:t> </a:t>
+            </a:r>
+            <a:r>
+              <a:rPr lang="en-US" dirty="0" err="1">
+                <a:latin typeface="Cambria" panose="02040503050406030204" pitchFamily="18" charset="0"/>
+                <a:ea typeface="Cambria" panose="02040503050406030204" pitchFamily="18" charset="0"/>
+              </a:rPr>
+              <a:t>cho</a:t>
+            </a:r>
+            <a:r>
+              <a:rPr lang="en-US" dirty="0">
+                <a:latin typeface="Cambria" panose="02040503050406030204" pitchFamily="18" charset="0"/>
+                <a:ea typeface="Cambria" panose="02040503050406030204" pitchFamily="18" charset="0"/>
+              </a:rPr>
+              <a:t> </a:t>
+            </a:r>
+            <a:r>
+              <a:rPr lang="en-US" dirty="0" err="1">
+                <a:latin typeface="Cambria" panose="02040503050406030204" pitchFamily="18" charset="0"/>
+                <a:ea typeface="Cambria" panose="02040503050406030204" pitchFamily="18" charset="0"/>
+              </a:rPr>
+              <a:t>quá</a:t>
+            </a:r>
+            <a:r>
+              <a:rPr lang="en-US" dirty="0">
+                <a:latin typeface="Cambria" panose="02040503050406030204" pitchFamily="18" charset="0"/>
+                <a:ea typeface="Cambria" panose="02040503050406030204" pitchFamily="18" charset="0"/>
+              </a:rPr>
+              <a:t> </a:t>
+            </a:r>
+            <a:r>
+              <a:rPr lang="en-US" dirty="0" err="1">
+                <a:latin typeface="Cambria" panose="02040503050406030204" pitchFamily="18" charset="0"/>
+                <a:ea typeface="Cambria" panose="02040503050406030204" pitchFamily="18" charset="0"/>
+              </a:rPr>
+              <a:t>trình</a:t>
+            </a:r>
+            <a:r>
+              <a:rPr lang="en-US" dirty="0">
+                <a:latin typeface="Cambria" panose="02040503050406030204" pitchFamily="18" charset="0"/>
+                <a:ea typeface="Cambria" panose="02040503050406030204" pitchFamily="18" charset="0"/>
+              </a:rPr>
+              <a:t> </a:t>
+            </a:r>
+            <a:r>
+              <a:rPr lang="en-US" dirty="0" err="1">
+                <a:latin typeface="Cambria" panose="02040503050406030204" pitchFamily="18" charset="0"/>
+                <a:ea typeface="Cambria" panose="02040503050406030204" pitchFamily="18" charset="0"/>
+              </a:rPr>
+              <a:t>phân</a:t>
+            </a:r>
+            <a:r>
+              <a:rPr lang="en-US" dirty="0">
+                <a:latin typeface="Cambria" panose="02040503050406030204" pitchFamily="18" charset="0"/>
+                <a:ea typeface="Cambria" panose="02040503050406030204" pitchFamily="18" charset="0"/>
+              </a:rPr>
+              <a:t> </a:t>
+            </a:r>
+            <a:r>
+              <a:rPr lang="en-US" dirty="0" err="1">
+                <a:latin typeface="Cambria" panose="02040503050406030204" pitchFamily="18" charset="0"/>
+                <a:ea typeface="Cambria" panose="02040503050406030204" pitchFamily="18" charset="0"/>
+              </a:rPr>
+              <a:t>tích</a:t>
+            </a:r>
+            <a:r>
+              <a:rPr lang="en-US" dirty="0">
+                <a:latin typeface="Cambria" panose="02040503050406030204" pitchFamily="18" charset="0"/>
+                <a:ea typeface="Cambria" panose="02040503050406030204" pitchFamily="18" charset="0"/>
+              </a:rPr>
+              <a:t> </a:t>
+            </a:r>
+            <a:r>
+              <a:rPr lang="en-US" dirty="0" err="1">
+                <a:latin typeface="Cambria" panose="02040503050406030204" pitchFamily="18" charset="0"/>
+                <a:ea typeface="Cambria" panose="02040503050406030204" pitchFamily="18" charset="0"/>
+              </a:rPr>
+              <a:t>mỏi</a:t>
+            </a:r>
+            <a:r>
+              <a:rPr lang="en-US" dirty="0">
+                <a:latin typeface="Cambria" panose="02040503050406030204" pitchFamily="18" charset="0"/>
+                <a:ea typeface="Cambria" panose="02040503050406030204" pitchFamily="18" charset="0"/>
+              </a:rPr>
+              <a:t>.</a:t>
+            </a:r>
+            <a:endParaRPr lang="en-US" sz="1800" dirty="0">
+              <a:effectLst/>
+              <a:latin typeface="Cambria" panose="02040503050406030204" pitchFamily="18" charset="0"/>
+              <a:ea typeface="Cambria" panose="02040503050406030204" pitchFamily="18" charset="0"/>
+            </a:endParaRPr>
+          </a:p>
+          <a:p>
+            <a:pPr marL="285750" marR="0" indent="-285750" algn="just">
+              <a:lnSpc>
+                <a:spcPct val="95000"/>
+              </a:lnSpc>
+              <a:spcBef>
+                <a:spcPts val="0"/>
+              </a:spcBef>
+              <a:spcAft>
+                <a:spcPts val="600"/>
+              </a:spcAft>
+              <a:buFontTx/>
+              <a:buChar char="-"/>
+              <a:tabLst>
+                <a:tab pos="182880" algn="l"/>
+              </a:tabLst>
+            </a:pPr>
+            <a:r>
+              <a:rPr lang="en-US" sz="1800" spc="-5" dirty="0" err="1">
+                <a:effectLst/>
+                <a:latin typeface="Cambria" panose="02040503050406030204" pitchFamily="18" charset="0"/>
+                <a:ea typeface="Cambria" panose="02040503050406030204" pitchFamily="18" charset="0"/>
+              </a:rPr>
+              <a:t>Có</a:t>
+            </a:r>
+            <a:r>
+              <a:rPr lang="en-US" sz="1800" spc="-5" dirty="0">
+                <a:effectLst/>
+                <a:latin typeface="Cambria" panose="02040503050406030204" pitchFamily="18" charset="0"/>
+                <a:ea typeface="Cambria" panose="02040503050406030204" pitchFamily="18" charset="0"/>
+              </a:rPr>
+              <a:t> </a:t>
+            </a:r>
+            <a:r>
+              <a:rPr lang="x-none" sz="1800" spc="-5" dirty="0">
+                <a:effectLst/>
+                <a:latin typeface="Cambria" panose="02040503050406030204" pitchFamily="18" charset="0"/>
+                <a:ea typeface="Cambria" panose="02040503050406030204" pitchFamily="18" charset="0"/>
+              </a:rPr>
+              <a:t>những đánh giá về các yếu tố tác động đến độ bền mỏi của kết cấu, tuổi thọ của kết cấ</a:t>
+            </a:r>
+            <a:r>
+              <a:rPr lang="en-US" sz="1800" spc="-5" dirty="0">
+                <a:effectLst/>
+                <a:latin typeface="Cambria" panose="02040503050406030204" pitchFamily="18" charset="0"/>
+                <a:ea typeface="Cambria" panose="02040503050406030204" pitchFamily="18" charset="0"/>
+              </a:rPr>
+              <a:t>u</a:t>
+            </a:r>
+          </a:p>
+        </p:txBody>
+      </p:sp>
+    </p:spTree>
+    <p:extLst>
+      <p:ext uri="{BB962C8B-B14F-4D97-AF65-F5344CB8AC3E}">
+        <p14:creationId xmlns:p14="http://schemas.microsoft.com/office/powerpoint/2010/main" val="498355743"/>
+      </p:ext>
+    </p:extLst>
+  </p:cSld>
+  <p:clrMapOvr>
+    <a:masterClrMapping/>
+  </p:clrMapOvr>
+</p:sld>
+</file>
+
+<file path=ppt/slides/slide14.xml><?xml version="1.0" encoding="utf-8"?>
+<p:sld xmlns:a="http://schemas.openxmlformats.org/drawingml/2006/main" xmlns:r="http://schemas.openxmlformats.org/officeDocument/2006/relationships" xmlns:p="http://schemas.openxmlformats.org/presentationml/2006/main">
+  <p:cSld>
+    <p:spTree>
+      <p:nvGrpSpPr>
+        <p:cNvPr id="1" name=""/>
+        <p:cNvGrpSpPr/>
+        <p:nvPr/>
+      </p:nvGrpSpPr>
+      <p:grpSpPr>
+        <a:xfrm>
+          <a:off x="0" y="0"/>
+          <a:ext cx="0" cy="0"/>
+          <a:chOff x="0" y="0"/>
+          <a:chExt cx="0" cy="0"/>
+        </a:xfrm>
+      </p:grpSpPr>
+      <p:sp>
+        <p:nvSpPr>
+          <p:cNvPr id="3" name="Rectangle 2">
+            <a:extLst>
+              <a:ext uri="{FF2B5EF4-FFF2-40B4-BE49-F238E27FC236}">
+                <a16:creationId xmlns:a16="http://schemas.microsoft.com/office/drawing/2014/main" id="{3711990F-4BF0-54A3-60DE-5A01F7D3C0DC}"/>
               </a:ext>
             </a:extLst>
           </p:cNvPr>
@@ -11217,7 +13844,7 @@
         <p:spPr>
           <a:xfrm>
             <a:off x="0" y="0"/>
-            <a:ext cx="12192000" cy="6858000"/>
+            <a:ext cx="6096000" cy="2371725"/>
           </a:xfrm>
           <a:prstGeom prst="rect">
             <a:avLst/>
@@ -11759,8 +14386,8 @@
         </p:nvSpPr>
         <p:spPr>
           <a:xfrm>
-            <a:off x="264515" y="1155084"/>
-            <a:ext cx="11442575" cy="4602798"/>
+            <a:off x="202170" y="1332760"/>
+            <a:ext cx="11442575" cy="2494529"/>
           </a:xfrm>
           <a:prstGeom prst="rect">
             <a:avLst/>
@@ -11773,3441 +14400,7 @@
           </a:bodyPr>
           <a:lstStyle/>
           <a:p>
-            <a:pPr marL="0" marR="0" indent="182880" algn="just">
-              <a:lnSpc>
-                <a:spcPct val="95000"/>
-              </a:lnSpc>
-              <a:spcBef>
-                <a:spcPts val="0"/>
-              </a:spcBef>
-              <a:spcAft>
-                <a:spcPts val="600"/>
-              </a:spcAft>
-              <a:tabLst>
-                <a:tab pos="182880" algn="l"/>
-              </a:tabLst>
-            </a:pPr>
-            <a:r>
-              <a:rPr lang="en-US" sz="1800" dirty="0">
-                <a:effectLst/>
-                <a:latin typeface="Cambria" panose="02040503050406030204" pitchFamily="18" charset="0"/>
-                <a:ea typeface="Cambria" panose="02040503050406030204" pitchFamily="18" charset="0"/>
-              </a:rPr>
-              <a:t>- </a:t>
-            </a:r>
-            <a:r>
-              <a:rPr lang="en-US" sz="1800" dirty="0" err="1">
-                <a:effectLst/>
-                <a:latin typeface="Cambria" panose="02040503050406030204" pitchFamily="18" charset="0"/>
-                <a:ea typeface="Cambria" panose="02040503050406030204" pitchFamily="18" charset="0"/>
-              </a:rPr>
-              <a:t>Xây</a:t>
-            </a:r>
-            <a:r>
-              <a:rPr lang="en-US" sz="1800" dirty="0">
-                <a:effectLst/>
-                <a:latin typeface="Cambria" panose="02040503050406030204" pitchFamily="18" charset="0"/>
-                <a:ea typeface="Cambria" panose="02040503050406030204" pitchFamily="18" charset="0"/>
-              </a:rPr>
-              <a:t> </a:t>
-            </a:r>
-            <a:r>
-              <a:rPr lang="en-US" sz="1800" dirty="0" err="1">
-                <a:effectLst/>
-                <a:latin typeface="Cambria" panose="02040503050406030204" pitchFamily="18" charset="0"/>
-                <a:ea typeface="Cambria" panose="02040503050406030204" pitchFamily="18" charset="0"/>
-              </a:rPr>
-              <a:t>dựng</a:t>
-            </a:r>
-            <a:r>
-              <a:rPr lang="en-US" sz="1800" dirty="0">
-                <a:effectLst/>
-                <a:latin typeface="Cambria" panose="02040503050406030204" pitchFamily="18" charset="0"/>
-                <a:ea typeface="Cambria" panose="02040503050406030204" pitchFamily="18" charset="0"/>
-              </a:rPr>
-              <a:t> </a:t>
-            </a:r>
-            <a:r>
-              <a:rPr lang="en-US" sz="1800" dirty="0" err="1">
-                <a:effectLst/>
-                <a:latin typeface="Cambria" panose="02040503050406030204" pitchFamily="18" charset="0"/>
-                <a:ea typeface="Cambria" panose="02040503050406030204" pitchFamily="18" charset="0"/>
-              </a:rPr>
-              <a:t>được</a:t>
-            </a:r>
-            <a:r>
-              <a:rPr lang="en-US" sz="1800" dirty="0">
-                <a:effectLst/>
-                <a:latin typeface="Cambria" panose="02040503050406030204" pitchFamily="18" charset="0"/>
-                <a:ea typeface="Cambria" panose="02040503050406030204" pitchFamily="18" charset="0"/>
-              </a:rPr>
-              <a:t> </a:t>
-            </a:r>
-            <a:r>
-              <a:rPr lang="en-US" sz="1800" dirty="0" err="1">
-                <a:effectLst/>
-                <a:latin typeface="Cambria" panose="02040503050406030204" pitchFamily="18" charset="0"/>
-                <a:ea typeface="Cambria" panose="02040503050406030204" pitchFamily="18" charset="0"/>
-              </a:rPr>
-              <a:t>chương</a:t>
-            </a:r>
-            <a:r>
-              <a:rPr lang="en-US" sz="1800" dirty="0">
-                <a:effectLst/>
-                <a:latin typeface="Cambria" panose="02040503050406030204" pitchFamily="18" charset="0"/>
-                <a:ea typeface="Cambria" panose="02040503050406030204" pitchFamily="18" charset="0"/>
-              </a:rPr>
-              <a:t> </a:t>
-            </a:r>
-            <a:r>
-              <a:rPr lang="en-US" sz="1800" dirty="0" err="1">
-                <a:effectLst/>
-                <a:latin typeface="Cambria" panose="02040503050406030204" pitchFamily="18" charset="0"/>
-                <a:ea typeface="Cambria" panose="02040503050406030204" pitchFamily="18" charset="0"/>
-              </a:rPr>
-              <a:t>trình</a:t>
-            </a:r>
-            <a:r>
-              <a:rPr lang="en-US" sz="1800" dirty="0">
-                <a:effectLst/>
-                <a:latin typeface="Cambria" panose="02040503050406030204" pitchFamily="18" charset="0"/>
-                <a:ea typeface="Cambria" panose="02040503050406030204" pitchFamily="18" charset="0"/>
-              </a:rPr>
-              <a:t> </a:t>
-            </a:r>
-            <a:r>
-              <a:rPr lang="en-US" sz="1800" dirty="0" err="1">
-                <a:effectLst/>
-                <a:latin typeface="Cambria" panose="02040503050406030204" pitchFamily="18" charset="0"/>
-                <a:ea typeface="Cambria" panose="02040503050406030204" pitchFamily="18" charset="0"/>
-              </a:rPr>
-              <a:t>hỗ</a:t>
-            </a:r>
-            <a:r>
-              <a:rPr lang="en-US" sz="1800" dirty="0">
-                <a:effectLst/>
-                <a:latin typeface="Cambria" panose="02040503050406030204" pitchFamily="18" charset="0"/>
-                <a:ea typeface="Cambria" panose="02040503050406030204" pitchFamily="18" charset="0"/>
-              </a:rPr>
-              <a:t> </a:t>
-            </a:r>
-            <a:r>
-              <a:rPr lang="en-US" sz="1800" dirty="0" err="1">
-                <a:effectLst/>
-                <a:latin typeface="Cambria" panose="02040503050406030204" pitchFamily="18" charset="0"/>
-                <a:ea typeface="Cambria" panose="02040503050406030204" pitchFamily="18" charset="0"/>
-              </a:rPr>
-              <a:t>trợ</a:t>
-            </a:r>
-            <a:r>
-              <a:rPr lang="en-US" sz="1800" dirty="0">
-                <a:effectLst/>
-                <a:latin typeface="Cambria" panose="02040503050406030204" pitchFamily="18" charset="0"/>
-                <a:ea typeface="Cambria" panose="02040503050406030204" pitchFamily="18" charset="0"/>
-              </a:rPr>
-              <a:t> </a:t>
-            </a:r>
-            <a:r>
-              <a:rPr lang="en-US" sz="1800" dirty="0" err="1">
-                <a:effectLst/>
-                <a:latin typeface="Cambria" panose="02040503050406030204" pitchFamily="18" charset="0"/>
-                <a:ea typeface="Cambria" panose="02040503050406030204" pitchFamily="18" charset="0"/>
-              </a:rPr>
-              <a:t>tính</a:t>
-            </a:r>
-            <a:r>
-              <a:rPr lang="en-US" sz="1800" dirty="0">
-                <a:effectLst/>
-                <a:latin typeface="Cambria" panose="02040503050406030204" pitchFamily="18" charset="0"/>
-                <a:ea typeface="Cambria" panose="02040503050406030204" pitchFamily="18" charset="0"/>
-              </a:rPr>
-              <a:t> </a:t>
-            </a:r>
-            <a:r>
-              <a:rPr lang="en-US" sz="1800" dirty="0" err="1">
-                <a:effectLst/>
-                <a:latin typeface="Cambria" panose="02040503050406030204" pitchFamily="18" charset="0"/>
-                <a:ea typeface="Cambria" panose="02040503050406030204" pitchFamily="18" charset="0"/>
-              </a:rPr>
-              <a:t>toán</a:t>
-            </a:r>
-            <a:r>
-              <a:rPr lang="en-US" sz="1800" dirty="0">
-                <a:effectLst/>
-                <a:latin typeface="Cambria" panose="02040503050406030204" pitchFamily="18" charset="0"/>
-                <a:ea typeface="Cambria" panose="02040503050406030204" pitchFamily="18" charset="0"/>
-              </a:rPr>
-              <a:t>, </a:t>
-            </a:r>
-            <a:r>
-              <a:rPr lang="en-US" sz="1800" dirty="0" err="1">
-                <a:effectLst/>
-                <a:latin typeface="Cambria" panose="02040503050406030204" pitchFamily="18" charset="0"/>
-                <a:ea typeface="Cambria" panose="02040503050406030204" pitchFamily="18" charset="0"/>
-              </a:rPr>
-              <a:t>dựa</a:t>
-            </a:r>
-            <a:r>
-              <a:rPr lang="en-US" sz="1800" dirty="0">
-                <a:effectLst/>
-                <a:latin typeface="Cambria" panose="02040503050406030204" pitchFamily="18" charset="0"/>
-                <a:ea typeface="Cambria" panose="02040503050406030204" pitchFamily="18" charset="0"/>
-              </a:rPr>
-              <a:t> </a:t>
-            </a:r>
-            <a:r>
-              <a:rPr lang="en-US" sz="1800" dirty="0" err="1">
-                <a:effectLst/>
-                <a:latin typeface="Cambria" panose="02040503050406030204" pitchFamily="18" charset="0"/>
-                <a:ea typeface="Cambria" panose="02040503050406030204" pitchFamily="18" charset="0"/>
-              </a:rPr>
-              <a:t>trên</a:t>
-            </a:r>
-            <a:r>
-              <a:rPr lang="en-US" sz="1800" dirty="0">
-                <a:effectLst/>
-                <a:latin typeface="Cambria" panose="02040503050406030204" pitchFamily="18" charset="0"/>
-                <a:ea typeface="Cambria" panose="02040503050406030204" pitchFamily="18" charset="0"/>
-              </a:rPr>
-              <a:t> </a:t>
-            </a:r>
-            <a:r>
-              <a:rPr lang="en-US" sz="1800" dirty="0" err="1">
-                <a:effectLst/>
-                <a:latin typeface="Cambria" panose="02040503050406030204" pitchFamily="18" charset="0"/>
-                <a:ea typeface="Cambria" panose="02040503050406030204" pitchFamily="18" charset="0"/>
-              </a:rPr>
-              <a:t>ngôn</a:t>
-            </a:r>
-            <a:r>
-              <a:rPr lang="en-US" sz="1800" dirty="0">
-                <a:effectLst/>
-                <a:latin typeface="Cambria" panose="02040503050406030204" pitchFamily="18" charset="0"/>
-                <a:ea typeface="Cambria" panose="02040503050406030204" pitchFamily="18" charset="0"/>
-              </a:rPr>
-              <a:t> </a:t>
-            </a:r>
-            <a:r>
-              <a:rPr lang="en-US" sz="1800" dirty="0" err="1">
-                <a:effectLst/>
-                <a:latin typeface="Cambria" panose="02040503050406030204" pitchFamily="18" charset="0"/>
-                <a:ea typeface="Cambria" panose="02040503050406030204" pitchFamily="18" charset="0"/>
-              </a:rPr>
-              <a:t>ngữ</a:t>
-            </a:r>
-            <a:r>
-              <a:rPr lang="en-US" sz="1800" dirty="0">
-                <a:effectLst/>
-                <a:latin typeface="Cambria" panose="02040503050406030204" pitchFamily="18" charset="0"/>
-                <a:ea typeface="Cambria" panose="02040503050406030204" pitchFamily="18" charset="0"/>
-              </a:rPr>
-              <a:t> C# </a:t>
-            </a:r>
-            <a:r>
-              <a:rPr lang="en-US" sz="1800" dirty="0" err="1">
-                <a:effectLst/>
-                <a:latin typeface="Cambria" panose="02040503050406030204" pitchFamily="18" charset="0"/>
-                <a:ea typeface="Cambria" panose="02040503050406030204" pitchFamily="18" charset="0"/>
-              </a:rPr>
-              <a:t>với</a:t>
-            </a:r>
-            <a:r>
-              <a:rPr lang="en-US" sz="1800" dirty="0">
-                <a:effectLst/>
-                <a:latin typeface="Cambria" panose="02040503050406030204" pitchFamily="18" charset="0"/>
-                <a:ea typeface="Cambria" panose="02040503050406030204" pitchFamily="18" charset="0"/>
-              </a:rPr>
-              <a:t> </a:t>
-            </a:r>
-            <a:r>
-              <a:rPr lang="en-US" sz="1800" dirty="0" err="1">
-                <a:effectLst/>
-                <a:latin typeface="Cambria" panose="02040503050406030204" pitchFamily="18" charset="0"/>
-                <a:ea typeface="Cambria" panose="02040503050406030204" pitchFamily="18" charset="0"/>
-              </a:rPr>
-              <a:t>sự</a:t>
-            </a:r>
-            <a:r>
-              <a:rPr lang="en-US" sz="1800" dirty="0">
-                <a:effectLst/>
-                <a:latin typeface="Cambria" panose="02040503050406030204" pitchFamily="18" charset="0"/>
-                <a:ea typeface="Cambria" panose="02040503050406030204" pitchFamily="18" charset="0"/>
-              </a:rPr>
-              <a:t> </a:t>
-            </a:r>
-            <a:r>
-              <a:rPr lang="en-US" sz="1800" dirty="0" err="1">
-                <a:effectLst/>
-                <a:latin typeface="Cambria" panose="02040503050406030204" pitchFamily="18" charset="0"/>
-                <a:ea typeface="Cambria" panose="02040503050406030204" pitchFamily="18" charset="0"/>
-              </a:rPr>
-              <a:t>hỗ</a:t>
-            </a:r>
-            <a:r>
-              <a:rPr lang="en-US" sz="1800" dirty="0">
-                <a:effectLst/>
-                <a:latin typeface="Cambria" panose="02040503050406030204" pitchFamily="18" charset="0"/>
-                <a:ea typeface="Cambria" panose="02040503050406030204" pitchFamily="18" charset="0"/>
-              </a:rPr>
-              <a:t> </a:t>
-            </a:r>
-            <a:r>
-              <a:rPr lang="en-US" sz="1800" dirty="0" err="1">
-                <a:effectLst/>
-                <a:latin typeface="Cambria" panose="02040503050406030204" pitchFamily="18" charset="0"/>
-                <a:ea typeface="Cambria" panose="02040503050406030204" pitchFamily="18" charset="0"/>
-              </a:rPr>
-              <a:t>trợ</a:t>
-            </a:r>
-            <a:r>
-              <a:rPr lang="en-US" sz="1800" dirty="0">
-                <a:effectLst/>
-                <a:latin typeface="Cambria" panose="02040503050406030204" pitchFamily="18" charset="0"/>
-                <a:ea typeface="Cambria" panose="02040503050406030204" pitchFamily="18" charset="0"/>
-              </a:rPr>
-              <a:t> </a:t>
-            </a:r>
-            <a:r>
-              <a:rPr lang="en-US" sz="1800" dirty="0" err="1">
-                <a:effectLst/>
-                <a:latin typeface="Cambria" panose="02040503050406030204" pitchFamily="18" charset="0"/>
-                <a:ea typeface="Cambria" panose="02040503050406030204" pitchFamily="18" charset="0"/>
-              </a:rPr>
-              <a:t>của</a:t>
-            </a:r>
-            <a:r>
-              <a:rPr lang="en-US" sz="1800" dirty="0">
-                <a:effectLst/>
-                <a:latin typeface="Cambria" panose="02040503050406030204" pitchFamily="18" charset="0"/>
-                <a:ea typeface="Cambria" panose="02040503050406030204" pitchFamily="18" charset="0"/>
-              </a:rPr>
-              <a:t> Visual Studio </a:t>
-            </a:r>
-            <a:r>
-              <a:rPr lang="en-US" sz="1800" dirty="0" err="1">
-                <a:effectLst/>
-                <a:latin typeface="Cambria" panose="02040503050406030204" pitchFamily="18" charset="0"/>
-                <a:ea typeface="Cambria" panose="02040503050406030204" pitchFamily="18" charset="0"/>
-              </a:rPr>
-              <a:t>phiên</a:t>
-            </a:r>
-            <a:r>
-              <a:rPr lang="en-US" sz="1800" dirty="0">
-                <a:effectLst/>
-                <a:latin typeface="Cambria" panose="02040503050406030204" pitchFamily="18" charset="0"/>
-                <a:ea typeface="Cambria" panose="02040503050406030204" pitchFamily="18" charset="0"/>
-              </a:rPr>
-              <a:t> </a:t>
-            </a:r>
-            <a:r>
-              <a:rPr lang="en-US" sz="1800" dirty="0" err="1">
-                <a:effectLst/>
-                <a:latin typeface="Cambria" panose="02040503050406030204" pitchFamily="18" charset="0"/>
-                <a:ea typeface="Cambria" panose="02040503050406030204" pitchFamily="18" charset="0"/>
-              </a:rPr>
-              <a:t>bản</a:t>
-            </a:r>
-            <a:r>
-              <a:rPr lang="en-US" sz="1800" dirty="0">
-                <a:effectLst/>
-                <a:latin typeface="Cambria" panose="02040503050406030204" pitchFamily="18" charset="0"/>
-                <a:ea typeface="Cambria" panose="02040503050406030204" pitchFamily="18" charset="0"/>
-              </a:rPr>
-              <a:t> </a:t>
-            </a:r>
-            <a:r>
-              <a:rPr lang="en-US" sz="1800" dirty="0" err="1">
-                <a:effectLst/>
-                <a:latin typeface="Cambria" panose="02040503050406030204" pitchFamily="18" charset="0"/>
-                <a:ea typeface="Cambria" panose="02040503050406030204" pitchFamily="18" charset="0"/>
-              </a:rPr>
-              <a:t>Comunity</a:t>
-            </a:r>
-            <a:r>
-              <a:rPr lang="en-US" sz="1800" dirty="0">
-                <a:effectLst/>
-                <a:latin typeface="Cambria" panose="02040503050406030204" pitchFamily="18" charset="0"/>
-                <a:ea typeface="Cambria" panose="02040503050406030204" pitchFamily="18" charset="0"/>
-              </a:rPr>
-              <a:t> 2022. </a:t>
-            </a:r>
-            <a:r>
-              <a:rPr lang="en-US" sz="1800" dirty="0" err="1">
-                <a:effectLst/>
-                <a:latin typeface="Cambria" panose="02040503050406030204" pitchFamily="18" charset="0"/>
-                <a:ea typeface="Cambria" panose="02040503050406030204" pitchFamily="18" charset="0"/>
-              </a:rPr>
-              <a:t>Chương</a:t>
-            </a:r>
-            <a:r>
-              <a:rPr lang="en-US" sz="1800" dirty="0">
-                <a:effectLst/>
-                <a:latin typeface="Cambria" panose="02040503050406030204" pitchFamily="18" charset="0"/>
-                <a:ea typeface="Cambria" panose="02040503050406030204" pitchFamily="18" charset="0"/>
-              </a:rPr>
-              <a:t> </a:t>
-            </a:r>
-            <a:r>
-              <a:rPr lang="en-US" sz="1800" dirty="0" err="1">
-                <a:effectLst/>
-                <a:latin typeface="Cambria" panose="02040503050406030204" pitchFamily="18" charset="0"/>
-                <a:ea typeface="Cambria" panose="02040503050406030204" pitchFamily="18" charset="0"/>
-              </a:rPr>
-              <a:t>trình</a:t>
-            </a:r>
-            <a:r>
-              <a:rPr lang="en-US" sz="1800" dirty="0">
-                <a:effectLst/>
-                <a:latin typeface="Cambria" panose="02040503050406030204" pitchFamily="18" charset="0"/>
-                <a:ea typeface="Cambria" panose="02040503050406030204" pitchFamily="18" charset="0"/>
-              </a:rPr>
-              <a:t> </a:t>
-            </a:r>
-            <a:r>
-              <a:rPr lang="en-US" sz="1800" dirty="0" err="1">
-                <a:effectLst/>
-                <a:latin typeface="Cambria" panose="02040503050406030204" pitchFamily="18" charset="0"/>
-                <a:ea typeface="Cambria" panose="02040503050406030204" pitchFamily="18" charset="0"/>
-              </a:rPr>
-              <a:t>tính</a:t>
-            </a:r>
-            <a:r>
-              <a:rPr lang="en-US" sz="1800" dirty="0">
-                <a:effectLst/>
-                <a:latin typeface="Cambria" panose="02040503050406030204" pitchFamily="18" charset="0"/>
-                <a:ea typeface="Cambria" panose="02040503050406030204" pitchFamily="18" charset="0"/>
-              </a:rPr>
-              <a:t> </a:t>
-            </a:r>
-            <a:r>
-              <a:rPr lang="en-US" sz="1800" dirty="0" err="1">
-                <a:effectLst/>
-                <a:latin typeface="Cambria" panose="02040503050406030204" pitchFamily="18" charset="0"/>
-                <a:ea typeface="Cambria" panose="02040503050406030204" pitchFamily="18" charset="0"/>
-              </a:rPr>
-              <a:t>toán</a:t>
-            </a:r>
-            <a:r>
-              <a:rPr lang="en-US" sz="1800" dirty="0">
-                <a:effectLst/>
-                <a:latin typeface="Cambria" panose="02040503050406030204" pitchFamily="18" charset="0"/>
-                <a:ea typeface="Cambria" panose="02040503050406030204" pitchFamily="18" charset="0"/>
-              </a:rPr>
-              <a:t> </a:t>
-            </a:r>
-            <a:r>
-              <a:rPr lang="en-US" sz="1800" dirty="0" err="1">
-                <a:effectLst/>
-                <a:latin typeface="Cambria" panose="02040503050406030204" pitchFamily="18" charset="0"/>
-                <a:ea typeface="Cambria" panose="02040503050406030204" pitchFamily="18" charset="0"/>
-              </a:rPr>
-              <a:t>được</a:t>
-            </a:r>
-            <a:r>
-              <a:rPr lang="en-US" sz="1800" dirty="0">
-                <a:effectLst/>
-                <a:latin typeface="Cambria" panose="02040503050406030204" pitchFamily="18" charset="0"/>
-                <a:ea typeface="Cambria" panose="02040503050406030204" pitchFamily="18" charset="0"/>
-              </a:rPr>
-              <a:t> </a:t>
-            </a:r>
-            <a:r>
-              <a:rPr lang="en-US" sz="1800" dirty="0" err="1">
-                <a:effectLst/>
-                <a:latin typeface="Cambria" panose="02040503050406030204" pitchFamily="18" charset="0"/>
-                <a:ea typeface="Cambria" panose="02040503050406030204" pitchFamily="18" charset="0"/>
-              </a:rPr>
-              <a:t>xây</a:t>
-            </a:r>
-            <a:r>
-              <a:rPr lang="en-US" sz="1800" dirty="0">
-                <a:effectLst/>
-                <a:latin typeface="Cambria" panose="02040503050406030204" pitchFamily="18" charset="0"/>
-                <a:ea typeface="Cambria" panose="02040503050406030204" pitchFamily="18" charset="0"/>
-              </a:rPr>
-              <a:t> </a:t>
-            </a:r>
-            <a:r>
-              <a:rPr lang="en-US" sz="1800" dirty="0" err="1">
-                <a:effectLst/>
-                <a:latin typeface="Cambria" panose="02040503050406030204" pitchFamily="18" charset="0"/>
-                <a:ea typeface="Cambria" panose="02040503050406030204" pitchFamily="18" charset="0"/>
-              </a:rPr>
-              <a:t>dựng</a:t>
-            </a:r>
-            <a:r>
-              <a:rPr lang="en-US" sz="1800" dirty="0">
-                <a:effectLst/>
-                <a:latin typeface="Cambria" panose="02040503050406030204" pitchFamily="18" charset="0"/>
-                <a:ea typeface="Cambria" panose="02040503050406030204" pitchFamily="18" charset="0"/>
-              </a:rPr>
-              <a:t> </a:t>
-            </a:r>
-            <a:r>
-              <a:rPr lang="en-US" sz="1800" dirty="0" err="1">
-                <a:effectLst/>
-                <a:latin typeface="Cambria" panose="02040503050406030204" pitchFamily="18" charset="0"/>
-                <a:ea typeface="Cambria" panose="02040503050406030204" pitchFamily="18" charset="0"/>
-              </a:rPr>
-              <a:t>có</a:t>
-            </a:r>
-            <a:r>
-              <a:rPr lang="en-US" sz="1800" dirty="0">
-                <a:effectLst/>
-                <a:latin typeface="Cambria" panose="02040503050406030204" pitchFamily="18" charset="0"/>
-                <a:ea typeface="Cambria" panose="02040503050406030204" pitchFamily="18" charset="0"/>
-              </a:rPr>
-              <a:t> </a:t>
-            </a:r>
-            <a:r>
-              <a:rPr lang="en-US" sz="1800" dirty="0" err="1">
-                <a:effectLst/>
-                <a:latin typeface="Cambria" panose="02040503050406030204" pitchFamily="18" charset="0"/>
-                <a:ea typeface="Cambria" panose="02040503050406030204" pitchFamily="18" charset="0"/>
-              </a:rPr>
-              <a:t>sự</a:t>
-            </a:r>
-            <a:r>
-              <a:rPr lang="en-US" sz="1800" dirty="0">
-                <a:effectLst/>
-                <a:latin typeface="Cambria" panose="02040503050406030204" pitchFamily="18" charset="0"/>
-                <a:ea typeface="Cambria" panose="02040503050406030204" pitchFamily="18" charset="0"/>
-              </a:rPr>
-              <a:t> </a:t>
-            </a:r>
-            <a:r>
-              <a:rPr lang="en-US" sz="1800" dirty="0" err="1">
-                <a:effectLst/>
-                <a:latin typeface="Cambria" panose="02040503050406030204" pitchFamily="18" charset="0"/>
-                <a:ea typeface="Cambria" panose="02040503050406030204" pitchFamily="18" charset="0"/>
-              </a:rPr>
-              <a:t>chênh</a:t>
-            </a:r>
-            <a:r>
-              <a:rPr lang="en-US" sz="1800" dirty="0">
-                <a:effectLst/>
-                <a:latin typeface="Cambria" panose="02040503050406030204" pitchFamily="18" charset="0"/>
-                <a:ea typeface="Cambria" panose="02040503050406030204" pitchFamily="18" charset="0"/>
-              </a:rPr>
-              <a:t> </a:t>
-            </a:r>
-            <a:r>
-              <a:rPr lang="en-US" sz="1800" dirty="0" err="1">
-                <a:effectLst/>
-                <a:latin typeface="Cambria" panose="02040503050406030204" pitchFamily="18" charset="0"/>
-                <a:ea typeface="Cambria" panose="02040503050406030204" pitchFamily="18" charset="0"/>
-              </a:rPr>
-              <a:t>lệch</a:t>
-            </a:r>
-            <a:r>
-              <a:rPr lang="en-US" sz="1800" dirty="0">
-                <a:effectLst/>
-                <a:latin typeface="Cambria" panose="02040503050406030204" pitchFamily="18" charset="0"/>
-                <a:ea typeface="Cambria" panose="02040503050406030204" pitchFamily="18" charset="0"/>
-              </a:rPr>
-              <a:t> </a:t>
-            </a:r>
-            <a:r>
-              <a:rPr lang="en-US" sz="1800" dirty="0" err="1">
-                <a:effectLst/>
-                <a:latin typeface="Cambria" panose="02040503050406030204" pitchFamily="18" charset="0"/>
-                <a:ea typeface="Cambria" panose="02040503050406030204" pitchFamily="18" charset="0"/>
-              </a:rPr>
-              <a:t>với</a:t>
-            </a:r>
-            <a:r>
-              <a:rPr lang="en-US" sz="1800" dirty="0">
-                <a:effectLst/>
-                <a:latin typeface="Cambria" panose="02040503050406030204" pitchFamily="18" charset="0"/>
-                <a:ea typeface="Cambria" panose="02040503050406030204" pitchFamily="18" charset="0"/>
-              </a:rPr>
-              <a:t> </a:t>
-            </a:r>
-            <a:r>
-              <a:rPr lang="en-US" sz="1800" dirty="0" err="1">
-                <a:effectLst/>
-                <a:latin typeface="Cambria" panose="02040503050406030204" pitchFamily="18" charset="0"/>
-                <a:ea typeface="Cambria" panose="02040503050406030204" pitchFamily="18" charset="0"/>
-              </a:rPr>
-              <a:t>ví</a:t>
-            </a:r>
-            <a:r>
-              <a:rPr lang="en-US" sz="1800" dirty="0">
-                <a:effectLst/>
-                <a:latin typeface="Cambria" panose="02040503050406030204" pitchFamily="18" charset="0"/>
-                <a:ea typeface="Cambria" panose="02040503050406030204" pitchFamily="18" charset="0"/>
-              </a:rPr>
-              <a:t> </a:t>
-            </a:r>
-            <a:r>
-              <a:rPr lang="en-US" sz="1800" dirty="0" err="1">
-                <a:effectLst/>
-                <a:latin typeface="Cambria" panose="02040503050406030204" pitchFamily="18" charset="0"/>
-                <a:ea typeface="Cambria" panose="02040503050406030204" pitchFamily="18" charset="0"/>
-              </a:rPr>
-              <a:t>dụ</a:t>
-            </a:r>
-            <a:r>
-              <a:rPr lang="en-US" sz="1800" dirty="0">
-                <a:effectLst/>
-                <a:latin typeface="Cambria" panose="02040503050406030204" pitchFamily="18" charset="0"/>
-                <a:ea typeface="Cambria" panose="02040503050406030204" pitchFamily="18" charset="0"/>
-              </a:rPr>
-              <a:t> </a:t>
-            </a:r>
-            <a:r>
-              <a:rPr lang="en-US" sz="1800" dirty="0" err="1">
-                <a:effectLst/>
-                <a:latin typeface="Cambria" panose="02040503050406030204" pitchFamily="18" charset="0"/>
-                <a:ea typeface="Cambria" panose="02040503050406030204" pitchFamily="18" charset="0"/>
-              </a:rPr>
-              <a:t>từ</a:t>
-            </a:r>
-            <a:r>
-              <a:rPr lang="en-US" sz="1800" dirty="0">
-                <a:effectLst/>
-                <a:latin typeface="Cambria" panose="02040503050406030204" pitchFamily="18" charset="0"/>
-                <a:ea typeface="Cambria" panose="02040503050406030204" pitchFamily="18" charset="0"/>
-              </a:rPr>
-              <a:t> </a:t>
-            </a:r>
-            <a:r>
-              <a:rPr lang="en-US" sz="1800" dirty="0" err="1">
-                <a:effectLst/>
-                <a:latin typeface="Cambria" panose="02040503050406030204" pitchFamily="18" charset="0"/>
-                <a:ea typeface="Cambria" panose="02040503050406030204" pitchFamily="18" charset="0"/>
-              </a:rPr>
-              <a:t>tính</a:t>
-            </a:r>
-            <a:r>
-              <a:rPr lang="en-US" sz="1800" dirty="0">
-                <a:effectLst/>
-                <a:latin typeface="Cambria" panose="02040503050406030204" pitchFamily="18" charset="0"/>
-                <a:ea typeface="Cambria" panose="02040503050406030204" pitchFamily="18" charset="0"/>
-              </a:rPr>
-              <a:t> </a:t>
-            </a:r>
-            <a:r>
-              <a:rPr lang="en-US" sz="1800" dirty="0" err="1">
-                <a:effectLst/>
-                <a:latin typeface="Cambria" panose="02040503050406030204" pitchFamily="18" charset="0"/>
-                <a:ea typeface="Cambria" panose="02040503050406030204" pitchFamily="18" charset="0"/>
-              </a:rPr>
-              <a:t>toán</a:t>
-            </a:r>
-            <a:r>
-              <a:rPr lang="en-US" sz="1800" dirty="0">
-                <a:effectLst/>
-                <a:latin typeface="Cambria" panose="02040503050406030204" pitchFamily="18" charset="0"/>
-                <a:ea typeface="Cambria" panose="02040503050406030204" pitchFamily="18" charset="0"/>
-              </a:rPr>
-              <a:t> </a:t>
-            </a:r>
-            <a:r>
-              <a:rPr lang="en-US" sz="1800" dirty="0" err="1">
-                <a:effectLst/>
-                <a:latin typeface="Cambria" panose="02040503050406030204" pitchFamily="18" charset="0"/>
-                <a:ea typeface="Cambria" panose="02040503050406030204" pitchFamily="18" charset="0"/>
-              </a:rPr>
-              <a:t>thực</a:t>
-            </a:r>
-            <a:r>
-              <a:rPr lang="en-US" sz="1800" dirty="0">
-                <a:effectLst/>
-                <a:latin typeface="Cambria" panose="02040503050406030204" pitchFamily="18" charset="0"/>
-                <a:ea typeface="Cambria" panose="02040503050406030204" pitchFamily="18" charset="0"/>
-              </a:rPr>
-              <a:t> </a:t>
-            </a:r>
-            <a:r>
-              <a:rPr lang="en-US" sz="1800" dirty="0" err="1">
-                <a:effectLst/>
-                <a:latin typeface="Cambria" panose="02040503050406030204" pitchFamily="18" charset="0"/>
-                <a:ea typeface="Cambria" panose="02040503050406030204" pitchFamily="18" charset="0"/>
-              </a:rPr>
-              <a:t>tế</a:t>
-            </a:r>
-            <a:r>
-              <a:rPr lang="en-US" sz="1800" dirty="0">
-                <a:effectLst/>
-                <a:latin typeface="Cambria" panose="02040503050406030204" pitchFamily="18" charset="0"/>
-                <a:ea typeface="Cambria" panose="02040503050406030204" pitchFamily="18" charset="0"/>
-              </a:rPr>
-              <a:t> </a:t>
-            </a:r>
-            <a:r>
-              <a:rPr lang="en-US" sz="1800" dirty="0" err="1">
-                <a:effectLst/>
-                <a:latin typeface="Cambria" panose="02040503050406030204" pitchFamily="18" charset="0"/>
-                <a:ea typeface="Cambria" panose="02040503050406030204" pitchFamily="18" charset="0"/>
-              </a:rPr>
-              <a:t>không</a:t>
-            </a:r>
-            <a:r>
-              <a:rPr lang="en-US" sz="1800" dirty="0">
-                <a:effectLst/>
-                <a:latin typeface="Cambria" panose="02040503050406030204" pitchFamily="18" charset="0"/>
-                <a:ea typeface="Cambria" panose="02040503050406030204" pitchFamily="18" charset="0"/>
-              </a:rPr>
-              <a:t> </a:t>
-            </a:r>
-            <a:r>
-              <a:rPr lang="en-US" sz="1800" dirty="0" err="1">
-                <a:effectLst/>
-                <a:latin typeface="Cambria" panose="02040503050406030204" pitchFamily="18" charset="0"/>
-                <a:ea typeface="Cambria" panose="02040503050406030204" pitchFamily="18" charset="0"/>
-              </a:rPr>
-              <a:t>quá</a:t>
-            </a:r>
-            <a:r>
-              <a:rPr lang="en-US" sz="1800" dirty="0">
-                <a:effectLst/>
-                <a:latin typeface="Cambria" panose="02040503050406030204" pitchFamily="18" charset="0"/>
-                <a:ea typeface="Cambria" panose="02040503050406030204" pitchFamily="18" charset="0"/>
-              </a:rPr>
-              <a:t> 0.3%. </a:t>
-            </a:r>
-            <a:r>
-              <a:rPr lang="en-US" sz="1800" dirty="0" err="1">
-                <a:effectLst/>
-                <a:latin typeface="Cambria" panose="02040503050406030204" pitchFamily="18" charset="0"/>
-                <a:ea typeface="Cambria" panose="02040503050406030204" pitchFamily="18" charset="0"/>
-              </a:rPr>
-              <a:t>Điều</a:t>
-            </a:r>
-            <a:r>
-              <a:rPr lang="en-US" sz="1800" dirty="0">
-                <a:effectLst/>
-                <a:latin typeface="Cambria" panose="02040503050406030204" pitchFamily="18" charset="0"/>
-                <a:ea typeface="Cambria" panose="02040503050406030204" pitchFamily="18" charset="0"/>
-              </a:rPr>
-              <a:t> </a:t>
-            </a:r>
-            <a:r>
-              <a:rPr lang="en-US" sz="1800" dirty="0" err="1">
-                <a:effectLst/>
-                <a:latin typeface="Cambria" panose="02040503050406030204" pitchFamily="18" charset="0"/>
-                <a:ea typeface="Cambria" panose="02040503050406030204" pitchFamily="18" charset="0"/>
-              </a:rPr>
-              <a:t>này</a:t>
-            </a:r>
-            <a:r>
-              <a:rPr lang="en-US" sz="1800" dirty="0">
-                <a:effectLst/>
-                <a:latin typeface="Cambria" panose="02040503050406030204" pitchFamily="18" charset="0"/>
-                <a:ea typeface="Cambria" panose="02040503050406030204" pitchFamily="18" charset="0"/>
-              </a:rPr>
-              <a:t> </a:t>
-            </a:r>
-            <a:r>
-              <a:rPr lang="en-US" sz="1800" dirty="0" err="1">
-                <a:effectLst/>
-                <a:latin typeface="Cambria" panose="02040503050406030204" pitchFamily="18" charset="0"/>
-                <a:ea typeface="Cambria" panose="02040503050406030204" pitchFamily="18" charset="0"/>
-              </a:rPr>
-              <a:t>chứng</a:t>
-            </a:r>
-            <a:r>
-              <a:rPr lang="en-US" sz="1800" dirty="0">
-                <a:effectLst/>
-                <a:latin typeface="Cambria" panose="02040503050406030204" pitchFamily="18" charset="0"/>
-                <a:ea typeface="Cambria" panose="02040503050406030204" pitchFamily="18" charset="0"/>
-              </a:rPr>
-              <a:t> </a:t>
-            </a:r>
-            <a:r>
-              <a:rPr lang="en-US" sz="1800" dirty="0" err="1">
-                <a:effectLst/>
-                <a:latin typeface="Cambria" panose="02040503050406030204" pitchFamily="18" charset="0"/>
-                <a:ea typeface="Cambria" panose="02040503050406030204" pitchFamily="18" charset="0"/>
-              </a:rPr>
-              <a:t>minh</a:t>
-            </a:r>
-            <a:r>
-              <a:rPr lang="en-US" sz="1800" dirty="0">
-                <a:effectLst/>
-                <a:latin typeface="Cambria" panose="02040503050406030204" pitchFamily="18" charset="0"/>
-                <a:ea typeface="Cambria" panose="02040503050406030204" pitchFamily="18" charset="0"/>
-              </a:rPr>
-              <a:t> </a:t>
-            </a:r>
-            <a:r>
-              <a:rPr lang="en-US" sz="1800" dirty="0" err="1">
-                <a:effectLst/>
-                <a:latin typeface="Cambria" panose="02040503050406030204" pitchFamily="18" charset="0"/>
-                <a:ea typeface="Cambria" panose="02040503050406030204" pitchFamily="18" charset="0"/>
-              </a:rPr>
-              <a:t>được</a:t>
-            </a:r>
-            <a:r>
-              <a:rPr lang="en-US" sz="1800" dirty="0">
-                <a:effectLst/>
-                <a:latin typeface="Cambria" panose="02040503050406030204" pitchFamily="18" charset="0"/>
-                <a:ea typeface="Cambria" panose="02040503050406030204" pitchFamily="18" charset="0"/>
-              </a:rPr>
-              <a:t> </a:t>
-            </a:r>
-            <a:r>
-              <a:rPr lang="en-US" sz="1800" dirty="0" err="1">
-                <a:effectLst/>
-                <a:latin typeface="Cambria" panose="02040503050406030204" pitchFamily="18" charset="0"/>
-                <a:ea typeface="Cambria" panose="02040503050406030204" pitchFamily="18" charset="0"/>
-              </a:rPr>
-              <a:t>rằng</a:t>
-            </a:r>
-            <a:r>
-              <a:rPr lang="en-US" sz="1800" dirty="0">
-                <a:effectLst/>
-                <a:latin typeface="Cambria" panose="02040503050406030204" pitchFamily="18" charset="0"/>
-                <a:ea typeface="Cambria" panose="02040503050406030204" pitchFamily="18" charset="0"/>
-              </a:rPr>
-              <a:t>, </a:t>
-            </a:r>
-            <a:r>
-              <a:rPr lang="en-US" sz="1800" dirty="0" err="1">
-                <a:effectLst/>
-                <a:latin typeface="Cambria" panose="02040503050406030204" pitchFamily="18" charset="0"/>
-                <a:ea typeface="Cambria" panose="02040503050406030204" pitchFamily="18" charset="0"/>
-              </a:rPr>
-              <a:t>chương</a:t>
-            </a:r>
-            <a:r>
-              <a:rPr lang="en-US" sz="1800" dirty="0">
-                <a:effectLst/>
-                <a:latin typeface="Cambria" panose="02040503050406030204" pitchFamily="18" charset="0"/>
-                <a:ea typeface="Cambria" panose="02040503050406030204" pitchFamily="18" charset="0"/>
-              </a:rPr>
-              <a:t> </a:t>
-            </a:r>
-            <a:r>
-              <a:rPr lang="en-US" sz="1800" dirty="0" err="1">
-                <a:effectLst/>
-                <a:latin typeface="Cambria" panose="02040503050406030204" pitchFamily="18" charset="0"/>
-                <a:ea typeface="Cambria" panose="02040503050406030204" pitchFamily="18" charset="0"/>
-              </a:rPr>
-              <a:t>trình</a:t>
-            </a:r>
-            <a:r>
-              <a:rPr lang="en-US" sz="1800" dirty="0">
-                <a:effectLst/>
-                <a:latin typeface="Cambria" panose="02040503050406030204" pitchFamily="18" charset="0"/>
-                <a:ea typeface="Cambria" panose="02040503050406030204" pitchFamily="18" charset="0"/>
-              </a:rPr>
-              <a:t> </a:t>
-            </a:r>
-            <a:r>
-              <a:rPr lang="en-US" sz="1800" dirty="0" err="1">
-                <a:effectLst/>
-                <a:latin typeface="Cambria" panose="02040503050406030204" pitchFamily="18" charset="0"/>
-                <a:ea typeface="Cambria" panose="02040503050406030204" pitchFamily="18" charset="0"/>
-              </a:rPr>
-              <a:t>đủ</a:t>
-            </a:r>
-            <a:r>
-              <a:rPr lang="en-US" sz="1800" dirty="0">
-                <a:effectLst/>
-                <a:latin typeface="Cambria" panose="02040503050406030204" pitchFamily="18" charset="0"/>
-                <a:ea typeface="Cambria" panose="02040503050406030204" pitchFamily="18" charset="0"/>
-              </a:rPr>
-              <a:t> </a:t>
-            </a:r>
-            <a:r>
-              <a:rPr lang="en-US" sz="1800" dirty="0" err="1">
-                <a:effectLst/>
-                <a:latin typeface="Cambria" panose="02040503050406030204" pitchFamily="18" charset="0"/>
-                <a:ea typeface="Cambria" panose="02040503050406030204" pitchFamily="18" charset="0"/>
-              </a:rPr>
-              <a:t>độ</a:t>
-            </a:r>
-            <a:r>
-              <a:rPr lang="en-US" sz="1800" dirty="0">
-                <a:effectLst/>
-                <a:latin typeface="Cambria" panose="02040503050406030204" pitchFamily="18" charset="0"/>
-                <a:ea typeface="Cambria" panose="02040503050406030204" pitchFamily="18" charset="0"/>
-              </a:rPr>
-              <a:t> tin </a:t>
-            </a:r>
-            <a:r>
-              <a:rPr lang="en-US" sz="1800" dirty="0" err="1">
-                <a:effectLst/>
-                <a:latin typeface="Cambria" panose="02040503050406030204" pitchFamily="18" charset="0"/>
-                <a:ea typeface="Cambria" panose="02040503050406030204" pitchFamily="18" charset="0"/>
-              </a:rPr>
-              <a:t>cậy</a:t>
-            </a:r>
-            <a:r>
-              <a:rPr lang="en-US" sz="1800" dirty="0">
-                <a:effectLst/>
-                <a:latin typeface="Cambria" panose="02040503050406030204" pitchFamily="18" charset="0"/>
-                <a:ea typeface="Cambria" panose="02040503050406030204" pitchFamily="18" charset="0"/>
-              </a:rPr>
-              <a:t> </a:t>
-            </a:r>
-            <a:r>
-              <a:rPr lang="en-US" sz="1800" dirty="0" err="1">
-                <a:effectLst/>
-                <a:latin typeface="Cambria" panose="02040503050406030204" pitchFamily="18" charset="0"/>
-                <a:ea typeface="Cambria" panose="02040503050406030204" pitchFamily="18" charset="0"/>
-              </a:rPr>
-              <a:t>để</a:t>
-            </a:r>
-            <a:r>
-              <a:rPr lang="en-US" sz="1800" dirty="0">
-                <a:effectLst/>
-                <a:latin typeface="Cambria" panose="02040503050406030204" pitchFamily="18" charset="0"/>
-                <a:ea typeface="Cambria" panose="02040503050406030204" pitchFamily="18" charset="0"/>
-              </a:rPr>
-              <a:t> </a:t>
-            </a:r>
-            <a:r>
-              <a:rPr lang="en-US" sz="1800" dirty="0" err="1">
-                <a:effectLst/>
-                <a:latin typeface="Cambria" panose="02040503050406030204" pitchFamily="18" charset="0"/>
-                <a:ea typeface="Cambria" panose="02040503050406030204" pitchFamily="18" charset="0"/>
-              </a:rPr>
-              <a:t>thực</a:t>
-            </a:r>
-            <a:r>
-              <a:rPr lang="en-US" sz="1800" dirty="0">
-                <a:effectLst/>
-                <a:latin typeface="Cambria" panose="02040503050406030204" pitchFamily="18" charset="0"/>
-                <a:ea typeface="Cambria" panose="02040503050406030204" pitchFamily="18" charset="0"/>
-              </a:rPr>
-              <a:t> </a:t>
-            </a:r>
-            <a:r>
-              <a:rPr lang="en-US" sz="1800" dirty="0" err="1">
-                <a:effectLst/>
-                <a:latin typeface="Cambria" panose="02040503050406030204" pitchFamily="18" charset="0"/>
-                <a:ea typeface="Cambria" panose="02040503050406030204" pitchFamily="18" charset="0"/>
-              </a:rPr>
-              <a:t>hiện</a:t>
-            </a:r>
-            <a:r>
-              <a:rPr lang="en-US" sz="1800" dirty="0">
-                <a:effectLst/>
-                <a:latin typeface="Cambria" panose="02040503050406030204" pitchFamily="18" charset="0"/>
-                <a:ea typeface="Cambria" panose="02040503050406030204" pitchFamily="18" charset="0"/>
-              </a:rPr>
-              <a:t> </a:t>
-            </a:r>
-            <a:r>
-              <a:rPr lang="en-US" sz="1800" dirty="0" err="1">
-                <a:effectLst/>
-                <a:latin typeface="Cambria" panose="02040503050406030204" pitchFamily="18" charset="0"/>
-                <a:ea typeface="Cambria" panose="02040503050406030204" pitchFamily="18" charset="0"/>
-              </a:rPr>
-              <a:t>các</a:t>
-            </a:r>
-            <a:r>
-              <a:rPr lang="en-US" sz="1800" dirty="0">
-                <a:effectLst/>
-                <a:latin typeface="Cambria" panose="02040503050406030204" pitchFamily="18" charset="0"/>
-                <a:ea typeface="Cambria" panose="02040503050406030204" pitchFamily="18" charset="0"/>
-              </a:rPr>
-              <a:t> </a:t>
-            </a:r>
-            <a:r>
-              <a:rPr lang="en-US" sz="1800" dirty="0" err="1">
-                <a:effectLst/>
-                <a:latin typeface="Cambria" panose="02040503050406030204" pitchFamily="18" charset="0"/>
-                <a:ea typeface="Cambria" panose="02040503050406030204" pitchFamily="18" charset="0"/>
-              </a:rPr>
-              <a:t>tính</a:t>
-            </a:r>
-            <a:r>
-              <a:rPr lang="en-US" sz="1800" dirty="0">
-                <a:effectLst/>
-                <a:latin typeface="Cambria" panose="02040503050406030204" pitchFamily="18" charset="0"/>
-                <a:ea typeface="Cambria" panose="02040503050406030204" pitchFamily="18" charset="0"/>
-              </a:rPr>
-              <a:t> </a:t>
-            </a:r>
-            <a:r>
-              <a:rPr lang="en-US" sz="1800" dirty="0" err="1">
-                <a:effectLst/>
-                <a:latin typeface="Cambria" panose="02040503050406030204" pitchFamily="18" charset="0"/>
-                <a:ea typeface="Cambria" panose="02040503050406030204" pitchFamily="18" charset="0"/>
-              </a:rPr>
-              <a:t>toán</a:t>
-            </a:r>
-            <a:r>
-              <a:rPr lang="en-US" sz="1800" dirty="0">
-                <a:effectLst/>
-                <a:latin typeface="Cambria" panose="02040503050406030204" pitchFamily="18" charset="0"/>
-                <a:ea typeface="Cambria" panose="02040503050406030204" pitchFamily="18" charset="0"/>
-              </a:rPr>
-              <a:t> </a:t>
-            </a:r>
-            <a:r>
-              <a:rPr lang="en-US" sz="1800" dirty="0" err="1">
-                <a:effectLst/>
-                <a:latin typeface="Cambria" panose="02040503050406030204" pitchFamily="18" charset="0"/>
-                <a:ea typeface="Cambria" panose="02040503050406030204" pitchFamily="18" charset="0"/>
-              </a:rPr>
-              <a:t>nhằm</a:t>
-            </a:r>
-            <a:r>
-              <a:rPr lang="en-US" sz="1800" dirty="0">
-                <a:effectLst/>
-                <a:latin typeface="Cambria" panose="02040503050406030204" pitchFamily="18" charset="0"/>
-                <a:ea typeface="Cambria" panose="02040503050406030204" pitchFamily="18" charset="0"/>
-              </a:rPr>
-              <a:t> </a:t>
-            </a:r>
-            <a:r>
-              <a:rPr lang="en-US" sz="1800" dirty="0" err="1">
-                <a:effectLst/>
-                <a:latin typeface="Cambria" panose="02040503050406030204" pitchFamily="18" charset="0"/>
-                <a:ea typeface="Cambria" panose="02040503050406030204" pitchFamily="18" charset="0"/>
-              </a:rPr>
-              <a:t>phân</a:t>
-            </a:r>
-            <a:r>
-              <a:rPr lang="en-US" sz="1800" dirty="0">
-                <a:effectLst/>
-                <a:latin typeface="Cambria" panose="02040503050406030204" pitchFamily="18" charset="0"/>
-                <a:ea typeface="Cambria" panose="02040503050406030204" pitchFamily="18" charset="0"/>
-              </a:rPr>
-              <a:t> </a:t>
-            </a:r>
-            <a:r>
-              <a:rPr lang="en-US" sz="1800" dirty="0" err="1">
-                <a:effectLst/>
-                <a:latin typeface="Cambria" panose="02040503050406030204" pitchFamily="18" charset="0"/>
-                <a:ea typeface="Cambria" panose="02040503050406030204" pitchFamily="18" charset="0"/>
-              </a:rPr>
-              <a:t>tích</a:t>
-            </a:r>
-            <a:r>
-              <a:rPr lang="en-US" sz="1800" dirty="0">
-                <a:effectLst/>
-                <a:latin typeface="Cambria" panose="02040503050406030204" pitchFamily="18" charset="0"/>
-                <a:ea typeface="Cambria" panose="02040503050406030204" pitchFamily="18" charset="0"/>
-              </a:rPr>
-              <a:t> </a:t>
-            </a:r>
-            <a:r>
-              <a:rPr lang="en-US" sz="1800" dirty="0" err="1">
-                <a:effectLst/>
-                <a:latin typeface="Cambria" panose="02040503050406030204" pitchFamily="18" charset="0"/>
-                <a:ea typeface="Cambria" panose="02040503050406030204" pitchFamily="18" charset="0"/>
-              </a:rPr>
-              <a:t>độ</a:t>
-            </a:r>
-            <a:r>
-              <a:rPr lang="en-US" sz="1800" dirty="0">
-                <a:effectLst/>
-                <a:latin typeface="Cambria" panose="02040503050406030204" pitchFamily="18" charset="0"/>
-                <a:ea typeface="Cambria" panose="02040503050406030204" pitchFamily="18" charset="0"/>
-              </a:rPr>
-              <a:t> </a:t>
-            </a:r>
-            <a:r>
-              <a:rPr lang="en-US" sz="1800" dirty="0" err="1">
-                <a:effectLst/>
-                <a:latin typeface="Cambria" panose="02040503050406030204" pitchFamily="18" charset="0"/>
-                <a:ea typeface="Cambria" panose="02040503050406030204" pitchFamily="18" charset="0"/>
-              </a:rPr>
-              <a:t>bền</a:t>
-            </a:r>
-            <a:r>
-              <a:rPr lang="en-US" sz="1800" dirty="0">
-                <a:effectLst/>
-                <a:latin typeface="Cambria" panose="02040503050406030204" pitchFamily="18" charset="0"/>
-                <a:ea typeface="Cambria" panose="02040503050406030204" pitchFamily="18" charset="0"/>
-              </a:rPr>
-              <a:t> </a:t>
-            </a:r>
-            <a:r>
-              <a:rPr lang="en-US" sz="1800" dirty="0" err="1">
-                <a:effectLst/>
-                <a:latin typeface="Cambria" panose="02040503050406030204" pitchFamily="18" charset="0"/>
-                <a:ea typeface="Cambria" panose="02040503050406030204" pitchFamily="18" charset="0"/>
-              </a:rPr>
-              <a:t>mỏi</a:t>
-            </a:r>
-            <a:r>
-              <a:rPr lang="en-US" sz="1800" dirty="0">
-                <a:effectLst/>
-                <a:latin typeface="Cambria" panose="02040503050406030204" pitchFamily="18" charset="0"/>
-                <a:ea typeface="Cambria" panose="02040503050406030204" pitchFamily="18" charset="0"/>
-              </a:rPr>
-              <a:t> </a:t>
-            </a:r>
-            <a:r>
-              <a:rPr lang="en-US" sz="1800" dirty="0" err="1">
-                <a:effectLst/>
-                <a:latin typeface="Cambria" panose="02040503050406030204" pitchFamily="18" charset="0"/>
-                <a:ea typeface="Cambria" panose="02040503050406030204" pitchFamily="18" charset="0"/>
-              </a:rPr>
-              <a:t>kết</a:t>
-            </a:r>
-            <a:r>
-              <a:rPr lang="en-US" sz="1800" dirty="0">
-                <a:effectLst/>
-                <a:latin typeface="Cambria" panose="02040503050406030204" pitchFamily="18" charset="0"/>
-                <a:ea typeface="Cambria" panose="02040503050406030204" pitchFamily="18" charset="0"/>
-              </a:rPr>
-              <a:t> </a:t>
-            </a:r>
-            <a:r>
-              <a:rPr lang="en-US" sz="1800" dirty="0" err="1">
-                <a:effectLst/>
-                <a:latin typeface="Cambria" panose="02040503050406030204" pitchFamily="18" charset="0"/>
-                <a:ea typeface="Cambria" panose="02040503050406030204" pitchFamily="18" charset="0"/>
-              </a:rPr>
-              <a:t>cấu</a:t>
-            </a:r>
-            <a:r>
-              <a:rPr lang="en-US" sz="1800" dirty="0">
-                <a:effectLst/>
-                <a:latin typeface="Times New Roman" panose="02020603050405020304" pitchFamily="18" charset="0"/>
-                <a:ea typeface="SimSun" panose="02010600030101010101" pitchFamily="2" charset="-122"/>
-              </a:rPr>
-              <a:t>. </a:t>
-            </a:r>
-            <a:endParaRPr lang="en-US" spc="-5" dirty="0">
-              <a:latin typeface="Cambria" panose="02040503050406030204" pitchFamily="18" charset="0"/>
-              <a:ea typeface="Cambria" panose="02040503050406030204" pitchFamily="18" charset="0"/>
-            </a:endParaRPr>
-          </a:p>
-          <a:p>
-            <a:pPr marL="0" marR="0" indent="182880" algn="just">
-              <a:lnSpc>
-                <a:spcPct val="95000"/>
-              </a:lnSpc>
-              <a:spcBef>
-                <a:spcPts val="0"/>
-              </a:spcBef>
-              <a:spcAft>
-                <a:spcPts val="600"/>
-              </a:spcAft>
-              <a:tabLst>
-                <a:tab pos="182880" algn="l"/>
-              </a:tabLst>
-            </a:pPr>
-            <a:r>
-              <a:rPr lang="en-US" sz="1800" spc="-5" dirty="0">
-                <a:effectLst/>
-                <a:latin typeface="Cambria" panose="02040503050406030204" pitchFamily="18" charset="0"/>
-                <a:ea typeface="Cambria" panose="02040503050406030204" pitchFamily="18" charset="0"/>
-              </a:rPr>
-              <a:t>- </a:t>
-            </a:r>
-            <a:r>
-              <a:rPr lang="x-none" sz="1800" spc="-5" dirty="0">
-                <a:effectLst/>
-                <a:latin typeface="Cambria" panose="02040503050406030204" pitchFamily="18" charset="0"/>
-                <a:ea typeface="Cambria" panose="02040503050406030204" pitchFamily="18" charset="0"/>
-              </a:rPr>
-              <a:t>Bài báo cũng đã có những đánh giá về các yếu tố tác động đến độ bền mỏi của kết cấu, tuổi thọ của kết cấu cụ thể qua 2 trường hợp tính toán.</a:t>
-            </a:r>
-            <a:endParaRPr lang="en-US" sz="1800" spc="-5" dirty="0">
-              <a:effectLst/>
-              <a:latin typeface="Cambria" panose="02040503050406030204" pitchFamily="18" charset="0"/>
-              <a:ea typeface="Cambria" panose="02040503050406030204" pitchFamily="18" charset="0"/>
-            </a:endParaRPr>
-          </a:p>
-          <a:p>
-            <a:pPr marL="285750" marR="0" lvl="0" indent="-285750" algn="just">
-              <a:lnSpc>
-                <a:spcPct val="95000"/>
-              </a:lnSpc>
-              <a:spcBef>
-                <a:spcPts val="0"/>
-              </a:spcBef>
-              <a:spcAft>
-                <a:spcPts val="600"/>
-              </a:spcAft>
-              <a:buFont typeface="Arial" panose="020B0604020202020204" pitchFamily="34" charset="0"/>
-              <a:buChar char="•"/>
-              <a:tabLst>
-                <a:tab pos="182880" algn="l"/>
-                <a:tab pos="411480" algn="l"/>
-                <a:tab pos="182880" algn="l"/>
-              </a:tabLst>
-            </a:pPr>
-            <a:r>
-              <a:rPr lang="x-none" sz="1800" spc="-5" dirty="0">
-                <a:effectLst/>
-                <a:latin typeface="Cambria" panose="02040503050406030204" pitchFamily="18" charset="0"/>
-                <a:ea typeface="Cambria" panose="02040503050406030204" pitchFamily="18" charset="0"/>
-              </a:rPr>
-              <a:t>Trường hợp 1 giữ nguyên hệ số hình dạng Weibull là 1.1, thay đổi các giá trị của đường cong S-N. Với cùng điều kiện số năm phục vụ của kết cấu là 20 năm, trường hợp 1 cho thấy giá trị của tuổi thọ mỏi chịu ảnh hưởng bởi việc lựa chọn đường cong S-N, khi chọn đường cong C2 hoặc lớn hơn, tuổi thọ mỏi giảm xuống dưới 20 năm, điều này chứng minh được sự quan trọng trong việc lựa chọn đúng đường cong S-N trong việc phân tích và xác định tuổi thọ mỏi kết cấu.</a:t>
-            </a:r>
-            <a:endParaRPr lang="en-US" sz="1800" spc="-5" dirty="0">
-              <a:effectLst/>
-              <a:latin typeface="Cambria" panose="02040503050406030204" pitchFamily="18" charset="0"/>
-              <a:ea typeface="Cambria" panose="02040503050406030204" pitchFamily="18" charset="0"/>
-            </a:endParaRPr>
-          </a:p>
-          <a:p>
-            <a:pPr marL="285750" indent="-285750" algn="just">
-              <a:buFont typeface="Arial" panose="020B0604020202020204" pitchFamily="34" charset="0"/>
-              <a:buChar char="•"/>
-            </a:pPr>
-            <a:r>
-              <a:rPr lang="en-US" spc="-5" dirty="0" err="1">
-                <a:latin typeface="Cambria" panose="02040503050406030204" pitchFamily="18" charset="0"/>
-                <a:ea typeface="Cambria" panose="02040503050406030204" pitchFamily="18" charset="0"/>
-              </a:rPr>
-              <a:t>Trường</a:t>
-            </a:r>
-            <a:r>
-              <a:rPr lang="en-US" sz="1800" dirty="0">
-                <a:effectLst/>
-                <a:latin typeface="Cambria" panose="02040503050406030204" pitchFamily="18" charset="0"/>
-                <a:ea typeface="Cambria" panose="02040503050406030204" pitchFamily="18" charset="0"/>
-              </a:rPr>
-              <a:t> </a:t>
-            </a:r>
-            <a:r>
-              <a:rPr lang="en-US" sz="1800" dirty="0" err="1">
-                <a:effectLst/>
-                <a:latin typeface="Cambria" panose="02040503050406030204" pitchFamily="18" charset="0"/>
-                <a:ea typeface="Cambria" panose="02040503050406030204" pitchFamily="18" charset="0"/>
-              </a:rPr>
-              <a:t>hợp</a:t>
-            </a:r>
-            <a:r>
-              <a:rPr lang="en-US" sz="1800" dirty="0">
-                <a:effectLst/>
-                <a:latin typeface="Cambria" panose="02040503050406030204" pitchFamily="18" charset="0"/>
-                <a:ea typeface="Cambria" panose="02040503050406030204" pitchFamily="18" charset="0"/>
-              </a:rPr>
-              <a:t> 2 </a:t>
-            </a:r>
-            <a:r>
-              <a:rPr lang="en-US" sz="1800" dirty="0" err="1">
-                <a:effectLst/>
-                <a:latin typeface="Cambria" panose="02040503050406030204" pitchFamily="18" charset="0"/>
-                <a:ea typeface="Cambria" panose="02040503050406030204" pitchFamily="18" charset="0"/>
-              </a:rPr>
-              <a:t>giữ</a:t>
-            </a:r>
-            <a:r>
-              <a:rPr lang="en-US" sz="1800" dirty="0">
-                <a:effectLst/>
-                <a:latin typeface="Cambria" panose="02040503050406030204" pitchFamily="18" charset="0"/>
-                <a:ea typeface="Cambria" panose="02040503050406030204" pitchFamily="18" charset="0"/>
-              </a:rPr>
-              <a:t> </a:t>
-            </a:r>
-            <a:r>
-              <a:rPr lang="en-US" sz="1800" dirty="0" err="1">
-                <a:effectLst/>
-                <a:latin typeface="Cambria" panose="02040503050406030204" pitchFamily="18" charset="0"/>
-                <a:ea typeface="Cambria" panose="02040503050406030204" pitchFamily="18" charset="0"/>
-              </a:rPr>
-              <a:t>nguyên</a:t>
-            </a:r>
-            <a:r>
-              <a:rPr lang="en-US" sz="1800" dirty="0">
-                <a:effectLst/>
-                <a:latin typeface="Cambria" panose="02040503050406030204" pitchFamily="18" charset="0"/>
-                <a:ea typeface="Cambria" panose="02040503050406030204" pitchFamily="18" charset="0"/>
-              </a:rPr>
-              <a:t> </a:t>
-            </a:r>
-            <a:r>
-              <a:rPr lang="en-US" sz="1800" dirty="0" err="1">
-                <a:effectLst/>
-                <a:latin typeface="Cambria" panose="02040503050406030204" pitchFamily="18" charset="0"/>
-                <a:ea typeface="Cambria" panose="02040503050406030204" pitchFamily="18" charset="0"/>
-              </a:rPr>
-              <a:t>đường</a:t>
-            </a:r>
-            <a:r>
-              <a:rPr lang="en-US" sz="1800" dirty="0">
-                <a:effectLst/>
-                <a:latin typeface="Cambria" panose="02040503050406030204" pitchFamily="18" charset="0"/>
-                <a:ea typeface="Cambria" panose="02040503050406030204" pitchFamily="18" charset="0"/>
-              </a:rPr>
-              <a:t> </a:t>
-            </a:r>
-            <a:r>
-              <a:rPr lang="en-US" sz="1800" dirty="0" err="1">
-                <a:effectLst/>
-                <a:latin typeface="Cambria" panose="02040503050406030204" pitchFamily="18" charset="0"/>
-                <a:ea typeface="Cambria" panose="02040503050406030204" pitchFamily="18" charset="0"/>
-              </a:rPr>
-              <a:t>cong</a:t>
-            </a:r>
-            <a:r>
-              <a:rPr lang="en-US" sz="1800" dirty="0">
-                <a:effectLst/>
-                <a:latin typeface="Cambria" panose="02040503050406030204" pitchFamily="18" charset="0"/>
-                <a:ea typeface="Cambria" panose="02040503050406030204" pitchFamily="18" charset="0"/>
-              </a:rPr>
-              <a:t> S-N </a:t>
-            </a:r>
-            <a:r>
-              <a:rPr lang="en-US" sz="1800" dirty="0" err="1">
-                <a:effectLst/>
-                <a:latin typeface="Cambria" panose="02040503050406030204" pitchFamily="18" charset="0"/>
-                <a:ea typeface="Cambria" panose="02040503050406030204" pitchFamily="18" charset="0"/>
-              </a:rPr>
-              <a:t>là</a:t>
-            </a:r>
-            <a:r>
-              <a:rPr lang="en-US" sz="1800" dirty="0">
-                <a:effectLst/>
-                <a:latin typeface="Cambria" panose="02040503050406030204" pitchFamily="18" charset="0"/>
-                <a:ea typeface="Cambria" panose="02040503050406030204" pitchFamily="18" charset="0"/>
-              </a:rPr>
-              <a:t> B1, </a:t>
-            </a:r>
-            <a:r>
-              <a:rPr lang="en-US" sz="1800" dirty="0" err="1">
-                <a:effectLst/>
-                <a:latin typeface="Cambria" panose="02040503050406030204" pitchFamily="18" charset="0"/>
-                <a:ea typeface="Cambria" panose="02040503050406030204" pitchFamily="18" charset="0"/>
-              </a:rPr>
-              <a:t>thay</a:t>
-            </a:r>
-            <a:r>
-              <a:rPr lang="en-US" sz="1800" dirty="0">
-                <a:effectLst/>
-                <a:latin typeface="Cambria" panose="02040503050406030204" pitchFamily="18" charset="0"/>
-                <a:ea typeface="Cambria" panose="02040503050406030204" pitchFamily="18" charset="0"/>
-              </a:rPr>
-              <a:t> </a:t>
-            </a:r>
-            <a:r>
-              <a:rPr lang="en-US" sz="1800" dirty="0" err="1">
-                <a:effectLst/>
-                <a:latin typeface="Cambria" panose="02040503050406030204" pitchFamily="18" charset="0"/>
-                <a:ea typeface="Cambria" panose="02040503050406030204" pitchFamily="18" charset="0"/>
-              </a:rPr>
-              <a:t>đổi</a:t>
-            </a:r>
-            <a:r>
-              <a:rPr lang="en-US" sz="1800" dirty="0">
-                <a:effectLst/>
-                <a:latin typeface="Cambria" panose="02040503050406030204" pitchFamily="18" charset="0"/>
-                <a:ea typeface="Cambria" panose="02040503050406030204" pitchFamily="18" charset="0"/>
-              </a:rPr>
-              <a:t> </a:t>
-            </a:r>
-            <a:r>
-              <a:rPr lang="en-US" sz="1800" dirty="0" err="1">
-                <a:effectLst/>
-                <a:latin typeface="Cambria" panose="02040503050406030204" pitchFamily="18" charset="0"/>
-                <a:ea typeface="Cambria" panose="02040503050406030204" pitchFamily="18" charset="0"/>
-              </a:rPr>
-              <a:t>các</a:t>
-            </a:r>
-            <a:r>
-              <a:rPr lang="en-US" sz="1800" dirty="0">
-                <a:effectLst/>
-                <a:latin typeface="Cambria" panose="02040503050406030204" pitchFamily="18" charset="0"/>
-                <a:ea typeface="Cambria" panose="02040503050406030204" pitchFamily="18" charset="0"/>
-              </a:rPr>
-              <a:t> </a:t>
-            </a:r>
-            <a:r>
-              <a:rPr lang="en-US" sz="1800" dirty="0" err="1">
-                <a:effectLst/>
-                <a:latin typeface="Cambria" panose="02040503050406030204" pitchFamily="18" charset="0"/>
-                <a:ea typeface="Cambria" panose="02040503050406030204" pitchFamily="18" charset="0"/>
-              </a:rPr>
-              <a:t>giá</a:t>
-            </a:r>
-            <a:r>
-              <a:rPr lang="en-US" sz="1800" dirty="0">
-                <a:effectLst/>
-                <a:latin typeface="Cambria" panose="02040503050406030204" pitchFamily="18" charset="0"/>
-                <a:ea typeface="Cambria" panose="02040503050406030204" pitchFamily="18" charset="0"/>
-              </a:rPr>
-              <a:t> </a:t>
-            </a:r>
-            <a:r>
-              <a:rPr lang="en-US" sz="1800" dirty="0" err="1">
-                <a:effectLst/>
-                <a:latin typeface="Cambria" panose="02040503050406030204" pitchFamily="18" charset="0"/>
-                <a:ea typeface="Cambria" panose="02040503050406030204" pitchFamily="18" charset="0"/>
-              </a:rPr>
-              <a:t>trị</a:t>
-            </a:r>
-            <a:r>
-              <a:rPr lang="en-US" sz="1800" dirty="0">
-                <a:effectLst/>
-                <a:latin typeface="Cambria" panose="02040503050406030204" pitchFamily="18" charset="0"/>
-                <a:ea typeface="Cambria" panose="02040503050406030204" pitchFamily="18" charset="0"/>
-              </a:rPr>
-              <a:t> </a:t>
-            </a:r>
-            <a:r>
-              <a:rPr lang="en-US" sz="1800" dirty="0" err="1">
-                <a:effectLst/>
-                <a:latin typeface="Cambria" panose="02040503050406030204" pitchFamily="18" charset="0"/>
-                <a:ea typeface="Cambria" panose="02040503050406030204" pitchFamily="18" charset="0"/>
-              </a:rPr>
-              <a:t>của</a:t>
-            </a:r>
-            <a:r>
-              <a:rPr lang="en-US" sz="1800" dirty="0">
-                <a:effectLst/>
-                <a:latin typeface="Cambria" panose="02040503050406030204" pitchFamily="18" charset="0"/>
-                <a:ea typeface="Cambria" panose="02040503050406030204" pitchFamily="18" charset="0"/>
-              </a:rPr>
-              <a:t> </a:t>
-            </a:r>
-            <a:r>
-              <a:rPr lang="en-US" sz="1800" dirty="0" err="1">
-                <a:effectLst/>
-                <a:latin typeface="Cambria" panose="02040503050406030204" pitchFamily="18" charset="0"/>
-                <a:ea typeface="Cambria" panose="02040503050406030204" pitchFamily="18" charset="0"/>
-              </a:rPr>
-              <a:t>hệ</a:t>
-            </a:r>
-            <a:r>
-              <a:rPr lang="en-US" sz="1800" dirty="0">
-                <a:effectLst/>
-                <a:latin typeface="Cambria" panose="02040503050406030204" pitchFamily="18" charset="0"/>
-                <a:ea typeface="Cambria" panose="02040503050406030204" pitchFamily="18" charset="0"/>
-              </a:rPr>
-              <a:t> </a:t>
-            </a:r>
-            <a:r>
-              <a:rPr lang="en-US" sz="1800" dirty="0" err="1">
-                <a:effectLst/>
-                <a:latin typeface="Cambria" panose="02040503050406030204" pitchFamily="18" charset="0"/>
-                <a:ea typeface="Cambria" panose="02040503050406030204" pitchFamily="18" charset="0"/>
-              </a:rPr>
-              <a:t>số</a:t>
-            </a:r>
-            <a:r>
-              <a:rPr lang="en-US" sz="1800" dirty="0">
-                <a:effectLst/>
-                <a:latin typeface="Cambria" panose="02040503050406030204" pitchFamily="18" charset="0"/>
-                <a:ea typeface="Cambria" panose="02040503050406030204" pitchFamily="18" charset="0"/>
-              </a:rPr>
-              <a:t> </a:t>
-            </a:r>
-            <a:r>
-              <a:rPr lang="en-US" sz="1800" dirty="0" err="1">
-                <a:effectLst/>
-                <a:latin typeface="Cambria" panose="02040503050406030204" pitchFamily="18" charset="0"/>
-                <a:ea typeface="Cambria" panose="02040503050406030204" pitchFamily="18" charset="0"/>
-              </a:rPr>
-              <a:t>hình</a:t>
-            </a:r>
-            <a:r>
-              <a:rPr lang="en-US" sz="1800" dirty="0">
-                <a:effectLst/>
-                <a:latin typeface="Cambria" panose="02040503050406030204" pitchFamily="18" charset="0"/>
-                <a:ea typeface="Cambria" panose="02040503050406030204" pitchFamily="18" charset="0"/>
-              </a:rPr>
-              <a:t> </a:t>
-            </a:r>
-            <a:r>
-              <a:rPr lang="en-US" sz="1800" dirty="0" err="1">
-                <a:effectLst/>
-                <a:latin typeface="Cambria" panose="02040503050406030204" pitchFamily="18" charset="0"/>
-                <a:ea typeface="Cambria" panose="02040503050406030204" pitchFamily="18" charset="0"/>
-              </a:rPr>
-              <a:t>dạng</a:t>
-            </a:r>
-            <a:r>
-              <a:rPr lang="en-US" sz="1800" dirty="0">
-                <a:effectLst/>
-                <a:latin typeface="Cambria" panose="02040503050406030204" pitchFamily="18" charset="0"/>
-                <a:ea typeface="Cambria" panose="02040503050406030204" pitchFamily="18" charset="0"/>
-              </a:rPr>
-              <a:t> Weibull. </a:t>
-            </a:r>
-            <a:r>
-              <a:rPr lang="en-US" sz="1800" dirty="0" err="1">
-                <a:effectLst/>
-                <a:latin typeface="Cambria" panose="02040503050406030204" pitchFamily="18" charset="0"/>
-                <a:ea typeface="Cambria" panose="02040503050406030204" pitchFamily="18" charset="0"/>
-              </a:rPr>
-              <a:t>Tương</a:t>
-            </a:r>
-            <a:r>
-              <a:rPr lang="en-US" sz="1800" dirty="0">
-                <a:effectLst/>
-                <a:latin typeface="Cambria" panose="02040503050406030204" pitchFamily="18" charset="0"/>
-                <a:ea typeface="Cambria" panose="02040503050406030204" pitchFamily="18" charset="0"/>
-              </a:rPr>
-              <a:t> </a:t>
-            </a:r>
-            <a:r>
-              <a:rPr lang="en-US" sz="1800" dirty="0" err="1">
-                <a:effectLst/>
-                <a:latin typeface="Cambria" panose="02040503050406030204" pitchFamily="18" charset="0"/>
-                <a:ea typeface="Cambria" panose="02040503050406030204" pitchFamily="18" charset="0"/>
-              </a:rPr>
-              <a:t>tự</a:t>
-            </a:r>
-            <a:r>
-              <a:rPr lang="en-US" sz="1800" dirty="0">
-                <a:effectLst/>
-                <a:latin typeface="Cambria" panose="02040503050406030204" pitchFamily="18" charset="0"/>
-                <a:ea typeface="Cambria" panose="02040503050406030204" pitchFamily="18" charset="0"/>
-              </a:rPr>
-              <a:t> </a:t>
-            </a:r>
-            <a:r>
-              <a:rPr lang="en-US" sz="1800" dirty="0" err="1">
-                <a:effectLst/>
-                <a:latin typeface="Cambria" panose="02040503050406030204" pitchFamily="18" charset="0"/>
-                <a:ea typeface="Cambria" panose="02040503050406030204" pitchFamily="18" charset="0"/>
-              </a:rPr>
-              <a:t>với</a:t>
-            </a:r>
-            <a:r>
-              <a:rPr lang="en-US" sz="1800" dirty="0">
-                <a:effectLst/>
-                <a:latin typeface="Cambria" panose="02040503050406030204" pitchFamily="18" charset="0"/>
-                <a:ea typeface="Cambria" panose="02040503050406030204" pitchFamily="18" charset="0"/>
-              </a:rPr>
-              <a:t> </a:t>
-            </a:r>
-            <a:r>
-              <a:rPr lang="en-US" sz="1800" dirty="0" err="1">
-                <a:effectLst/>
-                <a:latin typeface="Cambria" panose="02040503050406030204" pitchFamily="18" charset="0"/>
-                <a:ea typeface="Cambria" panose="02040503050406030204" pitchFamily="18" charset="0"/>
-              </a:rPr>
-              <a:t>cùng</a:t>
-            </a:r>
-            <a:r>
-              <a:rPr lang="en-US" sz="1800" dirty="0">
-                <a:effectLst/>
-                <a:latin typeface="Cambria" panose="02040503050406030204" pitchFamily="18" charset="0"/>
-                <a:ea typeface="Cambria" panose="02040503050406030204" pitchFamily="18" charset="0"/>
-              </a:rPr>
-              <a:t> </a:t>
-            </a:r>
-            <a:r>
-              <a:rPr lang="en-US" sz="1800" dirty="0" err="1">
-                <a:effectLst/>
-                <a:latin typeface="Cambria" panose="02040503050406030204" pitchFamily="18" charset="0"/>
-                <a:ea typeface="Cambria" panose="02040503050406030204" pitchFamily="18" charset="0"/>
-              </a:rPr>
-              <a:t>điều</a:t>
-            </a:r>
-            <a:r>
-              <a:rPr lang="en-US" sz="1800" dirty="0">
-                <a:effectLst/>
-                <a:latin typeface="Cambria" panose="02040503050406030204" pitchFamily="18" charset="0"/>
-                <a:ea typeface="Cambria" panose="02040503050406030204" pitchFamily="18" charset="0"/>
-              </a:rPr>
-              <a:t> </a:t>
-            </a:r>
-            <a:r>
-              <a:rPr lang="en-US" sz="1800" dirty="0" err="1">
-                <a:effectLst/>
-                <a:latin typeface="Cambria" panose="02040503050406030204" pitchFamily="18" charset="0"/>
-                <a:ea typeface="Cambria" panose="02040503050406030204" pitchFamily="18" charset="0"/>
-              </a:rPr>
-              <a:t>kiện</a:t>
-            </a:r>
-            <a:r>
-              <a:rPr lang="en-US" sz="1800" dirty="0">
-                <a:effectLst/>
-                <a:latin typeface="Cambria" panose="02040503050406030204" pitchFamily="18" charset="0"/>
-                <a:ea typeface="Cambria" panose="02040503050406030204" pitchFamily="18" charset="0"/>
-              </a:rPr>
-              <a:t> </a:t>
-            </a:r>
-            <a:r>
-              <a:rPr lang="en-US" sz="1800" dirty="0" err="1">
-                <a:effectLst/>
-                <a:latin typeface="Cambria" panose="02040503050406030204" pitchFamily="18" charset="0"/>
-                <a:ea typeface="Cambria" panose="02040503050406030204" pitchFamily="18" charset="0"/>
-              </a:rPr>
-              <a:t>số</a:t>
-            </a:r>
-            <a:r>
-              <a:rPr lang="en-US" sz="1800" dirty="0">
-                <a:effectLst/>
-                <a:latin typeface="Cambria" panose="02040503050406030204" pitchFamily="18" charset="0"/>
-                <a:ea typeface="Cambria" panose="02040503050406030204" pitchFamily="18" charset="0"/>
-              </a:rPr>
-              <a:t> </a:t>
-            </a:r>
-            <a:r>
-              <a:rPr lang="en-US" sz="1800" dirty="0" err="1">
-                <a:effectLst/>
-                <a:latin typeface="Cambria" panose="02040503050406030204" pitchFamily="18" charset="0"/>
-                <a:ea typeface="Cambria" panose="02040503050406030204" pitchFamily="18" charset="0"/>
-              </a:rPr>
-              <a:t>năm</a:t>
-            </a:r>
-            <a:r>
-              <a:rPr lang="en-US" sz="1800" dirty="0">
-                <a:effectLst/>
-                <a:latin typeface="Cambria" panose="02040503050406030204" pitchFamily="18" charset="0"/>
-                <a:ea typeface="Cambria" panose="02040503050406030204" pitchFamily="18" charset="0"/>
-              </a:rPr>
-              <a:t> </a:t>
-            </a:r>
-            <a:r>
-              <a:rPr lang="en-US" sz="1800" dirty="0" err="1">
-                <a:effectLst/>
-                <a:latin typeface="Cambria" panose="02040503050406030204" pitchFamily="18" charset="0"/>
-                <a:ea typeface="Cambria" panose="02040503050406030204" pitchFamily="18" charset="0"/>
-              </a:rPr>
-              <a:t>phục</a:t>
-            </a:r>
-            <a:r>
-              <a:rPr lang="en-US" sz="1800" dirty="0">
-                <a:effectLst/>
-                <a:latin typeface="Cambria" panose="02040503050406030204" pitchFamily="18" charset="0"/>
-                <a:ea typeface="Cambria" panose="02040503050406030204" pitchFamily="18" charset="0"/>
-              </a:rPr>
-              <a:t> </a:t>
-            </a:r>
-            <a:r>
-              <a:rPr lang="en-US" sz="1800" dirty="0" err="1">
-                <a:effectLst/>
-                <a:latin typeface="Cambria" panose="02040503050406030204" pitchFamily="18" charset="0"/>
-                <a:ea typeface="Cambria" panose="02040503050406030204" pitchFamily="18" charset="0"/>
-              </a:rPr>
-              <a:t>vụ</a:t>
-            </a:r>
-            <a:r>
-              <a:rPr lang="en-US" sz="1800" dirty="0">
-                <a:effectLst/>
-                <a:latin typeface="Cambria" panose="02040503050406030204" pitchFamily="18" charset="0"/>
-                <a:ea typeface="Cambria" panose="02040503050406030204" pitchFamily="18" charset="0"/>
-              </a:rPr>
-              <a:t> </a:t>
-            </a:r>
-            <a:r>
-              <a:rPr lang="en-US" sz="1800" dirty="0" err="1">
-                <a:effectLst/>
-                <a:latin typeface="Cambria" panose="02040503050406030204" pitchFamily="18" charset="0"/>
-                <a:ea typeface="Cambria" panose="02040503050406030204" pitchFamily="18" charset="0"/>
-              </a:rPr>
-              <a:t>là</a:t>
-            </a:r>
-            <a:r>
-              <a:rPr lang="en-US" sz="1800" dirty="0">
-                <a:effectLst/>
-                <a:latin typeface="Cambria" panose="02040503050406030204" pitchFamily="18" charset="0"/>
-                <a:ea typeface="Cambria" panose="02040503050406030204" pitchFamily="18" charset="0"/>
-              </a:rPr>
-              <a:t> 20 </a:t>
-            </a:r>
-            <a:r>
-              <a:rPr lang="en-US" sz="1800" dirty="0" err="1">
-                <a:effectLst/>
-                <a:latin typeface="Cambria" panose="02040503050406030204" pitchFamily="18" charset="0"/>
-                <a:ea typeface="Cambria" panose="02040503050406030204" pitchFamily="18" charset="0"/>
-              </a:rPr>
-              <a:t>năm</a:t>
-            </a:r>
-            <a:r>
-              <a:rPr lang="en-US" sz="1800" dirty="0">
-                <a:effectLst/>
-                <a:latin typeface="Cambria" panose="02040503050406030204" pitchFamily="18" charset="0"/>
-                <a:ea typeface="Cambria" panose="02040503050406030204" pitchFamily="18" charset="0"/>
-              </a:rPr>
-              <a:t>, </a:t>
-            </a:r>
-            <a:r>
-              <a:rPr lang="en-US" sz="1800" dirty="0" err="1">
-                <a:effectLst/>
-                <a:latin typeface="Cambria" panose="02040503050406030204" pitchFamily="18" charset="0"/>
-                <a:ea typeface="Cambria" panose="02040503050406030204" pitchFamily="18" charset="0"/>
-              </a:rPr>
-              <a:t>trường</a:t>
-            </a:r>
-            <a:r>
-              <a:rPr lang="en-US" sz="1800" dirty="0">
-                <a:effectLst/>
-                <a:latin typeface="Cambria" panose="02040503050406030204" pitchFamily="18" charset="0"/>
-                <a:ea typeface="Cambria" panose="02040503050406030204" pitchFamily="18" charset="0"/>
-              </a:rPr>
-              <a:t> </a:t>
-            </a:r>
-            <a:r>
-              <a:rPr lang="en-US" sz="1800" dirty="0" err="1">
-                <a:effectLst/>
-                <a:latin typeface="Cambria" panose="02040503050406030204" pitchFamily="18" charset="0"/>
-                <a:ea typeface="Cambria" panose="02040503050406030204" pitchFamily="18" charset="0"/>
-              </a:rPr>
-              <a:t>hợp</a:t>
-            </a:r>
-            <a:r>
-              <a:rPr lang="en-US" sz="1800" dirty="0">
-                <a:effectLst/>
-                <a:latin typeface="Cambria" panose="02040503050406030204" pitchFamily="18" charset="0"/>
-                <a:ea typeface="Cambria" panose="02040503050406030204" pitchFamily="18" charset="0"/>
-              </a:rPr>
-              <a:t> 2 </a:t>
-            </a:r>
-            <a:r>
-              <a:rPr lang="en-US" sz="1800" dirty="0" err="1">
-                <a:effectLst/>
-                <a:latin typeface="Cambria" panose="02040503050406030204" pitchFamily="18" charset="0"/>
-                <a:ea typeface="Cambria" panose="02040503050406030204" pitchFamily="18" charset="0"/>
-              </a:rPr>
-              <a:t>cũng</a:t>
-            </a:r>
-            <a:r>
-              <a:rPr lang="en-US" sz="1800" dirty="0">
-                <a:effectLst/>
-                <a:latin typeface="Cambria" panose="02040503050406030204" pitchFamily="18" charset="0"/>
-                <a:ea typeface="Cambria" panose="02040503050406030204" pitchFamily="18" charset="0"/>
-              </a:rPr>
-              <a:t> </a:t>
-            </a:r>
-            <a:r>
-              <a:rPr lang="en-US" sz="1800" dirty="0" err="1">
-                <a:effectLst/>
-                <a:latin typeface="Cambria" panose="02040503050406030204" pitchFamily="18" charset="0"/>
-                <a:ea typeface="Cambria" panose="02040503050406030204" pitchFamily="18" charset="0"/>
-              </a:rPr>
-              <a:t>cho</a:t>
-            </a:r>
-            <a:r>
-              <a:rPr lang="en-US" sz="1800" dirty="0">
-                <a:effectLst/>
-                <a:latin typeface="Cambria" panose="02040503050406030204" pitchFamily="18" charset="0"/>
-                <a:ea typeface="Cambria" panose="02040503050406030204" pitchFamily="18" charset="0"/>
-              </a:rPr>
-              <a:t> </a:t>
-            </a:r>
-            <a:r>
-              <a:rPr lang="en-US" sz="1800" dirty="0" err="1">
-                <a:effectLst/>
-                <a:latin typeface="Cambria" panose="02040503050406030204" pitchFamily="18" charset="0"/>
-                <a:ea typeface="Cambria" panose="02040503050406030204" pitchFamily="18" charset="0"/>
-              </a:rPr>
-              <a:t>thấy</a:t>
-            </a:r>
-            <a:r>
-              <a:rPr lang="en-US" sz="1800" dirty="0">
-                <a:effectLst/>
-                <a:latin typeface="Cambria" panose="02040503050406030204" pitchFamily="18" charset="0"/>
-                <a:ea typeface="Cambria" panose="02040503050406030204" pitchFamily="18" charset="0"/>
-              </a:rPr>
-              <a:t> </a:t>
-            </a:r>
-            <a:r>
-              <a:rPr lang="en-US" sz="1800" dirty="0" err="1">
-                <a:effectLst/>
-                <a:latin typeface="Cambria" panose="02040503050406030204" pitchFamily="18" charset="0"/>
-                <a:ea typeface="Cambria" panose="02040503050406030204" pitchFamily="18" charset="0"/>
-              </a:rPr>
-              <a:t>sự</a:t>
-            </a:r>
-            <a:r>
-              <a:rPr lang="en-US" sz="1800" dirty="0">
-                <a:effectLst/>
-                <a:latin typeface="Cambria" panose="02040503050406030204" pitchFamily="18" charset="0"/>
-                <a:ea typeface="Cambria" panose="02040503050406030204" pitchFamily="18" charset="0"/>
-              </a:rPr>
-              <a:t> </a:t>
-            </a:r>
-            <a:r>
-              <a:rPr lang="en-US" sz="1800" dirty="0" err="1">
-                <a:effectLst/>
-                <a:latin typeface="Cambria" panose="02040503050406030204" pitchFamily="18" charset="0"/>
-                <a:ea typeface="Cambria" panose="02040503050406030204" pitchFamily="18" charset="0"/>
-              </a:rPr>
-              <a:t>ảnh</a:t>
-            </a:r>
-            <a:r>
-              <a:rPr lang="en-US" sz="1800" dirty="0">
-                <a:effectLst/>
-                <a:latin typeface="Cambria" panose="02040503050406030204" pitchFamily="18" charset="0"/>
-                <a:ea typeface="Cambria" panose="02040503050406030204" pitchFamily="18" charset="0"/>
-              </a:rPr>
-              <a:t> </a:t>
-            </a:r>
-            <a:r>
-              <a:rPr lang="en-US" sz="1800" dirty="0" err="1">
-                <a:effectLst/>
-                <a:latin typeface="Cambria" panose="02040503050406030204" pitchFamily="18" charset="0"/>
-                <a:ea typeface="Cambria" panose="02040503050406030204" pitchFamily="18" charset="0"/>
-              </a:rPr>
-              <a:t>hưởng</a:t>
-            </a:r>
-            <a:r>
-              <a:rPr lang="en-US" sz="1800" dirty="0">
-                <a:effectLst/>
-                <a:latin typeface="Cambria" panose="02040503050406030204" pitchFamily="18" charset="0"/>
-                <a:ea typeface="Cambria" panose="02040503050406030204" pitchFamily="18" charset="0"/>
-              </a:rPr>
-              <a:t> </a:t>
-            </a:r>
-            <a:r>
-              <a:rPr lang="en-US" sz="1800" dirty="0" err="1">
-                <a:effectLst/>
-                <a:latin typeface="Cambria" panose="02040503050406030204" pitchFamily="18" charset="0"/>
-                <a:ea typeface="Cambria" panose="02040503050406030204" pitchFamily="18" charset="0"/>
-              </a:rPr>
-              <a:t>bởi</a:t>
-            </a:r>
-            <a:r>
-              <a:rPr lang="en-US" sz="1800" dirty="0">
-                <a:effectLst/>
-                <a:latin typeface="Cambria" panose="02040503050406030204" pitchFamily="18" charset="0"/>
-                <a:ea typeface="Cambria" panose="02040503050406030204" pitchFamily="18" charset="0"/>
-              </a:rPr>
-              <a:t> </a:t>
-            </a:r>
-            <a:r>
-              <a:rPr lang="en-US" sz="1800" dirty="0" err="1">
-                <a:effectLst/>
-                <a:latin typeface="Cambria" panose="02040503050406030204" pitchFamily="18" charset="0"/>
-                <a:ea typeface="Cambria" panose="02040503050406030204" pitchFamily="18" charset="0"/>
-              </a:rPr>
-              <a:t>việc</a:t>
-            </a:r>
-            <a:r>
-              <a:rPr lang="en-US" sz="1800" dirty="0">
-                <a:effectLst/>
-                <a:latin typeface="Cambria" panose="02040503050406030204" pitchFamily="18" charset="0"/>
-                <a:ea typeface="Cambria" panose="02040503050406030204" pitchFamily="18" charset="0"/>
-              </a:rPr>
-              <a:t> </a:t>
-            </a:r>
-            <a:r>
-              <a:rPr lang="en-US" sz="1800" dirty="0" err="1">
-                <a:effectLst/>
-                <a:latin typeface="Cambria" panose="02040503050406030204" pitchFamily="18" charset="0"/>
-                <a:ea typeface="Cambria" panose="02040503050406030204" pitchFamily="18" charset="0"/>
-              </a:rPr>
-              <a:t>lựa</a:t>
-            </a:r>
-            <a:r>
-              <a:rPr lang="en-US" sz="1800" dirty="0">
-                <a:effectLst/>
-                <a:latin typeface="Cambria" panose="02040503050406030204" pitchFamily="18" charset="0"/>
-                <a:ea typeface="Cambria" panose="02040503050406030204" pitchFamily="18" charset="0"/>
-              </a:rPr>
-              <a:t> </a:t>
-            </a:r>
-            <a:r>
-              <a:rPr lang="en-US" sz="1800" dirty="0" err="1">
-                <a:effectLst/>
-                <a:latin typeface="Cambria" panose="02040503050406030204" pitchFamily="18" charset="0"/>
-                <a:ea typeface="Cambria" panose="02040503050406030204" pitchFamily="18" charset="0"/>
-              </a:rPr>
-              <a:t>chọn</a:t>
-            </a:r>
-            <a:r>
-              <a:rPr lang="en-US" sz="1800" dirty="0">
-                <a:effectLst/>
-                <a:latin typeface="Cambria" panose="02040503050406030204" pitchFamily="18" charset="0"/>
-                <a:ea typeface="Cambria" panose="02040503050406030204" pitchFamily="18" charset="0"/>
-              </a:rPr>
-              <a:t> </a:t>
-            </a:r>
-            <a:r>
-              <a:rPr lang="en-US" sz="1800" dirty="0" err="1">
-                <a:effectLst/>
-                <a:latin typeface="Cambria" panose="02040503050406030204" pitchFamily="18" charset="0"/>
-                <a:ea typeface="Cambria" panose="02040503050406030204" pitchFamily="18" charset="0"/>
-              </a:rPr>
-              <a:t>hệ</a:t>
-            </a:r>
-            <a:r>
-              <a:rPr lang="en-US" sz="1800" dirty="0">
-                <a:effectLst/>
-                <a:latin typeface="Cambria" panose="02040503050406030204" pitchFamily="18" charset="0"/>
-                <a:ea typeface="Cambria" panose="02040503050406030204" pitchFamily="18" charset="0"/>
-              </a:rPr>
-              <a:t> </a:t>
-            </a:r>
-            <a:r>
-              <a:rPr lang="en-US" sz="1800" dirty="0" err="1">
-                <a:effectLst/>
-                <a:latin typeface="Cambria" panose="02040503050406030204" pitchFamily="18" charset="0"/>
-                <a:ea typeface="Cambria" panose="02040503050406030204" pitchFamily="18" charset="0"/>
-              </a:rPr>
-              <a:t>số</a:t>
-            </a:r>
-            <a:r>
-              <a:rPr lang="en-US" sz="1800" dirty="0">
-                <a:effectLst/>
-                <a:latin typeface="Cambria" panose="02040503050406030204" pitchFamily="18" charset="0"/>
-                <a:ea typeface="Cambria" panose="02040503050406030204" pitchFamily="18" charset="0"/>
-              </a:rPr>
-              <a:t> </a:t>
-            </a:r>
-            <a:r>
-              <a:rPr lang="en-US" sz="1800" dirty="0" err="1">
-                <a:effectLst/>
-                <a:latin typeface="Cambria" panose="02040503050406030204" pitchFamily="18" charset="0"/>
-                <a:ea typeface="Cambria" panose="02040503050406030204" pitchFamily="18" charset="0"/>
-              </a:rPr>
-              <a:t>hình</a:t>
-            </a:r>
-            <a:r>
-              <a:rPr lang="en-US" sz="1800" dirty="0">
-                <a:effectLst/>
-                <a:latin typeface="Cambria" panose="02040503050406030204" pitchFamily="18" charset="0"/>
-                <a:ea typeface="Cambria" panose="02040503050406030204" pitchFamily="18" charset="0"/>
-              </a:rPr>
-              <a:t> </a:t>
-            </a:r>
-            <a:r>
-              <a:rPr lang="en-US" sz="1800" dirty="0" err="1">
-                <a:effectLst/>
-                <a:latin typeface="Cambria" panose="02040503050406030204" pitchFamily="18" charset="0"/>
-                <a:ea typeface="Cambria" panose="02040503050406030204" pitchFamily="18" charset="0"/>
-              </a:rPr>
-              <a:t>dạng</a:t>
-            </a:r>
-            <a:r>
-              <a:rPr lang="en-US" sz="1800" dirty="0">
-                <a:effectLst/>
-                <a:latin typeface="Cambria" panose="02040503050406030204" pitchFamily="18" charset="0"/>
-                <a:ea typeface="Cambria" panose="02040503050406030204" pitchFamily="18" charset="0"/>
-              </a:rPr>
-              <a:t> Weibull </a:t>
-            </a:r>
-            <a:r>
-              <a:rPr lang="en-US" sz="1800" dirty="0" err="1">
-                <a:effectLst/>
-                <a:latin typeface="Cambria" panose="02040503050406030204" pitchFamily="18" charset="0"/>
-                <a:ea typeface="Cambria" panose="02040503050406030204" pitchFamily="18" charset="0"/>
-              </a:rPr>
-              <a:t>trong</a:t>
-            </a:r>
-            <a:r>
-              <a:rPr lang="en-US" sz="1800" dirty="0">
-                <a:effectLst/>
-                <a:latin typeface="Cambria" panose="02040503050406030204" pitchFamily="18" charset="0"/>
-                <a:ea typeface="Cambria" panose="02040503050406030204" pitchFamily="18" charset="0"/>
-              </a:rPr>
-              <a:t> </a:t>
-            </a:r>
-            <a:r>
-              <a:rPr lang="en-US" sz="1800" dirty="0" err="1">
-                <a:effectLst/>
-                <a:latin typeface="Cambria" panose="02040503050406030204" pitchFamily="18" charset="0"/>
-                <a:ea typeface="Cambria" panose="02040503050406030204" pitchFamily="18" charset="0"/>
-              </a:rPr>
-              <a:t>việc</a:t>
-            </a:r>
-            <a:r>
-              <a:rPr lang="en-US" sz="1800" dirty="0">
-                <a:effectLst/>
-                <a:latin typeface="Cambria" panose="02040503050406030204" pitchFamily="18" charset="0"/>
-                <a:ea typeface="Cambria" panose="02040503050406030204" pitchFamily="18" charset="0"/>
-              </a:rPr>
-              <a:t> </a:t>
-            </a:r>
-            <a:r>
-              <a:rPr lang="en-US" sz="1800" dirty="0" err="1">
-                <a:effectLst/>
-                <a:latin typeface="Cambria" panose="02040503050406030204" pitchFamily="18" charset="0"/>
-                <a:ea typeface="Cambria" panose="02040503050406030204" pitchFamily="18" charset="0"/>
-              </a:rPr>
-              <a:t>phân</a:t>
-            </a:r>
-            <a:r>
-              <a:rPr lang="en-US" sz="1800" dirty="0">
-                <a:effectLst/>
-                <a:latin typeface="Cambria" panose="02040503050406030204" pitchFamily="18" charset="0"/>
-                <a:ea typeface="Cambria" panose="02040503050406030204" pitchFamily="18" charset="0"/>
-              </a:rPr>
-              <a:t> </a:t>
-            </a:r>
-            <a:r>
-              <a:rPr lang="en-US" sz="1800" dirty="0" err="1">
-                <a:effectLst/>
-                <a:latin typeface="Cambria" panose="02040503050406030204" pitchFamily="18" charset="0"/>
-                <a:ea typeface="Cambria" panose="02040503050406030204" pitchFamily="18" charset="0"/>
-              </a:rPr>
-              <a:t>tích</a:t>
-            </a:r>
-            <a:r>
-              <a:rPr lang="en-US" sz="1800" dirty="0">
-                <a:effectLst/>
-                <a:latin typeface="Cambria" panose="02040503050406030204" pitchFamily="18" charset="0"/>
-                <a:ea typeface="Cambria" panose="02040503050406030204" pitchFamily="18" charset="0"/>
-              </a:rPr>
-              <a:t> </a:t>
-            </a:r>
-            <a:r>
-              <a:rPr lang="en-US" sz="1800" dirty="0" err="1">
-                <a:effectLst/>
-                <a:latin typeface="Cambria" panose="02040503050406030204" pitchFamily="18" charset="0"/>
-                <a:ea typeface="Cambria" panose="02040503050406030204" pitchFamily="18" charset="0"/>
-              </a:rPr>
-              <a:t>và</a:t>
-            </a:r>
-            <a:r>
-              <a:rPr lang="en-US" sz="1800" dirty="0">
-                <a:effectLst/>
-                <a:latin typeface="Cambria" panose="02040503050406030204" pitchFamily="18" charset="0"/>
-                <a:ea typeface="Cambria" panose="02040503050406030204" pitchFamily="18" charset="0"/>
-              </a:rPr>
-              <a:t> </a:t>
-            </a:r>
-            <a:r>
-              <a:rPr lang="en-US" sz="1800" dirty="0" err="1">
-                <a:effectLst/>
-                <a:latin typeface="Cambria" panose="02040503050406030204" pitchFamily="18" charset="0"/>
-                <a:ea typeface="Cambria" panose="02040503050406030204" pitchFamily="18" charset="0"/>
-              </a:rPr>
-              <a:t>xác</a:t>
-            </a:r>
-            <a:r>
-              <a:rPr lang="en-US" sz="1800" dirty="0">
-                <a:effectLst/>
-                <a:latin typeface="Cambria" panose="02040503050406030204" pitchFamily="18" charset="0"/>
-                <a:ea typeface="Cambria" panose="02040503050406030204" pitchFamily="18" charset="0"/>
-              </a:rPr>
-              <a:t> </a:t>
-            </a:r>
-            <a:r>
-              <a:rPr lang="en-US" sz="1800" dirty="0" err="1">
-                <a:effectLst/>
-                <a:latin typeface="Cambria" panose="02040503050406030204" pitchFamily="18" charset="0"/>
-                <a:ea typeface="Cambria" panose="02040503050406030204" pitchFamily="18" charset="0"/>
-              </a:rPr>
-              <a:t>định</a:t>
-            </a:r>
-            <a:r>
-              <a:rPr lang="en-US" sz="1800" dirty="0">
-                <a:effectLst/>
-                <a:latin typeface="Cambria" panose="02040503050406030204" pitchFamily="18" charset="0"/>
-                <a:ea typeface="Cambria" panose="02040503050406030204" pitchFamily="18" charset="0"/>
-              </a:rPr>
-              <a:t> </a:t>
-            </a:r>
-            <a:r>
-              <a:rPr lang="en-US" sz="1800" dirty="0" err="1">
-                <a:effectLst/>
-                <a:latin typeface="Cambria" panose="02040503050406030204" pitchFamily="18" charset="0"/>
-                <a:ea typeface="Cambria" panose="02040503050406030204" pitchFamily="18" charset="0"/>
-              </a:rPr>
-              <a:t>tuổi</a:t>
-            </a:r>
-            <a:r>
-              <a:rPr lang="en-US" sz="1800" dirty="0">
-                <a:effectLst/>
-                <a:latin typeface="Cambria" panose="02040503050406030204" pitchFamily="18" charset="0"/>
-                <a:ea typeface="Cambria" panose="02040503050406030204" pitchFamily="18" charset="0"/>
-              </a:rPr>
-              <a:t> </a:t>
-            </a:r>
-            <a:r>
-              <a:rPr lang="en-US" sz="1800" dirty="0" err="1">
-                <a:effectLst/>
-                <a:latin typeface="Cambria" panose="02040503050406030204" pitchFamily="18" charset="0"/>
-                <a:ea typeface="Cambria" panose="02040503050406030204" pitchFamily="18" charset="0"/>
-              </a:rPr>
-              <a:t>thọ</a:t>
-            </a:r>
-            <a:r>
-              <a:rPr lang="en-US" sz="1800" dirty="0">
-                <a:effectLst/>
-                <a:latin typeface="Cambria" panose="02040503050406030204" pitchFamily="18" charset="0"/>
-                <a:ea typeface="Cambria" panose="02040503050406030204" pitchFamily="18" charset="0"/>
-              </a:rPr>
-              <a:t> </a:t>
-            </a:r>
-            <a:r>
-              <a:rPr lang="en-US" sz="1800" dirty="0" err="1">
-                <a:effectLst/>
-                <a:latin typeface="Cambria" panose="02040503050406030204" pitchFamily="18" charset="0"/>
-                <a:ea typeface="Cambria" panose="02040503050406030204" pitchFamily="18" charset="0"/>
-              </a:rPr>
-              <a:t>mỏi</a:t>
-            </a:r>
-            <a:r>
-              <a:rPr lang="en-US" sz="1800" dirty="0">
-                <a:effectLst/>
-                <a:latin typeface="Cambria" panose="02040503050406030204" pitchFamily="18" charset="0"/>
-                <a:ea typeface="Cambria" panose="02040503050406030204" pitchFamily="18" charset="0"/>
-              </a:rPr>
-              <a:t> </a:t>
-            </a:r>
-            <a:r>
-              <a:rPr lang="en-US" sz="1800" dirty="0" err="1">
-                <a:effectLst/>
-                <a:latin typeface="Cambria" panose="02040503050406030204" pitchFamily="18" charset="0"/>
-                <a:ea typeface="Cambria" panose="02040503050406030204" pitchFamily="18" charset="0"/>
-              </a:rPr>
-              <a:t>kết</a:t>
-            </a:r>
-            <a:r>
-              <a:rPr lang="en-US" sz="1800" dirty="0">
-                <a:effectLst/>
-                <a:latin typeface="Cambria" panose="02040503050406030204" pitchFamily="18" charset="0"/>
-                <a:ea typeface="Cambria" panose="02040503050406030204" pitchFamily="18" charset="0"/>
-              </a:rPr>
-              <a:t> </a:t>
-            </a:r>
-            <a:r>
-              <a:rPr lang="en-US" sz="1800" dirty="0" err="1">
-                <a:effectLst/>
-                <a:latin typeface="Cambria" panose="02040503050406030204" pitchFamily="18" charset="0"/>
-                <a:ea typeface="Cambria" panose="02040503050406030204" pitchFamily="18" charset="0"/>
-              </a:rPr>
-              <a:t>cấu</a:t>
-            </a:r>
-            <a:r>
-              <a:rPr lang="en-US" sz="1800" dirty="0">
-                <a:effectLst/>
-                <a:latin typeface="Cambria" panose="02040503050406030204" pitchFamily="18" charset="0"/>
-                <a:ea typeface="Cambria" panose="02040503050406030204" pitchFamily="18" charset="0"/>
-              </a:rPr>
-              <a:t>. </a:t>
-            </a:r>
-            <a:r>
-              <a:rPr lang="en-US" sz="1800" dirty="0" err="1">
-                <a:effectLst/>
-                <a:latin typeface="Cambria" panose="02040503050406030204" pitchFamily="18" charset="0"/>
-                <a:ea typeface="Cambria" panose="02040503050406030204" pitchFamily="18" charset="0"/>
-              </a:rPr>
-              <a:t>Trường</a:t>
-            </a:r>
-            <a:r>
-              <a:rPr lang="en-US" sz="1800" dirty="0">
-                <a:effectLst/>
-                <a:latin typeface="Cambria" panose="02040503050406030204" pitchFamily="18" charset="0"/>
-                <a:ea typeface="Cambria" panose="02040503050406030204" pitchFamily="18" charset="0"/>
-              </a:rPr>
-              <a:t> </a:t>
-            </a:r>
-            <a:r>
-              <a:rPr lang="en-US" sz="1800" dirty="0" err="1">
-                <a:effectLst/>
-                <a:latin typeface="Cambria" panose="02040503050406030204" pitchFamily="18" charset="0"/>
-                <a:ea typeface="Cambria" panose="02040503050406030204" pitchFamily="18" charset="0"/>
-              </a:rPr>
-              <a:t>hợp</a:t>
-            </a:r>
-            <a:r>
-              <a:rPr lang="en-US" sz="1800" dirty="0">
-                <a:effectLst/>
-                <a:latin typeface="Cambria" panose="02040503050406030204" pitchFamily="18" charset="0"/>
-                <a:ea typeface="Cambria" panose="02040503050406030204" pitchFamily="18" charset="0"/>
-              </a:rPr>
-              <a:t> </a:t>
-            </a:r>
-            <a:r>
-              <a:rPr lang="en-US" sz="1800" dirty="0" err="1">
-                <a:effectLst/>
-                <a:latin typeface="Cambria" panose="02040503050406030204" pitchFamily="18" charset="0"/>
-                <a:ea typeface="Cambria" panose="02040503050406030204" pitchFamily="18" charset="0"/>
-              </a:rPr>
-              <a:t>này</a:t>
-            </a:r>
-            <a:r>
-              <a:rPr lang="en-US" sz="1800" dirty="0">
-                <a:effectLst/>
-                <a:latin typeface="Cambria" panose="02040503050406030204" pitchFamily="18" charset="0"/>
-                <a:ea typeface="Cambria" panose="02040503050406030204" pitchFamily="18" charset="0"/>
-              </a:rPr>
-              <a:t> </a:t>
-            </a:r>
-            <a:r>
-              <a:rPr lang="en-US" sz="1800" dirty="0" err="1">
-                <a:effectLst/>
-                <a:latin typeface="Cambria" panose="02040503050406030204" pitchFamily="18" charset="0"/>
-                <a:ea typeface="Cambria" panose="02040503050406030204" pitchFamily="18" charset="0"/>
-              </a:rPr>
-              <a:t>tuy</a:t>
-            </a:r>
-            <a:r>
-              <a:rPr lang="en-US" sz="1800" dirty="0">
-                <a:effectLst/>
-                <a:latin typeface="Cambria" panose="02040503050406030204" pitchFamily="18" charset="0"/>
-                <a:ea typeface="Cambria" panose="02040503050406030204" pitchFamily="18" charset="0"/>
-              </a:rPr>
-              <a:t> </a:t>
-            </a:r>
-            <a:r>
-              <a:rPr lang="en-US" sz="1800" dirty="0" err="1">
-                <a:effectLst/>
-                <a:latin typeface="Cambria" panose="02040503050406030204" pitchFamily="18" charset="0"/>
-                <a:ea typeface="Cambria" panose="02040503050406030204" pitchFamily="18" charset="0"/>
-              </a:rPr>
-              <a:t>không</a:t>
-            </a:r>
-            <a:r>
-              <a:rPr lang="en-US" sz="1800" dirty="0">
-                <a:effectLst/>
-                <a:latin typeface="Cambria" panose="02040503050406030204" pitchFamily="18" charset="0"/>
-                <a:ea typeface="Cambria" panose="02040503050406030204" pitchFamily="18" charset="0"/>
-              </a:rPr>
-              <a:t> </a:t>
-            </a:r>
-            <a:r>
-              <a:rPr lang="en-US" sz="1800" dirty="0" err="1">
-                <a:effectLst/>
-                <a:latin typeface="Cambria" panose="02040503050406030204" pitchFamily="18" charset="0"/>
-                <a:ea typeface="Cambria" panose="02040503050406030204" pitchFamily="18" charset="0"/>
-              </a:rPr>
-              <a:t>có</a:t>
-            </a:r>
-            <a:r>
-              <a:rPr lang="en-US" sz="1800" dirty="0">
-                <a:effectLst/>
-                <a:latin typeface="Cambria" panose="02040503050406030204" pitchFamily="18" charset="0"/>
-                <a:ea typeface="Cambria" panose="02040503050406030204" pitchFamily="18" charset="0"/>
-              </a:rPr>
-              <a:t> </a:t>
-            </a:r>
-            <a:r>
-              <a:rPr lang="en-US" sz="1800" dirty="0" err="1">
-                <a:effectLst/>
-                <a:latin typeface="Cambria" panose="02040503050406030204" pitchFamily="18" charset="0"/>
-                <a:ea typeface="Cambria" panose="02040503050406030204" pitchFamily="18" charset="0"/>
-              </a:rPr>
-              <a:t>giá</a:t>
-            </a:r>
-            <a:r>
-              <a:rPr lang="en-US" sz="1800" dirty="0">
-                <a:effectLst/>
-                <a:latin typeface="Cambria" panose="02040503050406030204" pitchFamily="18" charset="0"/>
-                <a:ea typeface="Cambria" panose="02040503050406030204" pitchFamily="18" charset="0"/>
-              </a:rPr>
-              <a:t> </a:t>
-            </a:r>
-            <a:r>
-              <a:rPr lang="en-US" sz="1800" dirty="0" err="1">
-                <a:effectLst/>
-                <a:latin typeface="Cambria" panose="02040503050406030204" pitchFamily="18" charset="0"/>
-                <a:ea typeface="Cambria" panose="02040503050406030204" pitchFamily="18" charset="0"/>
-              </a:rPr>
-              <a:t>trị</a:t>
-            </a:r>
-            <a:r>
-              <a:rPr lang="en-US" sz="1800" dirty="0">
-                <a:effectLst/>
-                <a:latin typeface="Cambria" panose="02040503050406030204" pitchFamily="18" charset="0"/>
-                <a:ea typeface="Cambria" panose="02040503050406030204" pitchFamily="18" charset="0"/>
-              </a:rPr>
-              <a:t> </a:t>
-            </a:r>
-            <a:r>
-              <a:rPr lang="en-US" sz="1800" dirty="0" err="1">
-                <a:effectLst/>
-                <a:latin typeface="Cambria" panose="02040503050406030204" pitchFamily="18" charset="0"/>
-                <a:ea typeface="Cambria" panose="02040503050406030204" pitchFamily="18" charset="0"/>
-              </a:rPr>
-              <a:t>tuổi</a:t>
-            </a:r>
-            <a:r>
-              <a:rPr lang="en-US" sz="1800" dirty="0">
-                <a:effectLst/>
-                <a:latin typeface="Cambria" panose="02040503050406030204" pitchFamily="18" charset="0"/>
-                <a:ea typeface="Cambria" panose="02040503050406030204" pitchFamily="18" charset="0"/>
-              </a:rPr>
-              <a:t> </a:t>
-            </a:r>
-            <a:r>
-              <a:rPr lang="en-US" sz="1800" dirty="0" err="1">
-                <a:effectLst/>
-                <a:latin typeface="Cambria" panose="02040503050406030204" pitchFamily="18" charset="0"/>
-                <a:ea typeface="Cambria" panose="02040503050406030204" pitchFamily="18" charset="0"/>
-              </a:rPr>
-              <a:t>thọ</a:t>
-            </a:r>
-            <a:r>
-              <a:rPr lang="en-US" sz="1800" dirty="0">
-                <a:effectLst/>
-                <a:latin typeface="Cambria" panose="02040503050406030204" pitchFamily="18" charset="0"/>
-                <a:ea typeface="Cambria" panose="02040503050406030204" pitchFamily="18" charset="0"/>
-              </a:rPr>
-              <a:t> </a:t>
-            </a:r>
-            <a:r>
-              <a:rPr lang="en-US" sz="1800" dirty="0" err="1">
-                <a:effectLst/>
-                <a:latin typeface="Cambria" panose="02040503050406030204" pitchFamily="18" charset="0"/>
-                <a:ea typeface="Cambria" panose="02040503050406030204" pitchFamily="18" charset="0"/>
-              </a:rPr>
-              <a:t>mỏi</a:t>
-            </a:r>
-            <a:r>
-              <a:rPr lang="en-US" sz="1800" dirty="0">
-                <a:effectLst/>
-                <a:latin typeface="Cambria" panose="02040503050406030204" pitchFamily="18" charset="0"/>
-                <a:ea typeface="Cambria" panose="02040503050406030204" pitchFamily="18" charset="0"/>
-              </a:rPr>
-              <a:t> </a:t>
-            </a:r>
-            <a:r>
-              <a:rPr lang="en-US" sz="1800" dirty="0" err="1">
-                <a:effectLst/>
-                <a:latin typeface="Cambria" panose="02040503050406030204" pitchFamily="18" charset="0"/>
-                <a:ea typeface="Cambria" panose="02040503050406030204" pitchFamily="18" charset="0"/>
-              </a:rPr>
-              <a:t>tính</a:t>
-            </a:r>
-            <a:r>
-              <a:rPr lang="en-US" sz="1800" dirty="0">
-                <a:effectLst/>
-                <a:latin typeface="Cambria" panose="02040503050406030204" pitchFamily="18" charset="0"/>
-                <a:ea typeface="Cambria" panose="02040503050406030204" pitchFamily="18" charset="0"/>
-              </a:rPr>
-              <a:t> </a:t>
-            </a:r>
-            <a:r>
-              <a:rPr lang="en-US" sz="1800" dirty="0" err="1">
-                <a:effectLst/>
-                <a:latin typeface="Cambria" panose="02040503050406030204" pitchFamily="18" charset="0"/>
-                <a:ea typeface="Cambria" panose="02040503050406030204" pitchFamily="18" charset="0"/>
-              </a:rPr>
-              <a:t>toán</a:t>
-            </a:r>
-            <a:r>
-              <a:rPr lang="en-US" sz="1800" dirty="0">
-                <a:effectLst/>
-                <a:latin typeface="Cambria" panose="02040503050406030204" pitchFamily="18" charset="0"/>
-                <a:ea typeface="Cambria" panose="02040503050406030204" pitchFamily="18" charset="0"/>
-              </a:rPr>
-              <a:t> </a:t>
-            </a:r>
-            <a:r>
-              <a:rPr lang="en-US" sz="1800" dirty="0" err="1">
-                <a:effectLst/>
-                <a:latin typeface="Cambria" panose="02040503050406030204" pitchFamily="18" charset="0"/>
-                <a:ea typeface="Cambria" panose="02040503050406030204" pitchFamily="18" charset="0"/>
-              </a:rPr>
-              <a:t>dưới</a:t>
-            </a:r>
-            <a:r>
-              <a:rPr lang="en-US" sz="1800" dirty="0">
-                <a:effectLst/>
-                <a:latin typeface="Cambria" panose="02040503050406030204" pitchFamily="18" charset="0"/>
-                <a:ea typeface="Cambria" panose="02040503050406030204" pitchFamily="18" charset="0"/>
-              </a:rPr>
-              <a:t> 20 </a:t>
-            </a:r>
-            <a:r>
-              <a:rPr lang="en-US" sz="1800" dirty="0" err="1">
-                <a:effectLst/>
-                <a:latin typeface="Cambria" panose="02040503050406030204" pitchFamily="18" charset="0"/>
-                <a:ea typeface="Cambria" panose="02040503050406030204" pitchFamily="18" charset="0"/>
-              </a:rPr>
-              <a:t>năm</a:t>
-            </a:r>
-            <a:r>
-              <a:rPr lang="en-US" sz="1800" dirty="0">
-                <a:effectLst/>
-                <a:latin typeface="Cambria" panose="02040503050406030204" pitchFamily="18" charset="0"/>
-                <a:ea typeface="Cambria" panose="02040503050406030204" pitchFamily="18" charset="0"/>
-              </a:rPr>
-              <a:t>, </a:t>
-            </a:r>
-            <a:r>
-              <a:rPr lang="en-US" sz="1800" dirty="0" err="1">
-                <a:effectLst/>
-                <a:latin typeface="Cambria" panose="02040503050406030204" pitchFamily="18" charset="0"/>
-                <a:ea typeface="Cambria" panose="02040503050406030204" pitchFamily="18" charset="0"/>
-              </a:rPr>
-              <a:t>tuy</a:t>
-            </a:r>
-            <a:r>
-              <a:rPr lang="en-US" sz="1800" dirty="0">
-                <a:effectLst/>
-                <a:latin typeface="Cambria" panose="02040503050406030204" pitchFamily="18" charset="0"/>
-                <a:ea typeface="Cambria" panose="02040503050406030204" pitchFamily="18" charset="0"/>
-              </a:rPr>
-              <a:t> </a:t>
-            </a:r>
-            <a:r>
-              <a:rPr lang="en-US" sz="1800" dirty="0" err="1">
-                <a:effectLst/>
-                <a:latin typeface="Cambria" panose="02040503050406030204" pitchFamily="18" charset="0"/>
-                <a:ea typeface="Cambria" panose="02040503050406030204" pitchFamily="18" charset="0"/>
-              </a:rPr>
-              <a:t>nhiên</a:t>
-            </a:r>
-            <a:r>
-              <a:rPr lang="en-US" sz="1800" dirty="0">
-                <a:effectLst/>
-                <a:latin typeface="Cambria" panose="02040503050406030204" pitchFamily="18" charset="0"/>
-                <a:ea typeface="Cambria" panose="02040503050406030204" pitchFamily="18" charset="0"/>
-              </a:rPr>
-              <a:t> </a:t>
-            </a:r>
-            <a:r>
-              <a:rPr lang="en-US" sz="1800" dirty="0" err="1">
-                <a:effectLst/>
-                <a:latin typeface="Cambria" panose="02040503050406030204" pitchFamily="18" charset="0"/>
-                <a:ea typeface="Cambria" panose="02040503050406030204" pitchFamily="18" charset="0"/>
-              </a:rPr>
-              <a:t>kết</a:t>
-            </a:r>
-            <a:r>
-              <a:rPr lang="en-US" sz="1800" dirty="0">
-                <a:effectLst/>
-                <a:latin typeface="Cambria" panose="02040503050406030204" pitchFamily="18" charset="0"/>
-                <a:ea typeface="Cambria" panose="02040503050406030204" pitchFamily="18" charset="0"/>
-              </a:rPr>
-              <a:t> </a:t>
-            </a:r>
-            <a:r>
-              <a:rPr lang="en-US" sz="1800" dirty="0" err="1">
-                <a:effectLst/>
-                <a:latin typeface="Cambria" panose="02040503050406030204" pitchFamily="18" charset="0"/>
-                <a:ea typeface="Cambria" panose="02040503050406030204" pitchFamily="18" charset="0"/>
-              </a:rPr>
-              <a:t>quả</a:t>
-            </a:r>
-            <a:r>
-              <a:rPr lang="en-US" sz="1800" dirty="0">
-                <a:effectLst/>
-                <a:latin typeface="Cambria" panose="02040503050406030204" pitchFamily="18" charset="0"/>
-                <a:ea typeface="Cambria" panose="02040503050406030204" pitchFamily="18" charset="0"/>
-              </a:rPr>
-              <a:t> </a:t>
-            </a:r>
-            <a:r>
-              <a:rPr lang="en-US" sz="1800" dirty="0" err="1">
-                <a:effectLst/>
-                <a:latin typeface="Cambria" panose="02040503050406030204" pitchFamily="18" charset="0"/>
-                <a:ea typeface="Cambria" panose="02040503050406030204" pitchFamily="18" charset="0"/>
-              </a:rPr>
-              <a:t>cho</a:t>
-            </a:r>
-            <a:r>
-              <a:rPr lang="en-US" sz="1800" dirty="0">
-                <a:effectLst/>
-                <a:latin typeface="Cambria" panose="02040503050406030204" pitchFamily="18" charset="0"/>
-                <a:ea typeface="Cambria" panose="02040503050406030204" pitchFamily="18" charset="0"/>
-              </a:rPr>
-              <a:t> </a:t>
-            </a:r>
-            <a:r>
-              <a:rPr lang="en-US" sz="1800" dirty="0" err="1">
-                <a:effectLst/>
-                <a:latin typeface="Cambria" panose="02040503050406030204" pitchFamily="18" charset="0"/>
-                <a:ea typeface="Cambria" panose="02040503050406030204" pitchFamily="18" charset="0"/>
-              </a:rPr>
-              <a:t>thấy</a:t>
-            </a:r>
-            <a:r>
-              <a:rPr lang="en-US" sz="1800" dirty="0">
-                <a:effectLst/>
-                <a:latin typeface="Cambria" panose="02040503050406030204" pitchFamily="18" charset="0"/>
-                <a:ea typeface="Cambria" panose="02040503050406030204" pitchFamily="18" charset="0"/>
-              </a:rPr>
-              <a:t> </a:t>
-            </a:r>
-            <a:r>
-              <a:rPr lang="en-US" sz="1800" dirty="0" err="1">
-                <a:effectLst/>
-                <a:latin typeface="Cambria" panose="02040503050406030204" pitchFamily="18" charset="0"/>
-                <a:ea typeface="Cambria" panose="02040503050406030204" pitchFamily="18" charset="0"/>
-              </a:rPr>
-              <a:t>giá</a:t>
-            </a:r>
-            <a:r>
-              <a:rPr lang="en-US" sz="1800" dirty="0">
-                <a:effectLst/>
-                <a:latin typeface="Cambria" panose="02040503050406030204" pitchFamily="18" charset="0"/>
-                <a:ea typeface="Cambria" panose="02040503050406030204" pitchFamily="18" charset="0"/>
-              </a:rPr>
-              <a:t> </a:t>
-            </a:r>
-            <a:r>
-              <a:rPr lang="en-US" sz="1800" dirty="0" err="1">
-                <a:effectLst/>
-                <a:latin typeface="Cambria" panose="02040503050406030204" pitchFamily="18" charset="0"/>
-                <a:ea typeface="Cambria" panose="02040503050406030204" pitchFamily="18" charset="0"/>
-              </a:rPr>
-              <a:t>trị</a:t>
-            </a:r>
-            <a:r>
-              <a:rPr lang="en-US" sz="1800" dirty="0">
-                <a:effectLst/>
-                <a:latin typeface="Cambria" panose="02040503050406030204" pitchFamily="18" charset="0"/>
-                <a:ea typeface="Cambria" panose="02040503050406030204" pitchFamily="18" charset="0"/>
-              </a:rPr>
-              <a:t> </a:t>
-            </a:r>
-            <a:r>
-              <a:rPr lang="en-US" sz="1800" dirty="0" err="1">
-                <a:effectLst/>
-                <a:latin typeface="Cambria" panose="02040503050406030204" pitchFamily="18" charset="0"/>
-                <a:ea typeface="Cambria" panose="02040503050406030204" pitchFamily="18" charset="0"/>
-              </a:rPr>
-              <a:t>của</a:t>
-            </a:r>
-            <a:r>
-              <a:rPr lang="en-US" sz="1800" dirty="0">
-                <a:effectLst/>
-                <a:latin typeface="Cambria" panose="02040503050406030204" pitchFamily="18" charset="0"/>
-                <a:ea typeface="Cambria" panose="02040503050406030204" pitchFamily="18" charset="0"/>
-              </a:rPr>
-              <a:t> </a:t>
-            </a:r>
-            <a:r>
-              <a:rPr lang="en-US" sz="1800" dirty="0" err="1">
-                <a:effectLst/>
-                <a:latin typeface="Cambria" panose="02040503050406030204" pitchFamily="18" charset="0"/>
-                <a:ea typeface="Cambria" panose="02040503050406030204" pitchFamily="18" charset="0"/>
-              </a:rPr>
-              <a:t>tuổi</a:t>
-            </a:r>
-            <a:r>
-              <a:rPr lang="en-US" sz="1800" dirty="0">
-                <a:effectLst/>
-                <a:latin typeface="Cambria" panose="02040503050406030204" pitchFamily="18" charset="0"/>
-                <a:ea typeface="Cambria" panose="02040503050406030204" pitchFamily="18" charset="0"/>
-              </a:rPr>
-              <a:t> </a:t>
-            </a:r>
-            <a:r>
-              <a:rPr lang="en-US" sz="1800" dirty="0" err="1">
-                <a:effectLst/>
-                <a:latin typeface="Cambria" panose="02040503050406030204" pitchFamily="18" charset="0"/>
-                <a:ea typeface="Cambria" panose="02040503050406030204" pitchFamily="18" charset="0"/>
-              </a:rPr>
-              <a:t>thọ</a:t>
-            </a:r>
-            <a:r>
-              <a:rPr lang="en-US" sz="1800" dirty="0">
-                <a:effectLst/>
-                <a:latin typeface="Cambria" panose="02040503050406030204" pitchFamily="18" charset="0"/>
-                <a:ea typeface="Cambria" panose="02040503050406030204" pitchFamily="18" charset="0"/>
-              </a:rPr>
-              <a:t> </a:t>
-            </a:r>
-            <a:r>
-              <a:rPr lang="en-US" sz="1800" dirty="0" err="1">
-                <a:effectLst/>
-                <a:latin typeface="Cambria" panose="02040503050406030204" pitchFamily="18" charset="0"/>
-                <a:ea typeface="Cambria" panose="02040503050406030204" pitchFamily="18" charset="0"/>
-              </a:rPr>
-              <a:t>mỏi</a:t>
-            </a:r>
-            <a:r>
-              <a:rPr lang="en-US" sz="1800" dirty="0">
-                <a:effectLst/>
-                <a:latin typeface="Cambria" panose="02040503050406030204" pitchFamily="18" charset="0"/>
-                <a:ea typeface="Cambria" panose="02040503050406030204" pitchFamily="18" charset="0"/>
-              </a:rPr>
-              <a:t> </a:t>
-            </a:r>
-            <a:r>
-              <a:rPr lang="en-US" sz="1800" dirty="0" err="1">
-                <a:effectLst/>
-                <a:latin typeface="Cambria" panose="02040503050406030204" pitchFamily="18" charset="0"/>
-                <a:ea typeface="Cambria" panose="02040503050406030204" pitchFamily="18" charset="0"/>
-              </a:rPr>
-              <a:t>kết</a:t>
-            </a:r>
-            <a:r>
-              <a:rPr lang="en-US" sz="1800" dirty="0">
-                <a:effectLst/>
-                <a:latin typeface="Cambria" panose="02040503050406030204" pitchFamily="18" charset="0"/>
-                <a:ea typeface="Cambria" panose="02040503050406030204" pitchFamily="18" charset="0"/>
-              </a:rPr>
-              <a:t> </a:t>
-            </a:r>
-            <a:r>
-              <a:rPr lang="en-US" sz="1800" dirty="0" err="1">
-                <a:effectLst/>
-                <a:latin typeface="Cambria" panose="02040503050406030204" pitchFamily="18" charset="0"/>
-                <a:ea typeface="Cambria" panose="02040503050406030204" pitchFamily="18" charset="0"/>
-              </a:rPr>
-              <a:t>cấu</a:t>
-            </a:r>
-            <a:r>
-              <a:rPr lang="en-US" sz="1800" dirty="0">
-                <a:effectLst/>
-                <a:latin typeface="Cambria" panose="02040503050406030204" pitchFamily="18" charset="0"/>
-                <a:ea typeface="Cambria" panose="02040503050406030204" pitchFamily="18" charset="0"/>
-              </a:rPr>
-              <a:t> </a:t>
-            </a:r>
-            <a:r>
-              <a:rPr lang="en-US" sz="1800" dirty="0" err="1">
-                <a:effectLst/>
-                <a:latin typeface="Cambria" panose="02040503050406030204" pitchFamily="18" charset="0"/>
-                <a:ea typeface="Cambria" panose="02040503050406030204" pitchFamily="18" charset="0"/>
-              </a:rPr>
-              <a:t>giảm</a:t>
-            </a:r>
-            <a:r>
-              <a:rPr lang="en-US" sz="1800" dirty="0">
-                <a:effectLst/>
-                <a:latin typeface="Cambria" panose="02040503050406030204" pitchFamily="18" charset="0"/>
-                <a:ea typeface="Cambria" panose="02040503050406030204" pitchFamily="18" charset="0"/>
-              </a:rPr>
-              <a:t> </a:t>
-            </a:r>
-            <a:r>
-              <a:rPr lang="en-US" sz="1800" dirty="0" err="1">
-                <a:effectLst/>
-                <a:latin typeface="Cambria" panose="02040503050406030204" pitchFamily="18" charset="0"/>
-                <a:ea typeface="Cambria" panose="02040503050406030204" pitchFamily="18" charset="0"/>
-              </a:rPr>
-              <a:t>dần</a:t>
-            </a:r>
-            <a:r>
-              <a:rPr lang="en-US" sz="1800" dirty="0">
-                <a:effectLst/>
-                <a:latin typeface="Cambria" panose="02040503050406030204" pitchFamily="18" charset="0"/>
-                <a:ea typeface="Cambria" panose="02040503050406030204" pitchFamily="18" charset="0"/>
-              </a:rPr>
-              <a:t> </a:t>
-            </a:r>
-            <a:r>
-              <a:rPr lang="en-US" sz="1800" dirty="0" err="1">
-                <a:effectLst/>
-                <a:latin typeface="Cambria" panose="02040503050406030204" pitchFamily="18" charset="0"/>
-                <a:ea typeface="Cambria" panose="02040503050406030204" pitchFamily="18" charset="0"/>
-              </a:rPr>
-              <a:t>từ</a:t>
-            </a:r>
-            <a:r>
-              <a:rPr lang="en-US" sz="1800" dirty="0">
-                <a:effectLst/>
-                <a:latin typeface="Cambria" panose="02040503050406030204" pitchFamily="18" charset="0"/>
-                <a:ea typeface="Cambria" panose="02040503050406030204" pitchFamily="18" charset="0"/>
-              </a:rPr>
-              <a:t> 23465 </a:t>
-            </a:r>
-            <a:r>
-              <a:rPr lang="en-US" sz="1800" dirty="0" err="1">
-                <a:effectLst/>
-                <a:latin typeface="Cambria" panose="02040503050406030204" pitchFamily="18" charset="0"/>
-                <a:ea typeface="Cambria" panose="02040503050406030204" pitchFamily="18" charset="0"/>
-              </a:rPr>
-              <a:t>năm</a:t>
-            </a:r>
-            <a:r>
-              <a:rPr lang="en-US" sz="1800" dirty="0">
-                <a:effectLst/>
-                <a:latin typeface="Cambria" panose="02040503050406030204" pitchFamily="18" charset="0"/>
-                <a:ea typeface="Cambria" panose="02040503050406030204" pitchFamily="18" charset="0"/>
-              </a:rPr>
-              <a:t> </a:t>
-            </a:r>
-            <a:r>
-              <a:rPr lang="en-US" sz="1800" dirty="0" err="1">
-                <a:effectLst/>
-                <a:latin typeface="Cambria" panose="02040503050406030204" pitchFamily="18" charset="0"/>
-                <a:ea typeface="Cambria" panose="02040503050406030204" pitchFamily="18" charset="0"/>
-              </a:rPr>
-              <a:t>khi</a:t>
-            </a:r>
-            <a:r>
-              <a:rPr lang="en-US" sz="1800" dirty="0">
-                <a:effectLst/>
-                <a:latin typeface="Cambria" panose="02040503050406030204" pitchFamily="18" charset="0"/>
-                <a:ea typeface="Cambria" panose="02040503050406030204" pitchFamily="18" charset="0"/>
-              </a:rPr>
-              <a:t> </a:t>
-            </a:r>
-            <a:r>
-              <a:rPr lang="en-US" sz="1800" dirty="0" err="1">
-                <a:effectLst/>
-                <a:latin typeface="Cambria" panose="02040503050406030204" pitchFamily="18" charset="0"/>
-                <a:ea typeface="Cambria" panose="02040503050406030204" pitchFamily="18" charset="0"/>
-              </a:rPr>
-              <a:t>chọn</a:t>
-            </a:r>
-            <a:r>
-              <a:rPr lang="en-US" sz="1800" dirty="0">
-                <a:effectLst/>
-                <a:latin typeface="Cambria" panose="02040503050406030204" pitchFamily="18" charset="0"/>
-                <a:ea typeface="Cambria" panose="02040503050406030204" pitchFamily="18" charset="0"/>
-              </a:rPr>
-              <a:t> </a:t>
-            </a:r>
-            <a:r>
-              <a:rPr lang="en-US" sz="1800" dirty="0" err="1">
-                <a:effectLst/>
-                <a:latin typeface="Cambria" panose="02040503050406030204" pitchFamily="18" charset="0"/>
-                <a:ea typeface="Cambria" panose="02040503050406030204" pitchFamily="18" charset="0"/>
-              </a:rPr>
-              <a:t>hệ</a:t>
-            </a:r>
-            <a:r>
-              <a:rPr lang="en-US" sz="1800" dirty="0">
-                <a:effectLst/>
-                <a:latin typeface="Cambria" panose="02040503050406030204" pitchFamily="18" charset="0"/>
-                <a:ea typeface="Cambria" panose="02040503050406030204" pitchFamily="18" charset="0"/>
-              </a:rPr>
-              <a:t> </a:t>
-            </a:r>
-            <a:r>
-              <a:rPr lang="en-US" sz="1800" dirty="0" err="1">
-                <a:effectLst/>
-                <a:latin typeface="Cambria" panose="02040503050406030204" pitchFamily="18" charset="0"/>
-                <a:ea typeface="Cambria" panose="02040503050406030204" pitchFamily="18" charset="0"/>
-              </a:rPr>
-              <a:t>số</a:t>
-            </a:r>
-            <a:r>
-              <a:rPr lang="en-US" sz="1800" dirty="0">
-                <a:effectLst/>
-                <a:latin typeface="Cambria" panose="02040503050406030204" pitchFamily="18" charset="0"/>
-                <a:ea typeface="Cambria" panose="02040503050406030204" pitchFamily="18" charset="0"/>
-              </a:rPr>
-              <a:t> Weibull 0.5 </a:t>
-            </a:r>
-            <a:r>
-              <a:rPr lang="en-US" sz="1800" dirty="0" err="1">
-                <a:effectLst/>
-                <a:latin typeface="Cambria" panose="02040503050406030204" pitchFamily="18" charset="0"/>
-                <a:ea typeface="Cambria" panose="02040503050406030204" pitchFamily="18" charset="0"/>
-              </a:rPr>
-              <a:t>về</a:t>
-            </a:r>
-            <a:r>
-              <a:rPr lang="en-US" sz="1800" dirty="0">
-                <a:effectLst/>
-                <a:latin typeface="Cambria" panose="02040503050406030204" pitchFamily="18" charset="0"/>
-                <a:ea typeface="Cambria" panose="02040503050406030204" pitchFamily="18" charset="0"/>
-              </a:rPr>
-              <a:t> 68.223 </a:t>
-            </a:r>
-            <a:r>
-              <a:rPr lang="en-US" sz="1800" dirty="0" err="1">
-                <a:effectLst/>
-                <a:latin typeface="Cambria" panose="02040503050406030204" pitchFamily="18" charset="0"/>
-                <a:ea typeface="Cambria" panose="02040503050406030204" pitchFamily="18" charset="0"/>
-              </a:rPr>
-              <a:t>năm</a:t>
-            </a:r>
-            <a:r>
-              <a:rPr lang="en-US" sz="1800" dirty="0">
-                <a:effectLst/>
-                <a:latin typeface="Cambria" panose="02040503050406030204" pitchFamily="18" charset="0"/>
-                <a:ea typeface="Cambria" panose="02040503050406030204" pitchFamily="18" charset="0"/>
-              </a:rPr>
-              <a:t> </a:t>
-            </a:r>
-            <a:r>
-              <a:rPr lang="en-US" sz="1800" dirty="0" err="1">
-                <a:effectLst/>
-                <a:latin typeface="Cambria" panose="02040503050406030204" pitchFamily="18" charset="0"/>
-                <a:ea typeface="Cambria" panose="02040503050406030204" pitchFamily="18" charset="0"/>
-              </a:rPr>
-              <a:t>khi</a:t>
-            </a:r>
-            <a:r>
-              <a:rPr lang="en-US" sz="1800" dirty="0">
-                <a:effectLst/>
-                <a:latin typeface="Cambria" panose="02040503050406030204" pitchFamily="18" charset="0"/>
-                <a:ea typeface="Cambria" panose="02040503050406030204" pitchFamily="18" charset="0"/>
-              </a:rPr>
-              <a:t> </a:t>
-            </a:r>
-            <a:r>
-              <a:rPr lang="en-US" sz="1800" dirty="0" err="1">
-                <a:effectLst/>
-                <a:latin typeface="Cambria" panose="02040503050406030204" pitchFamily="18" charset="0"/>
-                <a:ea typeface="Cambria" panose="02040503050406030204" pitchFamily="18" charset="0"/>
-              </a:rPr>
-              <a:t>chọn</a:t>
-            </a:r>
-            <a:r>
-              <a:rPr lang="en-US" sz="1800" dirty="0">
-                <a:effectLst/>
-                <a:latin typeface="Cambria" panose="02040503050406030204" pitchFamily="18" charset="0"/>
-                <a:ea typeface="Cambria" panose="02040503050406030204" pitchFamily="18" charset="0"/>
-              </a:rPr>
-              <a:t> </a:t>
-            </a:r>
-            <a:r>
-              <a:rPr lang="en-US" sz="1800" dirty="0" err="1">
-                <a:effectLst/>
-                <a:latin typeface="Cambria" panose="02040503050406030204" pitchFamily="18" charset="0"/>
-                <a:ea typeface="Cambria" panose="02040503050406030204" pitchFamily="18" charset="0"/>
-              </a:rPr>
-              <a:t>hệ</a:t>
-            </a:r>
-            <a:r>
-              <a:rPr lang="en-US" sz="1800" dirty="0">
-                <a:effectLst/>
-                <a:latin typeface="Cambria" panose="02040503050406030204" pitchFamily="18" charset="0"/>
-                <a:ea typeface="Cambria" panose="02040503050406030204" pitchFamily="18" charset="0"/>
-              </a:rPr>
-              <a:t> </a:t>
-            </a:r>
-            <a:r>
-              <a:rPr lang="en-US" sz="1800" dirty="0" err="1">
-                <a:effectLst/>
-                <a:latin typeface="Cambria" panose="02040503050406030204" pitchFamily="18" charset="0"/>
-                <a:ea typeface="Cambria" panose="02040503050406030204" pitchFamily="18" charset="0"/>
-              </a:rPr>
-              <a:t>số</a:t>
-            </a:r>
-            <a:r>
-              <a:rPr lang="en-US" sz="1800" dirty="0">
-                <a:effectLst/>
-                <a:latin typeface="Cambria" panose="02040503050406030204" pitchFamily="18" charset="0"/>
-                <a:ea typeface="Cambria" panose="02040503050406030204" pitchFamily="18" charset="0"/>
-              </a:rPr>
-              <a:t> Weibull 1.3. </a:t>
-            </a:r>
-            <a:endParaRPr lang="en-US" sz="1800" spc="-5" dirty="0">
-              <a:effectLst/>
-              <a:latin typeface="Cambria" panose="02040503050406030204" pitchFamily="18" charset="0"/>
-              <a:ea typeface="Cambria" panose="02040503050406030204" pitchFamily="18" charset="0"/>
-            </a:endParaRPr>
-          </a:p>
-        </p:txBody>
-      </p:sp>
-    </p:spTree>
-    <p:extLst>
-      <p:ext uri="{BB962C8B-B14F-4D97-AF65-F5344CB8AC3E}">
-        <p14:creationId xmlns:p14="http://schemas.microsoft.com/office/powerpoint/2010/main" val="498355743"/>
-      </p:ext>
-    </p:extLst>
-  </p:cSld>
-  <p:clrMapOvr>
-    <a:masterClrMapping/>
-  </p:clrMapOvr>
-</p:sld>
-</file>
-
-<file path=ppt/slides/slide14.xml><?xml version="1.0" encoding="utf-8"?>
-<p:sld xmlns:a="http://schemas.openxmlformats.org/drawingml/2006/main" xmlns:r="http://schemas.openxmlformats.org/officeDocument/2006/relationships" xmlns:p="http://schemas.openxmlformats.org/presentationml/2006/main">
-  <p:cSld>
-    <p:spTree>
-      <p:nvGrpSpPr>
-        <p:cNvPr id="1" name=""/>
-        <p:cNvGrpSpPr/>
-        <p:nvPr/>
-      </p:nvGrpSpPr>
-      <p:grpSpPr>
-        <a:xfrm>
-          <a:off x="0" y="0"/>
-          <a:ext cx="0" cy="0"/>
-          <a:chOff x="0" y="0"/>
-          <a:chExt cx="0" cy="0"/>
-        </a:xfrm>
-      </p:grpSpPr>
-      <p:sp>
-        <p:nvSpPr>
-          <p:cNvPr id="3" name="Rectangle 2">
-            <a:extLst>
-              <a:ext uri="{FF2B5EF4-FFF2-40B4-BE49-F238E27FC236}">
-                <a16:creationId xmlns:a16="http://schemas.microsoft.com/office/drawing/2014/main" id="{3711990F-4BF0-54A3-60DE-5A01F7D3C0DC}"/>
-              </a:ext>
-            </a:extLst>
-          </p:cNvPr>
-          <p:cNvSpPr/>
-          <p:nvPr/>
-        </p:nvSpPr>
-        <p:spPr>
-          <a:xfrm>
-            <a:off x="0" y="0"/>
-            <a:ext cx="6096000" cy="2371725"/>
-          </a:xfrm>
-          <a:prstGeom prst="rect">
-            <a:avLst/>
-          </a:prstGeom>
-          <a:solidFill>
-            <a:schemeClr val="bg1"/>
-          </a:solidFill>
-          <a:ln>
-            <a:noFill/>
-          </a:ln>
-        </p:spPr>
-        <p:style>
-          <a:lnRef idx="2">
-            <a:schemeClr val="accent1">
-              <a:shade val="15000"/>
-            </a:schemeClr>
-          </a:lnRef>
-          <a:fillRef idx="1">
-            <a:schemeClr val="accent1"/>
-          </a:fillRef>
-          <a:effectRef idx="0">
-            <a:schemeClr val="accent1"/>
-          </a:effectRef>
-          <a:fontRef idx="minor">
-            <a:schemeClr val="lt1"/>
-          </a:fontRef>
-        </p:style>
-        <p:txBody>
-          <a:bodyPr rtlCol="0" anchor="ctr"/>
-          <a:lstStyle/>
-          <a:p>
-            <a:pPr algn="ctr"/>
-            <a:endParaRPr lang="en-US"/>
-          </a:p>
-        </p:txBody>
-      </p:sp>
-      <p:sp>
-        <p:nvSpPr>
-          <p:cNvPr id="5" name="Rectangle 4">
-            <a:extLst>
-              <a:ext uri="{FF2B5EF4-FFF2-40B4-BE49-F238E27FC236}">
-                <a16:creationId xmlns:a16="http://schemas.microsoft.com/office/drawing/2014/main" id="{DD5A9045-492D-0BCD-2764-6DF30C16A6CD}"/>
-              </a:ext>
-            </a:extLst>
-          </p:cNvPr>
-          <p:cNvSpPr/>
-          <p:nvPr/>
-        </p:nvSpPr>
-        <p:spPr>
-          <a:xfrm>
-            <a:off x="0" y="0"/>
-            <a:ext cx="12192000" cy="6858000"/>
-          </a:xfrm>
-          <a:prstGeom prst="rect">
-            <a:avLst/>
-          </a:prstGeom>
-          <a:solidFill>
-            <a:schemeClr val="bg1"/>
-          </a:solidFill>
-          <a:ln>
-            <a:noFill/>
-          </a:ln>
-        </p:spPr>
-        <p:style>
-          <a:lnRef idx="2">
-            <a:schemeClr val="accent1">
-              <a:shade val="15000"/>
-            </a:schemeClr>
-          </a:lnRef>
-          <a:fillRef idx="1">
-            <a:schemeClr val="accent1"/>
-          </a:fillRef>
-          <a:effectRef idx="0">
-            <a:schemeClr val="accent1"/>
-          </a:effectRef>
-          <a:fontRef idx="minor">
-            <a:schemeClr val="lt1"/>
-          </a:fontRef>
-        </p:style>
-        <p:txBody>
-          <a:bodyPr rtlCol="0" anchor="ctr"/>
-          <a:lstStyle/>
-          <a:p>
-            <a:pPr algn="ctr"/>
-            <a:endParaRPr lang="en-US"/>
-          </a:p>
-        </p:txBody>
-      </p:sp>
-      <p:sp>
-        <p:nvSpPr>
-          <p:cNvPr id="9" name="Arrow: Pentagon 8">
-            <a:extLst>
-              <a:ext uri="{FF2B5EF4-FFF2-40B4-BE49-F238E27FC236}">
-                <a16:creationId xmlns:a16="http://schemas.microsoft.com/office/drawing/2014/main" id="{825114DF-7015-A4E5-3570-B3B4D50A1F54}"/>
-              </a:ext>
-            </a:extLst>
-          </p:cNvPr>
-          <p:cNvSpPr/>
-          <p:nvPr/>
-        </p:nvSpPr>
-        <p:spPr>
-          <a:xfrm>
-            <a:off x="264516" y="322987"/>
-            <a:ext cx="5413473" cy="484632"/>
-          </a:xfrm>
-          <a:prstGeom prst="homePlate">
-            <a:avLst/>
-          </a:prstGeom>
-          <a:solidFill>
-            <a:srgbClr val="15848B"/>
-          </a:solidFill>
-          <a:ln>
-            <a:noFill/>
-          </a:ln>
-        </p:spPr>
-        <p:style>
-          <a:lnRef idx="2">
-            <a:schemeClr val="accent1">
-              <a:shade val="15000"/>
-            </a:schemeClr>
-          </a:lnRef>
-          <a:fillRef idx="1">
-            <a:schemeClr val="accent1"/>
-          </a:fillRef>
-          <a:effectRef idx="0">
-            <a:schemeClr val="accent1"/>
-          </a:effectRef>
-          <a:fontRef idx="minor">
-            <a:schemeClr val="lt1"/>
-          </a:fontRef>
-        </p:style>
-        <p:txBody>
-          <a:bodyPr rtlCol="0" anchor="ctr"/>
-          <a:lstStyle/>
-          <a:p>
-            <a:pPr algn="ctr"/>
-            <a:endParaRPr lang="en-US"/>
-          </a:p>
-        </p:txBody>
-      </p:sp>
-      <p:sp>
-        <p:nvSpPr>
-          <p:cNvPr id="6" name="Rectangle 15">
-            <a:extLst>
-              <a:ext uri="{FF2B5EF4-FFF2-40B4-BE49-F238E27FC236}">
-                <a16:creationId xmlns:a16="http://schemas.microsoft.com/office/drawing/2014/main" id="{79B26C9F-381B-B38A-0256-05516E21BF35}"/>
-              </a:ext>
-            </a:extLst>
-          </p:cNvPr>
-          <p:cNvSpPr>
-            <a:spLocks noChangeArrowheads="1"/>
-          </p:cNvSpPr>
-          <p:nvPr/>
-        </p:nvSpPr>
-        <p:spPr bwMode="auto">
-          <a:xfrm>
-            <a:off x="385589" y="322987"/>
-            <a:ext cx="5292399" cy="477054"/>
-          </a:xfrm>
-          <a:prstGeom prst="rect">
-            <a:avLst/>
-          </a:prstGeom>
-          <a:noFill/>
-          <a:ln>
-            <a:noFill/>
-          </a:ln>
-          <a:extLst>
-            <a:ext uri="{909E8E84-426E-40DD-AFC4-6F175D3DCCD1}">
-              <a14:hiddenFill xmlns:a14="http://schemas.microsoft.com/office/drawing/2010/main">
-                <a:solidFill>
-                  <a:srgbClr val="FFFFFF"/>
-                </a:solidFill>
-              </a14:hiddenFill>
-            </a:ext>
-            <a:ext uri="{91240B29-F687-4F45-9708-019B960494DF}">
-              <a14:hiddenLine xmlns:a14="http://schemas.microsoft.com/office/drawing/2010/main" w="9525">
-                <a:solidFill>
-                  <a:srgbClr val="000000"/>
-                </a:solidFill>
-                <a:miter lim="800000"/>
-                <a:headEnd/>
-                <a:tailEnd/>
-              </a14:hiddenLine>
-            </a:ext>
-          </a:extLst>
-        </p:spPr>
-        <p:txBody>
-          <a:bodyPr wrap="square">
-            <a:spAutoFit/>
-          </a:bodyPr>
-          <a:lstStyle>
-            <a:lvl1pPr eaLnBrk="0" hangingPunct="0">
-              <a:defRPr>
-                <a:solidFill>
-                  <a:schemeClr val="tx1"/>
-                </a:solidFill>
-                <a:latin typeface="Arial" panose="020B0604020202020204" pitchFamily="34" charset="0"/>
-                <a:ea typeface="宋体" panose="02010600030101010101" pitchFamily="2" charset="-122"/>
-              </a:defRPr>
-            </a:lvl1pPr>
-            <a:lvl2pPr marL="742950" indent="-285750" eaLnBrk="0" hangingPunct="0">
-              <a:defRPr>
-                <a:solidFill>
-                  <a:schemeClr val="tx1"/>
-                </a:solidFill>
-                <a:latin typeface="Arial" panose="020B0604020202020204" pitchFamily="34" charset="0"/>
-                <a:ea typeface="宋体" panose="02010600030101010101" pitchFamily="2" charset="-122"/>
-              </a:defRPr>
-            </a:lvl2pPr>
-            <a:lvl3pPr marL="1143000" indent="-228600" eaLnBrk="0" hangingPunct="0">
-              <a:defRPr>
-                <a:solidFill>
-                  <a:schemeClr val="tx1"/>
-                </a:solidFill>
-                <a:latin typeface="Arial" panose="020B0604020202020204" pitchFamily="34" charset="0"/>
-                <a:ea typeface="宋体" panose="02010600030101010101" pitchFamily="2" charset="-122"/>
-              </a:defRPr>
-            </a:lvl3pPr>
-            <a:lvl4pPr marL="1600200" indent="-228600" eaLnBrk="0" hangingPunct="0">
-              <a:defRPr>
-                <a:solidFill>
-                  <a:schemeClr val="tx1"/>
-                </a:solidFill>
-                <a:latin typeface="Arial" panose="020B0604020202020204" pitchFamily="34" charset="0"/>
-                <a:ea typeface="宋体" panose="02010600030101010101" pitchFamily="2" charset="-122"/>
-              </a:defRPr>
-            </a:lvl4pPr>
-            <a:lvl5pPr marL="2057400" indent="-228600" eaLnBrk="0" hangingPunct="0">
-              <a:defRPr>
-                <a:solidFill>
-                  <a:schemeClr val="tx1"/>
-                </a:solidFill>
-                <a:latin typeface="Arial" panose="020B0604020202020204" pitchFamily="34" charset="0"/>
-                <a:ea typeface="宋体" panose="02010600030101010101" pitchFamily="2" charset="-122"/>
-              </a:defRPr>
-            </a:lvl5pPr>
-            <a:lvl6pPr marL="2514600" indent="-228600" eaLnBrk="0" fontAlgn="base" hangingPunct="0">
-              <a:spcBef>
-                <a:spcPct val="0"/>
-              </a:spcBef>
-              <a:spcAft>
-                <a:spcPct val="0"/>
-              </a:spcAft>
-              <a:defRPr>
-                <a:solidFill>
-                  <a:schemeClr val="tx1"/>
-                </a:solidFill>
-                <a:latin typeface="Arial" panose="020B0604020202020204" pitchFamily="34" charset="0"/>
-                <a:ea typeface="宋体" panose="02010600030101010101" pitchFamily="2" charset="-122"/>
-              </a:defRPr>
-            </a:lvl6pPr>
-            <a:lvl7pPr marL="2971800" indent="-228600" eaLnBrk="0" fontAlgn="base" hangingPunct="0">
-              <a:spcBef>
-                <a:spcPct val="0"/>
-              </a:spcBef>
-              <a:spcAft>
-                <a:spcPct val="0"/>
-              </a:spcAft>
-              <a:defRPr>
-                <a:solidFill>
-                  <a:schemeClr val="tx1"/>
-                </a:solidFill>
-                <a:latin typeface="Arial" panose="020B0604020202020204" pitchFamily="34" charset="0"/>
-                <a:ea typeface="宋体" panose="02010600030101010101" pitchFamily="2" charset="-122"/>
-              </a:defRPr>
-            </a:lvl7pPr>
-            <a:lvl8pPr marL="3429000" indent="-228600" eaLnBrk="0" fontAlgn="base" hangingPunct="0">
-              <a:spcBef>
-                <a:spcPct val="0"/>
-              </a:spcBef>
-              <a:spcAft>
-                <a:spcPct val="0"/>
-              </a:spcAft>
-              <a:defRPr>
-                <a:solidFill>
-                  <a:schemeClr val="tx1"/>
-                </a:solidFill>
-                <a:latin typeface="Arial" panose="020B0604020202020204" pitchFamily="34" charset="0"/>
-                <a:ea typeface="宋体" panose="02010600030101010101" pitchFamily="2" charset="-122"/>
-              </a:defRPr>
-            </a:lvl8pPr>
-            <a:lvl9pPr marL="3886200" indent="-228600" eaLnBrk="0" fontAlgn="base" hangingPunct="0">
-              <a:spcBef>
-                <a:spcPct val="0"/>
-              </a:spcBef>
-              <a:spcAft>
-                <a:spcPct val="0"/>
-              </a:spcAft>
-              <a:defRPr>
-                <a:solidFill>
-                  <a:schemeClr val="tx1"/>
-                </a:solidFill>
-                <a:latin typeface="Arial" panose="020B0604020202020204" pitchFamily="34" charset="0"/>
-                <a:ea typeface="宋体" panose="02010600030101010101" pitchFamily="2" charset="-122"/>
-              </a:defRPr>
-            </a:lvl9pPr>
-          </a:lstStyle>
-          <a:p>
-            <a:pPr eaLnBrk="1" hangingPunct="1">
-              <a:spcBef>
-                <a:spcPct val="50000"/>
-              </a:spcBef>
-            </a:pPr>
-            <a:r>
-              <a:rPr lang="en-US" sz="2500" b="1" dirty="0">
-                <a:solidFill>
-                  <a:schemeClr val="bg1"/>
-                </a:solidFill>
-                <a:latin typeface="Cambria" panose="02040503050406030204" pitchFamily="18" charset="0"/>
-                <a:ea typeface="Cambria" panose="02040503050406030204" pitchFamily="18" charset="0"/>
-                <a:cs typeface="Arial" panose="020B0604020202020204" pitchFamily="34" charset="0"/>
-              </a:rPr>
-              <a:t>KẾT LUẬN – HƯỚNG PHÁT TRIỂN</a:t>
-            </a:r>
-          </a:p>
-        </p:txBody>
-      </p:sp>
-      <p:cxnSp>
-        <p:nvCxnSpPr>
-          <p:cNvPr id="12" name="Straight Connector 11">
-            <a:extLst>
-              <a:ext uri="{FF2B5EF4-FFF2-40B4-BE49-F238E27FC236}">
-                <a16:creationId xmlns:a16="http://schemas.microsoft.com/office/drawing/2014/main" id="{59FF3DBA-E58D-F129-E10A-6CF6F99991C5}"/>
-              </a:ext>
-            </a:extLst>
-          </p:cNvPr>
-          <p:cNvCxnSpPr>
-            <a:cxnSpLocks/>
-          </p:cNvCxnSpPr>
-          <p:nvPr/>
-        </p:nvCxnSpPr>
-        <p:spPr>
-          <a:xfrm>
-            <a:off x="264516" y="965200"/>
-            <a:ext cx="11317884" cy="0"/>
-          </a:xfrm>
-          <a:prstGeom prst="line">
-            <a:avLst/>
-          </a:prstGeom>
-          <a:ln w="38100">
-            <a:solidFill>
-              <a:srgbClr val="15848B"/>
-            </a:solidFill>
-          </a:ln>
-        </p:spPr>
-        <p:style>
-          <a:lnRef idx="1">
-            <a:schemeClr val="accent1"/>
-          </a:lnRef>
-          <a:fillRef idx="0">
-            <a:schemeClr val="accent1"/>
-          </a:fillRef>
-          <a:effectRef idx="0">
-            <a:schemeClr val="accent1"/>
-          </a:effectRef>
-          <a:fontRef idx="minor">
-            <a:schemeClr val="tx1"/>
-          </a:fontRef>
-        </p:style>
-      </p:cxnSp>
-      <p:pic>
-        <p:nvPicPr>
-          <p:cNvPr id="14" name="Picture 13">
-            <a:extLst>
-              <a:ext uri="{FF2B5EF4-FFF2-40B4-BE49-F238E27FC236}">
-                <a16:creationId xmlns:a16="http://schemas.microsoft.com/office/drawing/2014/main" id="{CCCD50FD-6889-4AB8-A389-0A435EBB1ADA}"/>
-              </a:ext>
-            </a:extLst>
-          </p:cNvPr>
-          <p:cNvPicPr>
-            <a:picLocks noChangeAspect="1"/>
-          </p:cNvPicPr>
-          <p:nvPr/>
-        </p:nvPicPr>
-        <p:blipFill rotWithShape="1">
-          <a:blip r:embed="rId3" cstate="print">
-            <a:extLst>
-              <a:ext uri="{28A0092B-C50C-407E-A947-70E740481C1C}">
-                <a14:useLocalDpi xmlns:a14="http://schemas.microsoft.com/office/drawing/2010/main" val="0"/>
-              </a:ext>
-            </a:extLst>
-          </a:blip>
-          <a:srcRect l="46571" t="40808" r="16364" b="43636"/>
-          <a:stretch/>
-        </p:blipFill>
-        <p:spPr>
-          <a:xfrm>
-            <a:off x="9321735" y="279956"/>
-            <a:ext cx="2385356" cy="563116"/>
-          </a:xfrm>
-          <a:prstGeom prst="rect">
-            <a:avLst/>
-          </a:prstGeom>
-        </p:spPr>
-      </p:pic>
-      <p:sp>
-        <p:nvSpPr>
-          <p:cNvPr id="19" name="Text Box 25">
-            <a:extLst>
-              <a:ext uri="{FF2B5EF4-FFF2-40B4-BE49-F238E27FC236}">
-                <a16:creationId xmlns:a16="http://schemas.microsoft.com/office/drawing/2014/main" id="{11C5259B-EC9E-B824-2FF8-FE6F71E56595}"/>
-              </a:ext>
-            </a:extLst>
-          </p:cNvPr>
-          <p:cNvSpPr txBox="1">
-            <a:spLocks noChangeArrowheads="1"/>
-          </p:cNvSpPr>
-          <p:nvPr/>
-        </p:nvSpPr>
-        <p:spPr bwMode="auto">
-          <a:xfrm>
-            <a:off x="454752" y="678030"/>
-            <a:ext cx="10975506" cy="707886"/>
-          </a:xfrm>
-          <a:prstGeom prst="rect">
-            <a:avLst/>
-          </a:prstGeom>
-          <a:noFill/>
-          <a:ln>
-            <a:noFill/>
-          </a:ln>
-          <a:extLst>
-            <a:ext uri="{909E8E84-426E-40DD-AFC4-6F175D3DCCD1}">
-              <a14:hiddenFill xmlns:a14="http://schemas.microsoft.com/office/drawing/2010/main">
-                <a:solidFill>
-                  <a:srgbClr val="FFFFFF"/>
-                </a:solidFill>
-              </a14:hiddenFill>
-            </a:ext>
-            <a:ext uri="{91240B29-F687-4F45-9708-019B960494DF}">
-              <a14:hiddenLine xmlns:a14="http://schemas.microsoft.com/office/drawing/2010/main" w="9525">
-                <a:solidFill>
-                  <a:srgbClr val="000000"/>
-                </a:solidFill>
-                <a:miter lim="800000"/>
-                <a:headEnd/>
-                <a:tailEnd/>
-              </a14:hiddenLine>
-            </a:ext>
-          </a:extLst>
-        </p:spPr>
-        <p:txBody>
-          <a:bodyPr wrap="square">
-            <a:spAutoFit/>
-          </a:bodyPr>
-          <a:lstStyle>
-            <a:lvl1pPr eaLnBrk="0" hangingPunct="0">
-              <a:defRPr>
-                <a:solidFill>
-                  <a:schemeClr val="tx1"/>
-                </a:solidFill>
-                <a:latin typeface="Arial" panose="020B0604020202020204" pitchFamily="34" charset="0"/>
-                <a:ea typeface="宋体" panose="02010600030101010101" pitchFamily="2" charset="-122"/>
-              </a:defRPr>
-            </a:lvl1pPr>
-            <a:lvl2pPr marL="742950" indent="-285750" eaLnBrk="0" hangingPunct="0">
-              <a:defRPr>
-                <a:solidFill>
-                  <a:schemeClr val="tx1"/>
-                </a:solidFill>
-                <a:latin typeface="Arial" panose="020B0604020202020204" pitchFamily="34" charset="0"/>
-                <a:ea typeface="宋体" panose="02010600030101010101" pitchFamily="2" charset="-122"/>
-              </a:defRPr>
-            </a:lvl2pPr>
-            <a:lvl3pPr marL="1143000" indent="-228600" eaLnBrk="0" hangingPunct="0">
-              <a:defRPr>
-                <a:solidFill>
-                  <a:schemeClr val="tx1"/>
-                </a:solidFill>
-                <a:latin typeface="Arial" panose="020B0604020202020204" pitchFamily="34" charset="0"/>
-                <a:ea typeface="宋体" panose="02010600030101010101" pitchFamily="2" charset="-122"/>
-              </a:defRPr>
-            </a:lvl3pPr>
-            <a:lvl4pPr marL="1600200" indent="-228600" eaLnBrk="0" hangingPunct="0">
-              <a:defRPr>
-                <a:solidFill>
-                  <a:schemeClr val="tx1"/>
-                </a:solidFill>
-                <a:latin typeface="Arial" panose="020B0604020202020204" pitchFamily="34" charset="0"/>
-                <a:ea typeface="宋体" panose="02010600030101010101" pitchFamily="2" charset="-122"/>
-              </a:defRPr>
-            </a:lvl4pPr>
-            <a:lvl5pPr marL="2057400" indent="-228600" eaLnBrk="0" hangingPunct="0">
-              <a:defRPr>
-                <a:solidFill>
-                  <a:schemeClr val="tx1"/>
-                </a:solidFill>
-                <a:latin typeface="Arial" panose="020B0604020202020204" pitchFamily="34" charset="0"/>
-                <a:ea typeface="宋体" panose="02010600030101010101" pitchFamily="2" charset="-122"/>
-              </a:defRPr>
-            </a:lvl5pPr>
-            <a:lvl6pPr marL="2514600" indent="-228600" eaLnBrk="0" fontAlgn="base" hangingPunct="0">
-              <a:spcBef>
-                <a:spcPct val="0"/>
-              </a:spcBef>
-              <a:spcAft>
-                <a:spcPct val="0"/>
-              </a:spcAft>
-              <a:defRPr>
-                <a:solidFill>
-                  <a:schemeClr val="tx1"/>
-                </a:solidFill>
-                <a:latin typeface="Arial" panose="020B0604020202020204" pitchFamily="34" charset="0"/>
-                <a:ea typeface="宋体" panose="02010600030101010101" pitchFamily="2" charset="-122"/>
-              </a:defRPr>
-            </a:lvl6pPr>
-            <a:lvl7pPr marL="2971800" indent="-228600" eaLnBrk="0" fontAlgn="base" hangingPunct="0">
-              <a:spcBef>
-                <a:spcPct val="0"/>
-              </a:spcBef>
-              <a:spcAft>
-                <a:spcPct val="0"/>
-              </a:spcAft>
-              <a:defRPr>
-                <a:solidFill>
-                  <a:schemeClr val="tx1"/>
-                </a:solidFill>
-                <a:latin typeface="Arial" panose="020B0604020202020204" pitchFamily="34" charset="0"/>
-                <a:ea typeface="宋体" panose="02010600030101010101" pitchFamily="2" charset="-122"/>
-              </a:defRPr>
-            </a:lvl7pPr>
-            <a:lvl8pPr marL="3429000" indent="-228600" eaLnBrk="0" fontAlgn="base" hangingPunct="0">
-              <a:spcBef>
-                <a:spcPct val="0"/>
-              </a:spcBef>
-              <a:spcAft>
-                <a:spcPct val="0"/>
-              </a:spcAft>
-              <a:defRPr>
-                <a:solidFill>
-                  <a:schemeClr val="tx1"/>
-                </a:solidFill>
-                <a:latin typeface="Arial" panose="020B0604020202020204" pitchFamily="34" charset="0"/>
-                <a:ea typeface="宋体" panose="02010600030101010101" pitchFamily="2" charset="-122"/>
-              </a:defRPr>
-            </a:lvl8pPr>
-            <a:lvl9pPr marL="3886200" indent="-228600" eaLnBrk="0" fontAlgn="base" hangingPunct="0">
-              <a:spcBef>
-                <a:spcPct val="0"/>
-              </a:spcBef>
-              <a:spcAft>
-                <a:spcPct val="0"/>
-              </a:spcAft>
-              <a:defRPr>
-                <a:solidFill>
-                  <a:schemeClr val="tx1"/>
-                </a:solidFill>
-                <a:latin typeface="Arial" panose="020B0604020202020204" pitchFamily="34" charset="0"/>
-                <a:ea typeface="宋体" panose="02010600030101010101" pitchFamily="2" charset="-122"/>
-              </a:defRPr>
-            </a:lvl9pPr>
-          </a:lstStyle>
-          <a:p>
-            <a:r>
-              <a:rPr lang="en-US" sz="2000" b="1" dirty="0">
-                <a:latin typeface="Cambria" panose="02040503050406030204" pitchFamily="18" charset="0"/>
-                <a:ea typeface="Cambria" panose="02040503050406030204" pitchFamily="18" charset="0"/>
-              </a:rPr>
-              <a:t> </a:t>
-            </a:r>
-            <a:endParaRPr lang="en-US" sz="2000" dirty="0">
-              <a:latin typeface="Cambria" panose="02040503050406030204" pitchFamily="18" charset="0"/>
-              <a:ea typeface="Cambria" panose="02040503050406030204" pitchFamily="18" charset="0"/>
-            </a:endParaRPr>
-          </a:p>
-          <a:p>
-            <a:pPr algn="just"/>
-            <a:endParaRPr lang="en-US" sz="2000" dirty="0">
-              <a:solidFill>
-                <a:srgbClr val="00827B"/>
-              </a:solidFill>
-              <a:effectLst/>
-              <a:latin typeface="Cambria" panose="02040503050406030204" pitchFamily="18" charset="0"/>
-              <a:ea typeface="Cambria" panose="02040503050406030204" pitchFamily="18" charset="0"/>
-              <a:cs typeface="Arial" panose="020B0604020202020204" pitchFamily="34" charset="0"/>
-            </a:endParaRPr>
-          </a:p>
-        </p:txBody>
-      </p:sp>
-      <p:sp>
-        <p:nvSpPr>
-          <p:cNvPr id="4" name="TextBox 3">
-            <a:extLst>
-              <a:ext uri="{FF2B5EF4-FFF2-40B4-BE49-F238E27FC236}">
-                <a16:creationId xmlns:a16="http://schemas.microsoft.com/office/drawing/2014/main" id="{2159FDA5-8B5F-BD0C-17B9-7D1F771C8958}"/>
-              </a:ext>
-            </a:extLst>
-          </p:cNvPr>
-          <p:cNvSpPr txBox="1"/>
-          <p:nvPr/>
-        </p:nvSpPr>
-        <p:spPr>
-          <a:xfrm>
-            <a:off x="264515" y="1155084"/>
-            <a:ext cx="11442575" cy="3108543"/>
-          </a:xfrm>
-          <a:prstGeom prst="rect">
-            <a:avLst/>
-          </a:prstGeom>
-          <a:noFill/>
-        </p:spPr>
-        <p:txBody>
-          <a:bodyPr wrap="square">
-            <a:spAutoFit/>
-          </a:bodyPr>
-          <a:lstStyle/>
-          <a:p>
-            <a:pPr indent="182880" algn="just">
+            <a:pPr indent="182880" algn="ctr">
               <a:lnSpc>
                 <a:spcPct val="95000"/>
               </a:lnSpc>
@@ -15219,21 +14412,31 @@
               </a:tabLst>
             </a:pPr>
             <a:r>
-              <a:rPr lang="x-none" sz="1800" spc="-5" dirty="0">
-                <a:effectLst/>
-                <a:latin typeface="Cambria" panose="02040503050406030204" pitchFamily="18" charset="0"/>
-                <a:ea typeface="Cambria" panose="02040503050406030204" pitchFamily="18" charset="0"/>
-              </a:rPr>
-              <a:t>Chương trình hỗ trợ tính toán đang được xây dựng một cách đơn giản, tiếp tục phát triển xây dựng theo hướng đa nhiệm hơn</a:t>
-            </a:r>
-            <a:r>
-              <a:rPr lang="en-US" sz="1800" spc="-5" dirty="0">
-                <a:effectLst/>
-                <a:latin typeface="Cambria" panose="02040503050406030204" pitchFamily="18" charset="0"/>
-                <a:ea typeface="Cambria" panose="02040503050406030204" pitchFamily="18" charset="0"/>
-              </a:rPr>
-              <a:t>: </a:t>
-            </a:r>
+              <a:rPr lang="en-US" sz="2400" b="1" spc="-5" dirty="0">
+                <a:effectLst/>
+                <a:latin typeface="Cambria" panose="02040503050406030204" pitchFamily="18" charset="0"/>
+                <a:ea typeface="Cambria" panose="02040503050406030204" pitchFamily="18" charset="0"/>
+              </a:rPr>
+              <a:t>HƯỚNG PHÁT TRIỂN</a:t>
+            </a:r>
+          </a:p>
+          <a:p>
+            <a:pPr indent="182880" algn="ctr">
+              <a:lnSpc>
+                <a:spcPct val="95000"/>
+              </a:lnSpc>
+              <a:spcAft>
+                <a:spcPts val="600"/>
+              </a:spcAft>
+              <a:tabLst>
+                <a:tab pos="182880" algn="l"/>
+              </a:tabLst>
+            </a:pPr>
+            <a:endParaRPr lang="en-US" sz="2400" b="1" spc="-5" dirty="0">
+              <a:effectLst/>
+              <a:latin typeface="Cambria" panose="02040503050406030204" pitchFamily="18" charset="0"/>
+              <a:ea typeface="Cambria" panose="02040503050406030204" pitchFamily="18" charset="0"/>
+            </a:endParaRPr>
           </a:p>
           <a:p>
             <a:pPr marL="285750" indent="-285750" algn="just">
@@ -15255,7 +14458,166 @@
                 <a:latin typeface="Cambria" panose="02040503050406030204" pitchFamily="18" charset="0"/>
                 <a:ea typeface="Cambria" panose="02040503050406030204" pitchFamily="18" charset="0"/>
               </a:rPr>
-              <a:t>Có thể xuất ra được đồ thị để hạn chế các bước tính toán dựa trên những phần mềm khác. </a:t>
+              <a:t>Chương trình hỗ trợ tính toán đang được xây dựng một cách đơn giản</a:t>
+            </a:r>
+            <a:r>
+              <a:rPr lang="en-US" sz="1800" spc="-5" dirty="0">
+                <a:effectLst/>
+                <a:latin typeface="Cambria" panose="02040503050406030204" pitchFamily="18" charset="0"/>
+                <a:ea typeface="Cambria" panose="02040503050406030204" pitchFamily="18" charset="0"/>
+              </a:rPr>
+              <a:t>. </a:t>
+            </a:r>
+            <a:r>
+              <a:rPr lang="en-US" sz="1800" spc="-5" dirty="0" err="1">
+                <a:effectLst/>
+                <a:latin typeface="Cambria" panose="02040503050406030204" pitchFamily="18" charset="0"/>
+                <a:ea typeface="Cambria" panose="02040503050406030204" pitchFamily="18" charset="0"/>
+              </a:rPr>
+              <a:t>Có</a:t>
+            </a:r>
+            <a:r>
+              <a:rPr lang="en-US" sz="1800" spc="-5" dirty="0">
+                <a:effectLst/>
+                <a:latin typeface="Cambria" panose="02040503050406030204" pitchFamily="18" charset="0"/>
+                <a:ea typeface="Cambria" panose="02040503050406030204" pitchFamily="18" charset="0"/>
+              </a:rPr>
+              <a:t> </a:t>
+            </a:r>
+            <a:r>
+              <a:rPr lang="en-US" sz="1800" spc="-5" dirty="0" err="1">
+                <a:effectLst/>
+                <a:latin typeface="Cambria" panose="02040503050406030204" pitchFamily="18" charset="0"/>
+                <a:ea typeface="Cambria" panose="02040503050406030204" pitchFamily="18" charset="0"/>
+              </a:rPr>
+              <a:t>thể</a:t>
+            </a:r>
+            <a:r>
+              <a:rPr lang="en-US" sz="1800" spc="-5" dirty="0">
+                <a:effectLst/>
+                <a:latin typeface="Cambria" panose="02040503050406030204" pitchFamily="18" charset="0"/>
+                <a:ea typeface="Cambria" panose="02040503050406030204" pitchFamily="18" charset="0"/>
+              </a:rPr>
+              <a:t> </a:t>
+            </a:r>
+            <a:r>
+              <a:rPr lang="en-US" sz="1800" spc="-5" dirty="0" err="1">
+                <a:effectLst/>
+                <a:latin typeface="Cambria" panose="02040503050406030204" pitchFamily="18" charset="0"/>
+                <a:ea typeface="Cambria" panose="02040503050406030204" pitchFamily="18" charset="0"/>
+              </a:rPr>
+              <a:t>phát</a:t>
+            </a:r>
+            <a:r>
+              <a:rPr lang="en-US" sz="1800" spc="-5" dirty="0">
+                <a:effectLst/>
+                <a:latin typeface="Cambria" panose="02040503050406030204" pitchFamily="18" charset="0"/>
+                <a:ea typeface="Cambria" panose="02040503050406030204" pitchFamily="18" charset="0"/>
+              </a:rPr>
+              <a:t> </a:t>
+            </a:r>
+            <a:r>
+              <a:rPr lang="en-US" sz="1800" spc="-5" dirty="0" err="1">
+                <a:effectLst/>
+                <a:latin typeface="Cambria" panose="02040503050406030204" pitchFamily="18" charset="0"/>
+                <a:ea typeface="Cambria" panose="02040503050406030204" pitchFamily="18" charset="0"/>
+              </a:rPr>
+              <a:t>triển</a:t>
+            </a:r>
+            <a:r>
+              <a:rPr lang="en-US" sz="1800" spc="-5" dirty="0">
+                <a:effectLst/>
+                <a:latin typeface="Cambria" panose="02040503050406030204" pitchFamily="18" charset="0"/>
+                <a:ea typeface="Cambria" panose="02040503050406030204" pitchFamily="18" charset="0"/>
+              </a:rPr>
+              <a:t> </a:t>
+            </a:r>
+            <a:r>
+              <a:rPr lang="en-US" sz="1800" spc="-5" dirty="0" err="1">
+                <a:effectLst/>
+                <a:latin typeface="Cambria" panose="02040503050406030204" pitchFamily="18" charset="0"/>
+                <a:ea typeface="Cambria" panose="02040503050406030204" pitchFamily="18" charset="0"/>
+              </a:rPr>
+              <a:t>thêm</a:t>
+            </a:r>
+            <a:r>
+              <a:rPr lang="en-US" sz="1800" spc="-5" dirty="0">
+                <a:effectLst/>
+                <a:latin typeface="Cambria" panose="02040503050406030204" pitchFamily="18" charset="0"/>
+                <a:ea typeface="Cambria" panose="02040503050406030204" pitchFamily="18" charset="0"/>
+              </a:rPr>
+              <a:t> </a:t>
+            </a:r>
+            <a:r>
+              <a:rPr lang="en-US" sz="1800" spc="-5" dirty="0" err="1">
+                <a:effectLst/>
+                <a:latin typeface="Cambria" panose="02040503050406030204" pitchFamily="18" charset="0"/>
+                <a:ea typeface="Cambria" panose="02040503050406030204" pitchFamily="18" charset="0"/>
+              </a:rPr>
+              <a:t>về</a:t>
+            </a:r>
+            <a:r>
+              <a:rPr lang="en-US" sz="1800" spc="-5" dirty="0">
+                <a:effectLst/>
+                <a:latin typeface="Cambria" panose="02040503050406030204" pitchFamily="18" charset="0"/>
+                <a:ea typeface="Cambria" panose="02040503050406030204" pitchFamily="18" charset="0"/>
+              </a:rPr>
+              <a:t> </a:t>
+            </a:r>
+            <a:r>
+              <a:rPr lang="en-US" sz="1800" spc="-5" dirty="0" err="1">
+                <a:effectLst/>
+                <a:latin typeface="Cambria" panose="02040503050406030204" pitchFamily="18" charset="0"/>
+                <a:ea typeface="Cambria" panose="02040503050406030204" pitchFamily="18" charset="0"/>
+              </a:rPr>
+              <a:t>giao</a:t>
+            </a:r>
+            <a:r>
+              <a:rPr lang="en-US" sz="1800" spc="-5" dirty="0">
+                <a:effectLst/>
+                <a:latin typeface="Cambria" panose="02040503050406030204" pitchFamily="18" charset="0"/>
+                <a:ea typeface="Cambria" panose="02040503050406030204" pitchFamily="18" charset="0"/>
+              </a:rPr>
+              <a:t> </a:t>
+            </a:r>
+            <a:r>
+              <a:rPr lang="en-US" sz="1800" spc="-5" dirty="0" err="1">
+                <a:effectLst/>
+                <a:latin typeface="Cambria" panose="02040503050406030204" pitchFamily="18" charset="0"/>
+                <a:ea typeface="Cambria" panose="02040503050406030204" pitchFamily="18" charset="0"/>
+              </a:rPr>
+              <a:t>diện</a:t>
+            </a:r>
+            <a:r>
+              <a:rPr lang="en-US" sz="1800" spc="-5" dirty="0">
+                <a:effectLst/>
+                <a:latin typeface="Cambria" panose="02040503050406030204" pitchFamily="18" charset="0"/>
+                <a:ea typeface="Cambria" panose="02040503050406030204" pitchFamily="18" charset="0"/>
+              </a:rPr>
+              <a:t>. </a:t>
+            </a:r>
+          </a:p>
+          <a:p>
+            <a:pPr marL="285750" indent="-285750" algn="just">
+              <a:lnSpc>
+                <a:spcPct val="95000"/>
+              </a:lnSpc>
+              <a:spcAft>
+                <a:spcPts val="600"/>
+              </a:spcAft>
+              <a:buFont typeface="Arial" panose="020B0604020202020204" pitchFamily="34" charset="0"/>
+              <a:buChar char="•"/>
+              <a:tabLst>
+                <a:tab pos="182880" algn="l"/>
+              </a:tabLst>
+            </a:pPr>
+            <a:r>
+              <a:rPr lang="x-none" sz="1800" spc="-5" dirty="0">
+                <a:effectLst/>
+                <a:latin typeface="Cambria" panose="02040503050406030204" pitchFamily="18" charset="0"/>
+                <a:ea typeface="Cambria" panose="02040503050406030204" pitchFamily="18" charset="0"/>
+              </a:rPr>
+              <a:t>Có thể mở rộng tính toán thêm các thông số trong từng sự thay đổi để có được phổ thay đổi rộng hơn và có cái nhìn tổng thể hơn trong việc xác định sự ảnh hưởng của các yếu tố đến độ bền mỏi kết cấu. </a:t>
             </a:r>
             <a:endParaRPr lang="en-US" sz="1800" spc="-5" dirty="0">
               <a:effectLst/>
@@ -15278,650 +14640,27 @@
               </a:tabLst>
             </a:pPr>
             <a:r>
-              <a:rPr lang="x-none" sz="1800" spc="-5" dirty="0">
-                <a:effectLst/>
-                <a:latin typeface="Cambria" panose="02040503050406030204" pitchFamily="18" charset="0"/>
-                <a:ea typeface="Cambria" panose="02040503050406030204" pitchFamily="18" charset="0"/>
-              </a:rPr>
-              <a:t>Có thể mở rộng tính toán thêm các thông số trong từng sự thay đổi để có được phổ thay đổi rộng hơn và có cái nhìn tổng thể hơn trong việc xác định sự ảnh hưởng của các yếu tố đến độ bền mỏi kết cấu. </a:t>
+              <a:rPr lang="en-US" spc="-5" dirty="0" err="1">
+                <a:latin typeface="Cambria" panose="02040503050406030204" pitchFamily="18" charset="0"/>
+                <a:ea typeface="Cambria" panose="02040503050406030204" pitchFamily="18" charset="0"/>
+              </a:rPr>
+              <a:t>Ứng</a:t>
+            </a:r>
+            <a:r>
+              <a:rPr lang="en-US" spc="-5" dirty="0">
+                <a:latin typeface="Cambria" panose="02040503050406030204" pitchFamily="18" charset="0"/>
+                <a:ea typeface="Cambria" panose="02040503050406030204" pitchFamily="18" charset="0"/>
+              </a:rPr>
+              <a:t> </a:t>
+            </a:r>
+            <a:r>
+              <a:rPr lang="en-US" spc="-5" dirty="0" err="1">
+                <a:latin typeface="Cambria" panose="02040503050406030204" pitchFamily="18" charset="0"/>
+                <a:ea typeface="Cambria" panose="02040503050406030204" pitchFamily="18" charset="0"/>
+              </a:rPr>
+              <a:t>dụng</a:t>
             </a:r>
             <a:endParaRPr lang="en-US" sz="1800" spc="-5" dirty="0">
-              <a:effectLst/>
-              <a:latin typeface="Cambria" panose="02040503050406030204" pitchFamily="18" charset="0"/>
-              <a:ea typeface="Cambria" panose="02040503050406030204" pitchFamily="18" charset="0"/>
-            </a:endParaRPr>
-          </a:p>
-          <a:p>
-            <a:pPr marL="742950" lvl="1" indent="-285750" algn="just">
-              <a:lnSpc>
-                <a:spcPct val="95000"/>
-              </a:lnSpc>
-              <a:spcAft>
-                <a:spcPts val="600"/>
-              </a:spcAft>
-              <a:buFont typeface="Courier New" panose="02070309020205020404" pitchFamily="49" charset="0"/>
-              <a:buChar char="o"/>
-              <a:tabLst>
-                <a:tab pos="182880" algn="l"/>
-              </a:tabLst>
-            </a:pPr>
-            <a:r>
-              <a:rPr lang="x-none" spc="-5" dirty="0">
-                <a:effectLst/>
-                <a:latin typeface="Cambria" panose="02040503050406030204" pitchFamily="18" charset="0"/>
-                <a:ea typeface="Cambria" panose="02040503050406030204" pitchFamily="18" charset="0"/>
-              </a:rPr>
-              <a:t>Ví dụ trong trường hợp 2, chỉ tính toán trong điều kiện lựa chọn đường cong S-N là B1, có thể mở rộng tính toán cho các giá trị đường cong S-N khác để có nhiều hơn các các kết quả để so sánh và phân tích. </a:t>
-            </a:r>
-            <a:endParaRPr lang="en-US" spc="-5" dirty="0">
-              <a:effectLst/>
-              <a:latin typeface="Cambria" panose="02040503050406030204" pitchFamily="18" charset="0"/>
-              <a:ea typeface="Cambria" panose="02040503050406030204" pitchFamily="18" charset="0"/>
-            </a:endParaRPr>
-          </a:p>
-          <a:p>
-            <a:pPr marL="742950" lvl="1" indent="-285750" algn="just">
-              <a:lnSpc>
-                <a:spcPct val="95000"/>
-              </a:lnSpc>
-              <a:spcAft>
-                <a:spcPts val="600"/>
-              </a:spcAft>
-              <a:buFont typeface="Courier New" panose="02070309020205020404" pitchFamily="49" charset="0"/>
-              <a:buChar char="o"/>
-              <a:tabLst>
-                <a:tab pos="182880" algn="l"/>
-              </a:tabLst>
-            </a:pPr>
-            <a:r>
-              <a:rPr lang="en-US" spc="-5" dirty="0" err="1">
-                <a:latin typeface="Cambria" panose="02040503050406030204" pitchFamily="18" charset="0"/>
-                <a:ea typeface="Cambria" panose="02040503050406030204" pitchFamily="18" charset="0"/>
-              </a:rPr>
-              <a:t>Xây</a:t>
-            </a:r>
-            <a:r>
-              <a:rPr lang="en-US" spc="-5" dirty="0">
-                <a:latin typeface="Cambria" panose="02040503050406030204" pitchFamily="18" charset="0"/>
-                <a:ea typeface="Cambria" panose="02040503050406030204" pitchFamily="18" charset="0"/>
-              </a:rPr>
-              <a:t> </a:t>
-            </a:r>
-            <a:r>
-              <a:rPr lang="en-US" spc="-5" dirty="0" err="1">
-                <a:latin typeface="Cambria" panose="02040503050406030204" pitchFamily="18" charset="0"/>
-                <a:ea typeface="Cambria" panose="02040503050406030204" pitchFamily="18" charset="0"/>
-              </a:rPr>
-              <a:t>dựng</a:t>
-            </a:r>
-            <a:r>
-              <a:rPr lang="en-US" spc="-5" dirty="0">
-                <a:latin typeface="Cambria" panose="02040503050406030204" pitchFamily="18" charset="0"/>
-                <a:ea typeface="Cambria" panose="02040503050406030204" pitchFamily="18" charset="0"/>
-              </a:rPr>
-              <a:t> </a:t>
-            </a:r>
-            <a:r>
-              <a:rPr lang="en-US" spc="-5" dirty="0" err="1">
-                <a:latin typeface="Cambria" panose="02040503050406030204" pitchFamily="18" charset="0"/>
-                <a:ea typeface="Cambria" panose="02040503050406030204" pitchFamily="18" charset="0"/>
-              </a:rPr>
-              <a:t>thêm</a:t>
-            </a:r>
-            <a:r>
-              <a:rPr lang="en-US" spc="-5" dirty="0">
-                <a:latin typeface="Cambria" panose="02040503050406030204" pitchFamily="18" charset="0"/>
-                <a:ea typeface="Cambria" panose="02040503050406030204" pitchFamily="18" charset="0"/>
-              </a:rPr>
-              <a:t> </a:t>
-            </a:r>
-            <a:r>
-              <a:rPr lang="en-US" spc="-5" dirty="0" err="1">
-                <a:latin typeface="Cambria" panose="02040503050406030204" pitchFamily="18" charset="0"/>
-                <a:ea typeface="Cambria" panose="02040503050406030204" pitchFamily="18" charset="0"/>
-              </a:rPr>
-              <a:t>các</a:t>
-            </a:r>
-            <a:r>
-              <a:rPr lang="en-US" spc="-5" dirty="0">
-                <a:latin typeface="Cambria" panose="02040503050406030204" pitchFamily="18" charset="0"/>
-                <a:ea typeface="Cambria" panose="02040503050406030204" pitchFamily="18" charset="0"/>
-              </a:rPr>
-              <a:t> </a:t>
-            </a:r>
-            <a:r>
-              <a:rPr lang="en-US" spc="-5" dirty="0" err="1">
-                <a:latin typeface="Cambria" panose="02040503050406030204" pitchFamily="18" charset="0"/>
-                <a:ea typeface="Cambria" panose="02040503050406030204" pitchFamily="18" charset="0"/>
-              </a:rPr>
-              <a:t>trường</a:t>
-            </a:r>
-            <a:r>
-              <a:rPr lang="en-US" spc="-5" dirty="0">
-                <a:latin typeface="Cambria" panose="02040503050406030204" pitchFamily="18" charset="0"/>
-                <a:ea typeface="Cambria" panose="02040503050406030204" pitchFamily="18" charset="0"/>
-              </a:rPr>
-              <a:t> </a:t>
-            </a:r>
-            <a:r>
-              <a:rPr lang="en-US" spc="-5" dirty="0" err="1">
-                <a:latin typeface="Cambria" panose="02040503050406030204" pitchFamily="18" charset="0"/>
-                <a:ea typeface="Cambria" panose="02040503050406030204" pitchFamily="18" charset="0"/>
-              </a:rPr>
-              <a:t>hợp</a:t>
-            </a:r>
-            <a:r>
-              <a:rPr lang="en-US" spc="-5" dirty="0">
-                <a:latin typeface="Cambria" panose="02040503050406030204" pitchFamily="18" charset="0"/>
-                <a:ea typeface="Cambria" panose="02040503050406030204" pitchFamily="18" charset="0"/>
-              </a:rPr>
-              <a:t> </a:t>
-            </a:r>
-            <a:r>
-              <a:rPr lang="en-US" spc="-5" dirty="0" err="1">
-                <a:latin typeface="Cambria" panose="02040503050406030204" pitchFamily="18" charset="0"/>
-                <a:ea typeface="Cambria" panose="02040503050406030204" pitchFamily="18" charset="0"/>
-              </a:rPr>
-              <a:t>phân</a:t>
-            </a:r>
-            <a:r>
-              <a:rPr lang="en-US" spc="-5" dirty="0">
-                <a:latin typeface="Cambria" panose="02040503050406030204" pitchFamily="18" charset="0"/>
-                <a:ea typeface="Cambria" panose="02040503050406030204" pitchFamily="18" charset="0"/>
-              </a:rPr>
-              <a:t> </a:t>
-            </a:r>
-            <a:r>
-              <a:rPr lang="en-US" spc="-5" dirty="0" err="1">
-                <a:latin typeface="Cambria" panose="02040503050406030204" pitchFamily="18" charset="0"/>
-                <a:ea typeface="Cambria" panose="02040503050406030204" pitchFamily="18" charset="0"/>
-              </a:rPr>
-              <a:t>tích</a:t>
-            </a:r>
-            <a:r>
-              <a:rPr lang="en-US" spc="-5" dirty="0">
-                <a:latin typeface="Cambria" panose="02040503050406030204" pitchFamily="18" charset="0"/>
-                <a:ea typeface="Cambria" panose="02040503050406030204" pitchFamily="18" charset="0"/>
-              </a:rPr>
-              <a:t> </a:t>
-            </a:r>
-            <a:r>
-              <a:rPr lang="en-US" spc="-5" dirty="0" err="1">
-                <a:latin typeface="Cambria" panose="02040503050406030204" pitchFamily="18" charset="0"/>
-                <a:ea typeface="Cambria" panose="02040503050406030204" pitchFamily="18" charset="0"/>
-              </a:rPr>
-              <a:t>khác</a:t>
-            </a:r>
-            <a:r>
-              <a:rPr lang="en-US" spc="-5" dirty="0">
-                <a:latin typeface="Cambria" panose="02040503050406030204" pitchFamily="18" charset="0"/>
-                <a:ea typeface="Cambria" panose="02040503050406030204" pitchFamily="18" charset="0"/>
-              </a:rPr>
-              <a:t> </a:t>
-            </a:r>
-            <a:r>
-              <a:rPr lang="en-US" spc="-5" dirty="0" err="1">
-                <a:latin typeface="Cambria" panose="02040503050406030204" pitchFamily="18" charset="0"/>
-                <a:ea typeface="Cambria" panose="02040503050406030204" pitchFamily="18" charset="0"/>
-              </a:rPr>
-              <a:t>như</a:t>
-            </a:r>
-            <a:r>
-              <a:rPr lang="en-US" spc="-5" dirty="0">
-                <a:latin typeface="Cambria" panose="02040503050406030204" pitchFamily="18" charset="0"/>
-                <a:ea typeface="Cambria" panose="02040503050406030204" pitchFamily="18" charset="0"/>
-              </a:rPr>
-              <a:t> </a:t>
-            </a:r>
-            <a:r>
-              <a:rPr lang="en-US" spc="-5" dirty="0" err="1">
-                <a:latin typeface="Cambria" panose="02040503050406030204" pitchFamily="18" charset="0"/>
-                <a:ea typeface="Cambria" panose="02040503050406030204" pitchFamily="18" charset="0"/>
-              </a:rPr>
-              <a:t>giữ</a:t>
-            </a:r>
-            <a:r>
-              <a:rPr lang="en-US" spc="-5" dirty="0">
-                <a:latin typeface="Cambria" panose="02040503050406030204" pitchFamily="18" charset="0"/>
-                <a:ea typeface="Cambria" panose="02040503050406030204" pitchFamily="18" charset="0"/>
-              </a:rPr>
-              <a:t> </a:t>
-            </a:r>
-            <a:r>
-              <a:rPr lang="en-US" spc="-5" dirty="0" err="1">
-                <a:latin typeface="Cambria" panose="02040503050406030204" pitchFamily="18" charset="0"/>
-                <a:ea typeface="Cambria" panose="02040503050406030204" pitchFamily="18" charset="0"/>
-              </a:rPr>
-              <a:t>nguyên</a:t>
-            </a:r>
-            <a:r>
-              <a:rPr lang="en-US" spc="-5" dirty="0">
-                <a:latin typeface="Cambria" panose="02040503050406030204" pitchFamily="18" charset="0"/>
-                <a:ea typeface="Cambria" panose="02040503050406030204" pitchFamily="18" charset="0"/>
-              </a:rPr>
-              <a:t> </a:t>
-            </a:r>
-            <a:r>
-              <a:rPr lang="en-US" spc="-5" dirty="0" err="1">
-                <a:latin typeface="Cambria" panose="02040503050406030204" pitchFamily="18" charset="0"/>
-                <a:ea typeface="Cambria" panose="02040503050406030204" pitchFamily="18" charset="0"/>
-              </a:rPr>
-              <a:t>một</a:t>
-            </a:r>
-            <a:r>
-              <a:rPr lang="en-US" spc="-5" dirty="0">
-                <a:latin typeface="Cambria" panose="02040503050406030204" pitchFamily="18" charset="0"/>
-                <a:ea typeface="Cambria" panose="02040503050406030204" pitchFamily="18" charset="0"/>
-              </a:rPr>
-              <a:t> </a:t>
-            </a:r>
-            <a:r>
-              <a:rPr lang="en-US" spc="-5" dirty="0" err="1">
-                <a:latin typeface="Cambria" panose="02040503050406030204" pitchFamily="18" charset="0"/>
-                <a:ea typeface="Cambria" panose="02040503050406030204" pitchFamily="18" charset="0"/>
-              </a:rPr>
-              <a:t>đường</a:t>
-            </a:r>
-            <a:r>
-              <a:rPr lang="en-US" spc="-5" dirty="0">
-                <a:latin typeface="Cambria" panose="02040503050406030204" pitchFamily="18" charset="0"/>
-                <a:ea typeface="Cambria" panose="02040503050406030204" pitchFamily="18" charset="0"/>
-              </a:rPr>
-              <a:t> </a:t>
-            </a:r>
-            <a:r>
-              <a:rPr lang="en-US" spc="-5" dirty="0" err="1">
-                <a:latin typeface="Cambria" panose="02040503050406030204" pitchFamily="18" charset="0"/>
-                <a:ea typeface="Cambria" panose="02040503050406030204" pitchFamily="18" charset="0"/>
-              </a:rPr>
-              <a:t>cong</a:t>
-            </a:r>
-            <a:r>
-              <a:rPr lang="en-US" spc="-5" dirty="0">
-                <a:latin typeface="Cambria" panose="02040503050406030204" pitchFamily="18" charset="0"/>
-                <a:ea typeface="Cambria" panose="02040503050406030204" pitchFamily="18" charset="0"/>
-              </a:rPr>
-              <a:t> S-N </a:t>
-            </a:r>
-            <a:r>
-              <a:rPr lang="en-US" spc="-5" dirty="0" err="1">
-                <a:latin typeface="Cambria" panose="02040503050406030204" pitchFamily="18" charset="0"/>
-                <a:ea typeface="Cambria" panose="02040503050406030204" pitchFamily="18" charset="0"/>
-              </a:rPr>
-              <a:t>và</a:t>
-            </a:r>
-            <a:r>
-              <a:rPr lang="en-US" spc="-5" dirty="0">
-                <a:latin typeface="Cambria" panose="02040503050406030204" pitchFamily="18" charset="0"/>
-                <a:ea typeface="Cambria" panose="02040503050406030204" pitchFamily="18" charset="0"/>
-              </a:rPr>
-              <a:t> </a:t>
-            </a:r>
-            <a:r>
-              <a:rPr lang="en-US" spc="-5" dirty="0" err="1">
-                <a:latin typeface="Cambria" panose="02040503050406030204" pitchFamily="18" charset="0"/>
-                <a:ea typeface="Cambria" panose="02040503050406030204" pitchFamily="18" charset="0"/>
-              </a:rPr>
-              <a:t>hệ</a:t>
-            </a:r>
-            <a:r>
-              <a:rPr lang="en-US" spc="-5" dirty="0">
-                <a:latin typeface="Cambria" panose="02040503050406030204" pitchFamily="18" charset="0"/>
-                <a:ea typeface="Cambria" panose="02040503050406030204" pitchFamily="18" charset="0"/>
-              </a:rPr>
-              <a:t> </a:t>
-            </a:r>
-            <a:r>
-              <a:rPr lang="en-US" spc="-5" dirty="0" err="1">
-                <a:latin typeface="Cambria" panose="02040503050406030204" pitchFamily="18" charset="0"/>
-                <a:ea typeface="Cambria" panose="02040503050406030204" pitchFamily="18" charset="0"/>
-              </a:rPr>
-              <a:t>số</a:t>
-            </a:r>
-            <a:r>
-              <a:rPr lang="en-US" spc="-5" dirty="0">
-                <a:latin typeface="Cambria" panose="02040503050406030204" pitchFamily="18" charset="0"/>
-                <a:ea typeface="Cambria" panose="02040503050406030204" pitchFamily="18" charset="0"/>
-              </a:rPr>
-              <a:t> Weibull, </a:t>
-            </a:r>
-            <a:r>
-              <a:rPr lang="en-US" spc="-5" dirty="0" err="1">
-                <a:latin typeface="Cambria" panose="02040503050406030204" pitchFamily="18" charset="0"/>
-                <a:ea typeface="Cambria" panose="02040503050406030204" pitchFamily="18" charset="0"/>
-              </a:rPr>
-              <a:t>đồng</a:t>
-            </a:r>
-            <a:r>
-              <a:rPr lang="en-US" spc="-5" dirty="0">
-                <a:latin typeface="Cambria" panose="02040503050406030204" pitchFamily="18" charset="0"/>
-                <a:ea typeface="Cambria" panose="02040503050406030204" pitchFamily="18" charset="0"/>
-              </a:rPr>
-              <a:t> </a:t>
-            </a:r>
-            <a:r>
-              <a:rPr lang="en-US" spc="-5" dirty="0" err="1">
-                <a:latin typeface="Cambria" panose="02040503050406030204" pitchFamily="18" charset="0"/>
-                <a:ea typeface="Cambria" panose="02040503050406030204" pitchFamily="18" charset="0"/>
-              </a:rPr>
-              <a:t>thời</a:t>
-            </a:r>
-            <a:r>
-              <a:rPr lang="en-US" spc="-5" dirty="0">
-                <a:latin typeface="Cambria" panose="02040503050406030204" pitchFamily="18" charset="0"/>
-                <a:ea typeface="Cambria" panose="02040503050406030204" pitchFamily="18" charset="0"/>
-              </a:rPr>
-              <a:t> </a:t>
-            </a:r>
-            <a:r>
-              <a:rPr lang="en-US" spc="-5" dirty="0" err="1">
-                <a:latin typeface="Cambria" panose="02040503050406030204" pitchFamily="18" charset="0"/>
-                <a:ea typeface="Cambria" panose="02040503050406030204" pitchFamily="18" charset="0"/>
-              </a:rPr>
-              <a:t>thay</a:t>
-            </a:r>
-            <a:r>
-              <a:rPr lang="en-US" spc="-5" dirty="0">
-                <a:latin typeface="Cambria" panose="02040503050406030204" pitchFamily="18" charset="0"/>
-                <a:ea typeface="Cambria" panose="02040503050406030204" pitchFamily="18" charset="0"/>
-              </a:rPr>
-              <a:t> </a:t>
-            </a:r>
-            <a:r>
-              <a:rPr lang="en-US" spc="-5" dirty="0" err="1">
-                <a:latin typeface="Cambria" panose="02040503050406030204" pitchFamily="18" charset="0"/>
-                <a:ea typeface="Cambria" panose="02040503050406030204" pitchFamily="18" charset="0"/>
-              </a:rPr>
-              <a:t>đổi</a:t>
-            </a:r>
-            <a:r>
-              <a:rPr lang="en-US" spc="-5" dirty="0">
-                <a:latin typeface="Cambria" panose="02040503050406030204" pitchFamily="18" charset="0"/>
-                <a:ea typeface="Cambria" panose="02040503050406030204" pitchFamily="18" charset="0"/>
-              </a:rPr>
-              <a:t> </a:t>
-            </a:r>
-            <a:r>
-              <a:rPr lang="en-US" spc="-5" dirty="0" err="1">
-                <a:latin typeface="Cambria" panose="02040503050406030204" pitchFamily="18" charset="0"/>
-                <a:ea typeface="Cambria" panose="02040503050406030204" pitchFamily="18" charset="0"/>
-              </a:rPr>
-              <a:t>hệ</a:t>
-            </a:r>
-            <a:r>
-              <a:rPr lang="en-US" spc="-5" dirty="0">
-                <a:latin typeface="Cambria" panose="02040503050406030204" pitchFamily="18" charset="0"/>
-                <a:ea typeface="Cambria" panose="02040503050406030204" pitchFamily="18" charset="0"/>
-              </a:rPr>
-              <a:t> </a:t>
-            </a:r>
-            <a:r>
-              <a:rPr lang="en-US" spc="-5" dirty="0" err="1">
-                <a:latin typeface="Cambria" panose="02040503050406030204" pitchFamily="18" charset="0"/>
-                <a:ea typeface="Cambria" panose="02040503050406030204" pitchFamily="18" charset="0"/>
-              </a:rPr>
-              <a:t>số</a:t>
-            </a:r>
-            <a:r>
-              <a:rPr lang="en-US" spc="-5" dirty="0">
-                <a:latin typeface="Cambria" panose="02040503050406030204" pitchFamily="18" charset="0"/>
-                <a:ea typeface="Cambria" panose="02040503050406030204" pitchFamily="18" charset="0"/>
-              </a:rPr>
-              <a:t> </a:t>
-            </a:r>
-            <a:r>
-              <a:rPr lang="en-US" spc="-5" dirty="0" err="1">
-                <a:latin typeface="Cambria" panose="02040503050406030204" pitchFamily="18" charset="0"/>
-                <a:ea typeface="Cambria" panose="02040503050406030204" pitchFamily="18" charset="0"/>
-              </a:rPr>
-              <a:t>tập</a:t>
-            </a:r>
-            <a:r>
-              <a:rPr lang="en-US" spc="-5" dirty="0">
-                <a:latin typeface="Cambria" panose="02040503050406030204" pitchFamily="18" charset="0"/>
-                <a:ea typeface="Cambria" panose="02040503050406030204" pitchFamily="18" charset="0"/>
-              </a:rPr>
-              <a:t> </a:t>
-            </a:r>
-            <a:r>
-              <a:rPr lang="en-US" spc="-5" dirty="0" err="1">
-                <a:latin typeface="Cambria" panose="02040503050406030204" pitchFamily="18" charset="0"/>
-                <a:ea typeface="Cambria" panose="02040503050406030204" pitchFamily="18" charset="0"/>
-              </a:rPr>
-              <a:t>trung</a:t>
-            </a:r>
-            <a:r>
-              <a:rPr lang="en-US" spc="-5" dirty="0">
-                <a:latin typeface="Cambria" panose="02040503050406030204" pitchFamily="18" charset="0"/>
-                <a:ea typeface="Cambria" panose="02040503050406030204" pitchFamily="18" charset="0"/>
-              </a:rPr>
-              <a:t> </a:t>
-            </a:r>
-            <a:r>
-              <a:rPr lang="en-US" spc="-5" dirty="0" err="1">
-                <a:latin typeface="Cambria" panose="02040503050406030204" pitchFamily="18" charset="0"/>
-                <a:ea typeface="Cambria" panose="02040503050406030204" pitchFamily="18" charset="0"/>
-              </a:rPr>
-              <a:t>ứng</a:t>
-            </a:r>
-            <a:r>
-              <a:rPr lang="en-US" spc="-5" dirty="0">
-                <a:latin typeface="Cambria" panose="02040503050406030204" pitchFamily="18" charset="0"/>
-                <a:ea typeface="Cambria" panose="02040503050406030204" pitchFamily="18" charset="0"/>
-              </a:rPr>
-              <a:t> </a:t>
-            </a:r>
-            <a:r>
-              <a:rPr lang="en-US" spc="-5" dirty="0" err="1">
-                <a:latin typeface="Cambria" panose="02040503050406030204" pitchFamily="18" charset="0"/>
-                <a:ea typeface="Cambria" panose="02040503050406030204" pitchFamily="18" charset="0"/>
-              </a:rPr>
-              <a:t>suất</a:t>
-            </a:r>
-            <a:r>
-              <a:rPr lang="en-US" spc="-5" dirty="0">
-                <a:latin typeface="Cambria" panose="02040503050406030204" pitchFamily="18" charset="0"/>
-                <a:ea typeface="Cambria" panose="02040503050406030204" pitchFamily="18" charset="0"/>
-              </a:rPr>
-              <a:t> </a:t>
-            </a:r>
-            <a:r>
-              <a:rPr lang="en-US" spc="-5" dirty="0" err="1">
-                <a:latin typeface="Cambria" panose="02040503050406030204" pitchFamily="18" charset="0"/>
-                <a:ea typeface="Cambria" panose="02040503050406030204" pitchFamily="18" charset="0"/>
-              </a:rPr>
-              <a:t>để</a:t>
-            </a:r>
-            <a:r>
-              <a:rPr lang="en-US" spc="-5" dirty="0">
-                <a:latin typeface="Cambria" panose="02040503050406030204" pitchFamily="18" charset="0"/>
-                <a:ea typeface="Cambria" panose="02040503050406030204" pitchFamily="18" charset="0"/>
-              </a:rPr>
-              <a:t> </a:t>
-            </a:r>
-            <a:r>
-              <a:rPr lang="en-US" spc="-5" dirty="0" err="1">
-                <a:latin typeface="Cambria" panose="02040503050406030204" pitchFamily="18" charset="0"/>
-                <a:ea typeface="Cambria" panose="02040503050406030204" pitchFamily="18" charset="0"/>
-              </a:rPr>
-              <a:t>xác</a:t>
-            </a:r>
-            <a:r>
-              <a:rPr lang="en-US" spc="-5" dirty="0">
-                <a:latin typeface="Cambria" panose="02040503050406030204" pitchFamily="18" charset="0"/>
-                <a:ea typeface="Cambria" panose="02040503050406030204" pitchFamily="18" charset="0"/>
-              </a:rPr>
-              <a:t> </a:t>
-            </a:r>
-            <a:r>
-              <a:rPr lang="en-US" spc="-5" dirty="0" err="1">
-                <a:latin typeface="Cambria" panose="02040503050406030204" pitchFamily="18" charset="0"/>
-                <a:ea typeface="Cambria" panose="02040503050406030204" pitchFamily="18" charset="0"/>
-              </a:rPr>
-              <a:t>định</a:t>
-            </a:r>
-            <a:r>
-              <a:rPr lang="en-US" spc="-5" dirty="0">
-                <a:latin typeface="Cambria" panose="02040503050406030204" pitchFamily="18" charset="0"/>
-                <a:ea typeface="Cambria" panose="02040503050406030204" pitchFamily="18" charset="0"/>
-              </a:rPr>
-              <a:t> </a:t>
-            </a:r>
-            <a:r>
-              <a:rPr lang="en-US" spc="-5" dirty="0" err="1">
-                <a:latin typeface="Cambria" panose="02040503050406030204" pitchFamily="18" charset="0"/>
-                <a:ea typeface="Cambria" panose="02040503050406030204" pitchFamily="18" charset="0"/>
-              </a:rPr>
-              <a:t>ảnh</a:t>
-            </a:r>
-            <a:r>
-              <a:rPr lang="en-US" spc="-5" dirty="0">
-                <a:latin typeface="Cambria" panose="02040503050406030204" pitchFamily="18" charset="0"/>
-                <a:ea typeface="Cambria" panose="02040503050406030204" pitchFamily="18" charset="0"/>
-              </a:rPr>
-              <a:t> </a:t>
-            </a:r>
-            <a:r>
-              <a:rPr lang="en-US" spc="-5" dirty="0" err="1">
-                <a:latin typeface="Cambria" panose="02040503050406030204" pitchFamily="18" charset="0"/>
-                <a:ea typeface="Cambria" panose="02040503050406030204" pitchFamily="18" charset="0"/>
-              </a:rPr>
-              <a:t>hưởng</a:t>
-            </a:r>
-            <a:r>
-              <a:rPr lang="en-US" spc="-5" dirty="0">
-                <a:latin typeface="Cambria" panose="02040503050406030204" pitchFamily="18" charset="0"/>
-                <a:ea typeface="Cambria" panose="02040503050406030204" pitchFamily="18" charset="0"/>
-              </a:rPr>
-              <a:t> </a:t>
-            </a:r>
-            <a:r>
-              <a:rPr lang="en-US" spc="-5" dirty="0" err="1">
-                <a:latin typeface="Cambria" panose="02040503050406030204" pitchFamily="18" charset="0"/>
-                <a:ea typeface="Cambria" panose="02040503050406030204" pitchFamily="18" charset="0"/>
-              </a:rPr>
-              <a:t>của</a:t>
-            </a:r>
-            <a:r>
-              <a:rPr lang="en-US" spc="-5" dirty="0">
-                <a:latin typeface="Cambria" panose="02040503050406030204" pitchFamily="18" charset="0"/>
-                <a:ea typeface="Cambria" panose="02040503050406030204" pitchFamily="18" charset="0"/>
-              </a:rPr>
-              <a:t> </a:t>
-            </a:r>
-            <a:r>
-              <a:rPr lang="en-US" spc="-5" dirty="0" err="1">
-                <a:latin typeface="Cambria" panose="02040503050406030204" pitchFamily="18" charset="0"/>
-                <a:ea typeface="Cambria" panose="02040503050406030204" pitchFamily="18" charset="0"/>
-              </a:rPr>
-              <a:t>hệ</a:t>
-            </a:r>
-            <a:r>
-              <a:rPr lang="en-US" spc="-5" dirty="0">
-                <a:latin typeface="Cambria" panose="02040503050406030204" pitchFamily="18" charset="0"/>
-                <a:ea typeface="Cambria" panose="02040503050406030204" pitchFamily="18" charset="0"/>
-              </a:rPr>
-              <a:t> </a:t>
-            </a:r>
-            <a:r>
-              <a:rPr lang="en-US" spc="-5" dirty="0" err="1">
-                <a:latin typeface="Cambria" panose="02040503050406030204" pitchFamily="18" charset="0"/>
-                <a:ea typeface="Cambria" panose="02040503050406030204" pitchFamily="18" charset="0"/>
-              </a:rPr>
-              <a:t>số</a:t>
-            </a:r>
-            <a:r>
-              <a:rPr lang="en-US" spc="-5" dirty="0">
-                <a:latin typeface="Cambria" panose="02040503050406030204" pitchFamily="18" charset="0"/>
-                <a:ea typeface="Cambria" panose="02040503050406030204" pitchFamily="18" charset="0"/>
-              </a:rPr>
-              <a:t> </a:t>
-            </a:r>
-            <a:r>
-              <a:rPr lang="en-US" spc="-5" dirty="0" err="1">
-                <a:latin typeface="Cambria" panose="02040503050406030204" pitchFamily="18" charset="0"/>
-                <a:ea typeface="Cambria" panose="02040503050406030204" pitchFamily="18" charset="0"/>
-              </a:rPr>
-              <a:t>này</a:t>
-            </a:r>
-            <a:r>
-              <a:rPr lang="en-US" spc="-5" dirty="0">
-                <a:latin typeface="Cambria" panose="02040503050406030204" pitchFamily="18" charset="0"/>
-                <a:ea typeface="Cambria" panose="02040503050406030204" pitchFamily="18" charset="0"/>
-              </a:rPr>
-              <a:t> </a:t>
-            </a:r>
-            <a:r>
-              <a:rPr lang="en-US" spc="-5" dirty="0" err="1">
-                <a:latin typeface="Cambria" panose="02040503050406030204" pitchFamily="18" charset="0"/>
-                <a:ea typeface="Cambria" panose="02040503050406030204" pitchFamily="18" charset="0"/>
-              </a:rPr>
-              <a:t>trong</a:t>
-            </a:r>
-            <a:r>
-              <a:rPr lang="en-US" spc="-5" dirty="0">
-                <a:latin typeface="Cambria" panose="02040503050406030204" pitchFamily="18" charset="0"/>
-                <a:ea typeface="Cambria" panose="02040503050406030204" pitchFamily="18" charset="0"/>
-              </a:rPr>
-              <a:t> </a:t>
-            </a:r>
-            <a:r>
-              <a:rPr lang="en-US" spc="-5" dirty="0" err="1">
-                <a:latin typeface="Cambria" panose="02040503050406030204" pitchFamily="18" charset="0"/>
-                <a:ea typeface="Cambria" panose="02040503050406030204" pitchFamily="18" charset="0"/>
-              </a:rPr>
-              <a:t>việc</a:t>
-            </a:r>
-            <a:r>
-              <a:rPr lang="en-US" spc="-5" dirty="0">
-                <a:latin typeface="Cambria" panose="02040503050406030204" pitchFamily="18" charset="0"/>
-                <a:ea typeface="Cambria" panose="02040503050406030204" pitchFamily="18" charset="0"/>
-              </a:rPr>
-              <a:t> </a:t>
-            </a:r>
-            <a:r>
-              <a:rPr lang="en-US" spc="-5" dirty="0" err="1">
-                <a:latin typeface="Cambria" panose="02040503050406030204" pitchFamily="18" charset="0"/>
-                <a:ea typeface="Cambria" panose="02040503050406030204" pitchFamily="18" charset="0"/>
-              </a:rPr>
-              <a:t>phân</a:t>
-            </a:r>
-            <a:r>
-              <a:rPr lang="en-US" spc="-5" dirty="0">
-                <a:latin typeface="Cambria" panose="02040503050406030204" pitchFamily="18" charset="0"/>
-                <a:ea typeface="Cambria" panose="02040503050406030204" pitchFamily="18" charset="0"/>
-              </a:rPr>
-              <a:t> </a:t>
-            </a:r>
-            <a:r>
-              <a:rPr lang="en-US" spc="-5" dirty="0" err="1">
-                <a:latin typeface="Cambria" panose="02040503050406030204" pitchFamily="18" charset="0"/>
-                <a:ea typeface="Cambria" panose="02040503050406030204" pitchFamily="18" charset="0"/>
-              </a:rPr>
-              <a:t>tích</a:t>
-            </a:r>
-            <a:r>
-              <a:rPr lang="en-US" spc="-5" dirty="0">
-                <a:latin typeface="Cambria" panose="02040503050406030204" pitchFamily="18" charset="0"/>
-                <a:ea typeface="Cambria" panose="02040503050406030204" pitchFamily="18" charset="0"/>
-              </a:rPr>
-              <a:t> </a:t>
-            </a:r>
-            <a:r>
-              <a:rPr lang="en-US" spc="-5" dirty="0" err="1">
-                <a:latin typeface="Cambria" panose="02040503050406030204" pitchFamily="18" charset="0"/>
-                <a:ea typeface="Cambria" panose="02040503050406030204" pitchFamily="18" charset="0"/>
-              </a:rPr>
-              <a:t>mỏi</a:t>
-            </a:r>
-            <a:r>
-              <a:rPr lang="en-US" spc="-5" dirty="0">
-                <a:latin typeface="Cambria" panose="02040503050406030204" pitchFamily="18" charset="0"/>
-                <a:ea typeface="Cambria" panose="02040503050406030204" pitchFamily="18" charset="0"/>
-              </a:rPr>
-              <a:t>.</a:t>
-            </a:r>
-            <a:endParaRPr lang="en-US" spc="-5" dirty="0">
               <a:effectLst/>
               <a:latin typeface="Cambria" panose="02040503050406030204" pitchFamily="18" charset="0"/>
               <a:ea typeface="Cambria" panose="02040503050406030204" pitchFamily="18" charset="0"/>
@@ -17162,58 +15901,6 @@
           <a:xfrm>
             <a:off x="0" y="0"/>
             <a:ext cx="6096000" cy="2371725"/>
-          </a:xfrm>
-          <a:prstGeom prst="rect">
-            <a:avLst/>
-          </a:prstGeom>
-          <a:solidFill>
-            <a:schemeClr val="bg1"/>
-          </a:solidFill>
-          <a:ln>
-            <a:noFill/>
-          </a:ln>
-        </p:spPr>
-        <p:style>
-          <a:lnRef idx="2">
-            <a:schemeClr val="accent1">
-              <a:shade val="15000"/>
-            </a:schemeClr>
-          </a:lnRef>
-          <a:fillRef idx="1">
-            <a:schemeClr val="accent1"/>
-          </a:fillRef>
-          <a:effectRef idx="0">
-            <a:schemeClr val="accent1"/>
-          </a:effectRef>
-          <a:fontRef idx="minor">
-            <a:schemeClr val="lt1"/>
-          </a:fontRef>
-        </p:style>
-        <p:txBody>
-          <a:bodyPr rtlCol="0" anchor="ctr"/>
-          <a:lstStyle/>
-          <a:p>
-            <a:pPr algn="ctr"/>
-            <a:endParaRPr lang="en-US"/>
-          </a:p>
-        </p:txBody>
-      </p:sp>
-      <p:sp>
-        <p:nvSpPr>
-          <p:cNvPr id="5" name="Rectangle 4">
-            <a:extLst>
-              <a:ext uri="{FF2B5EF4-FFF2-40B4-BE49-F238E27FC236}">
-                <a16:creationId xmlns:a16="http://schemas.microsoft.com/office/drawing/2014/main" id="{DD5A9045-492D-0BCD-2764-6DF30C16A6CD}"/>
-              </a:ext>
-            </a:extLst>
-          </p:cNvPr>
-          <p:cNvSpPr/>
-          <p:nvPr/>
-        </p:nvSpPr>
-        <p:spPr>
-          <a:xfrm>
-            <a:off x="0" y="-335280"/>
-            <a:ext cx="12192000" cy="7193280"/>
           </a:xfrm>
           <a:prstGeom prst="rect">
             <a:avLst/>
@@ -20046,58 +18733,6 @@
       </p:sp>
       <p:sp>
         <p:nvSpPr>
-          <p:cNvPr id="5" name="Rectangle 4">
-            <a:extLst>
-              <a:ext uri="{FF2B5EF4-FFF2-40B4-BE49-F238E27FC236}">
-                <a16:creationId xmlns:a16="http://schemas.microsoft.com/office/drawing/2014/main" id="{DD5A9045-492D-0BCD-2764-6DF30C16A6CD}"/>
-              </a:ext>
-            </a:extLst>
-          </p:cNvPr>
-          <p:cNvSpPr/>
-          <p:nvPr/>
-        </p:nvSpPr>
-        <p:spPr>
-          <a:xfrm>
-            <a:off x="0" y="0"/>
-            <a:ext cx="12192000" cy="6858000"/>
-          </a:xfrm>
-          <a:prstGeom prst="rect">
-            <a:avLst/>
-          </a:prstGeom>
-          <a:solidFill>
-            <a:schemeClr val="bg1"/>
-          </a:solidFill>
-          <a:ln>
-            <a:noFill/>
-          </a:ln>
-        </p:spPr>
-        <p:style>
-          <a:lnRef idx="2">
-            <a:schemeClr val="accent1">
-              <a:shade val="15000"/>
-            </a:schemeClr>
-          </a:lnRef>
-          <a:fillRef idx="1">
-            <a:schemeClr val="accent1"/>
-          </a:fillRef>
-          <a:effectRef idx="0">
-            <a:schemeClr val="accent1"/>
-          </a:effectRef>
-          <a:fontRef idx="minor">
-            <a:schemeClr val="lt1"/>
-          </a:fontRef>
-        </p:style>
-        <p:txBody>
-          <a:bodyPr rtlCol="0" anchor="ctr"/>
-          <a:lstStyle/>
-          <a:p>
-            <a:pPr algn="ctr"/>
-            <a:endParaRPr lang="en-US"/>
-          </a:p>
-        </p:txBody>
-      </p:sp>
-      <p:sp>
-        <p:nvSpPr>
           <p:cNvPr id="9" name="Arrow: Pentagon 8">
             <a:extLst>
               <a:ext uri="{FF2B5EF4-FFF2-40B4-BE49-F238E27FC236}">
@@ -21927,58 +20562,6 @@
       </p:sp>
       <p:sp>
         <p:nvSpPr>
-          <p:cNvPr id="5" name="Rectangle 4">
-            <a:extLst>
-              <a:ext uri="{FF2B5EF4-FFF2-40B4-BE49-F238E27FC236}">
-                <a16:creationId xmlns:a16="http://schemas.microsoft.com/office/drawing/2014/main" id="{DD5A9045-492D-0BCD-2764-6DF30C16A6CD}"/>
-              </a:ext>
-            </a:extLst>
-          </p:cNvPr>
-          <p:cNvSpPr/>
-          <p:nvPr/>
-        </p:nvSpPr>
-        <p:spPr>
-          <a:xfrm>
-            <a:off x="0" y="0"/>
-            <a:ext cx="12192000" cy="6858000"/>
-          </a:xfrm>
-          <a:prstGeom prst="rect">
-            <a:avLst/>
-          </a:prstGeom>
-          <a:solidFill>
-            <a:schemeClr val="bg1"/>
-          </a:solidFill>
-          <a:ln>
-            <a:noFill/>
-          </a:ln>
-        </p:spPr>
-        <p:style>
-          <a:lnRef idx="2">
-            <a:schemeClr val="accent1">
-              <a:shade val="15000"/>
-            </a:schemeClr>
-          </a:lnRef>
-          <a:fillRef idx="1">
-            <a:schemeClr val="accent1"/>
-          </a:fillRef>
-          <a:effectRef idx="0">
-            <a:schemeClr val="accent1"/>
-          </a:effectRef>
-          <a:fontRef idx="minor">
-            <a:schemeClr val="lt1"/>
-          </a:fontRef>
-        </p:style>
-        <p:txBody>
-          <a:bodyPr rtlCol="0" anchor="ctr"/>
-          <a:lstStyle/>
-          <a:p>
-            <a:pPr algn="ctr"/>
-            <a:endParaRPr lang="en-US"/>
-          </a:p>
-        </p:txBody>
-      </p:sp>
-      <p:sp>
-        <p:nvSpPr>
           <p:cNvPr id="9" name="Arrow: Pentagon 8">
             <a:extLst>
               <a:ext uri="{FF2B5EF4-FFF2-40B4-BE49-F238E27FC236}">
@@ -22306,7 +20889,7 @@
         </p:blipFill>
         <p:spPr>
           <a:xfrm>
-            <a:off x="6096000" y="1930401"/>
+            <a:off x="5806681" y="1808272"/>
             <a:ext cx="5775719" cy="4334922"/>
           </a:xfrm>
           <a:prstGeom prst="rect">
@@ -22330,7 +20913,7 @@
         </p:nvSpPr>
         <p:spPr bwMode="auto">
           <a:xfrm>
-            <a:off x="193396" y="965200"/>
+            <a:off x="264516" y="1087329"/>
             <a:ext cx="11317884" cy="3785652"/>
           </a:xfrm>
           <a:prstGeom prst="rect">
@@ -22702,58 +21285,6 @@
           <a:xfrm>
             <a:off x="0" y="0"/>
             <a:ext cx="6096000" cy="2371725"/>
-          </a:xfrm>
-          <a:prstGeom prst="rect">
-            <a:avLst/>
-          </a:prstGeom>
-          <a:solidFill>
-            <a:schemeClr val="bg1"/>
-          </a:solidFill>
-          <a:ln>
-            <a:noFill/>
-          </a:ln>
-        </p:spPr>
-        <p:style>
-          <a:lnRef idx="2">
-            <a:schemeClr val="accent1">
-              <a:shade val="15000"/>
-            </a:schemeClr>
-          </a:lnRef>
-          <a:fillRef idx="1">
-            <a:schemeClr val="accent1"/>
-          </a:fillRef>
-          <a:effectRef idx="0">
-            <a:schemeClr val="accent1"/>
-          </a:effectRef>
-          <a:fontRef idx="minor">
-            <a:schemeClr val="lt1"/>
-          </a:fontRef>
-        </p:style>
-        <p:txBody>
-          <a:bodyPr rtlCol="0" anchor="ctr"/>
-          <a:lstStyle/>
-          <a:p>
-            <a:pPr algn="ctr"/>
-            <a:endParaRPr lang="en-US"/>
-          </a:p>
-        </p:txBody>
-      </p:sp>
-      <p:sp>
-        <p:nvSpPr>
-          <p:cNvPr id="5" name="Rectangle 4">
-            <a:extLst>
-              <a:ext uri="{FF2B5EF4-FFF2-40B4-BE49-F238E27FC236}">
-                <a16:creationId xmlns:a16="http://schemas.microsoft.com/office/drawing/2014/main" id="{DD5A9045-492D-0BCD-2764-6DF30C16A6CD}"/>
-              </a:ext>
-            </a:extLst>
-          </p:cNvPr>
-          <p:cNvSpPr/>
-          <p:nvPr/>
-        </p:nvSpPr>
-        <p:spPr>
-          <a:xfrm>
-            <a:off x="0" y="0"/>
-            <a:ext cx="12192000" cy="6858000"/>
           </a:xfrm>
           <a:prstGeom prst="rect">
             <a:avLst/>
@@ -23211,58 +21742,6 @@
       </p:sp>
       <p:sp>
         <p:nvSpPr>
-          <p:cNvPr id="5" name="Rectangle 4">
-            <a:extLst>
-              <a:ext uri="{FF2B5EF4-FFF2-40B4-BE49-F238E27FC236}">
-                <a16:creationId xmlns:a16="http://schemas.microsoft.com/office/drawing/2014/main" id="{DD5A9045-492D-0BCD-2764-6DF30C16A6CD}"/>
-              </a:ext>
-            </a:extLst>
-          </p:cNvPr>
-          <p:cNvSpPr/>
-          <p:nvPr/>
-        </p:nvSpPr>
-        <p:spPr>
-          <a:xfrm>
-            <a:off x="0" y="0"/>
-            <a:ext cx="12192000" cy="6858000"/>
-          </a:xfrm>
-          <a:prstGeom prst="rect">
-            <a:avLst/>
-          </a:prstGeom>
-          <a:solidFill>
-            <a:schemeClr val="bg1"/>
-          </a:solidFill>
-          <a:ln>
-            <a:noFill/>
-          </a:ln>
-        </p:spPr>
-        <p:style>
-          <a:lnRef idx="2">
-            <a:schemeClr val="accent1">
-              <a:shade val="15000"/>
-            </a:schemeClr>
-          </a:lnRef>
-          <a:fillRef idx="1">
-            <a:schemeClr val="accent1"/>
-          </a:fillRef>
-          <a:effectRef idx="0">
-            <a:schemeClr val="accent1"/>
-          </a:effectRef>
-          <a:fontRef idx="minor">
-            <a:schemeClr val="lt1"/>
-          </a:fontRef>
-        </p:style>
-        <p:txBody>
-          <a:bodyPr rtlCol="0" anchor="ctr"/>
-          <a:lstStyle/>
-          <a:p>
-            <a:pPr algn="ctr"/>
-            <a:endParaRPr lang="en-US"/>
-          </a:p>
-        </p:txBody>
-      </p:sp>
-      <p:sp>
-        <p:nvSpPr>
           <p:cNvPr id="9" name="Arrow: Pentagon 8">
             <a:extLst>
               <a:ext uri="{FF2B5EF4-FFF2-40B4-BE49-F238E27FC236}">
@@ -23835,58 +22314,6 @@
           <a:xfrm>
             <a:off x="0" y="0"/>
             <a:ext cx="6096000" cy="2371725"/>
-          </a:xfrm>
-          <a:prstGeom prst="rect">
-            <a:avLst/>
-          </a:prstGeom>
-          <a:solidFill>
-            <a:schemeClr val="bg1"/>
-          </a:solidFill>
-          <a:ln>
-            <a:noFill/>
-          </a:ln>
-        </p:spPr>
-        <p:style>
-          <a:lnRef idx="2">
-            <a:schemeClr val="accent1">
-              <a:shade val="15000"/>
-            </a:schemeClr>
-          </a:lnRef>
-          <a:fillRef idx="1">
-            <a:schemeClr val="accent1"/>
-          </a:fillRef>
-          <a:effectRef idx="0">
-            <a:schemeClr val="accent1"/>
-          </a:effectRef>
-          <a:fontRef idx="minor">
-            <a:schemeClr val="lt1"/>
-          </a:fontRef>
-        </p:style>
-        <p:txBody>
-          <a:bodyPr rtlCol="0" anchor="ctr"/>
-          <a:lstStyle/>
-          <a:p>
-            <a:pPr algn="ctr"/>
-            <a:endParaRPr lang="en-US"/>
-          </a:p>
-        </p:txBody>
-      </p:sp>
-      <p:sp>
-        <p:nvSpPr>
-          <p:cNvPr id="5" name="Rectangle 4">
-            <a:extLst>
-              <a:ext uri="{FF2B5EF4-FFF2-40B4-BE49-F238E27FC236}">
-                <a16:creationId xmlns:a16="http://schemas.microsoft.com/office/drawing/2014/main" id="{DD5A9045-492D-0BCD-2764-6DF30C16A6CD}"/>
-              </a:ext>
-            </a:extLst>
-          </p:cNvPr>
-          <p:cNvSpPr/>
-          <p:nvPr/>
-        </p:nvSpPr>
-        <p:spPr>
-          <a:xfrm>
-            <a:off x="0" y="0"/>
-            <a:ext cx="12192000" cy="6858000"/>
           </a:xfrm>
           <a:prstGeom prst="rect">
             <a:avLst/>

--- a/DOCUMENT/FULL LVTN/BÀI BÁO KHOA HỌC/85-Research on methods for assessing cumulative fatigue damage in structures, with applications to ships and offshore structures.pptx
+++ b/DOCUMENT/FULL LVTN/BÀI BÁO KHOA HỌC/85-Research on methods for assessing cumulative fatigue damage in structures, with applications to ships and offshore structures.pptx
@@ -240,7 +240,7 @@
           <a:p>
             <a:fld id="{C07986BD-EBB6-4346-92EF-FCE8341307FB}" type="datetimeFigureOut">
               <a:rPr lang="en-GB" smtClean="0"/>
-              <a:t>13/08/2024</a:t>
+              <a:t>20/08/2024</a:t>
             </a:fld>
             <a:endParaRPr lang="en-GB"/>
           </a:p>
@@ -6600,7 +6600,7 @@
           <a:p>
             <a:fld id="{788865AF-7432-480B-9612-EF5D3F52AA0C}" type="datetime1">
               <a:rPr lang="en-GB" smtClean="0"/>
-              <a:t>13/08/2024</a:t>
+              <a:t>20/08/2024</a:t>
             </a:fld>
             <a:endParaRPr lang="en-GB"/>
           </a:p>
@@ -6770,7 +6770,7 @@
           <a:p>
             <a:fld id="{1FC71D8B-99EC-40EA-A233-0973E00D4C15}" type="datetime1">
               <a:rPr lang="en-GB" smtClean="0"/>
-              <a:t>13/08/2024</a:t>
+              <a:t>20/08/2024</a:t>
             </a:fld>
             <a:endParaRPr lang="en-GB"/>
           </a:p>
@@ -6950,7 +6950,7 @@
           <a:p>
             <a:fld id="{F25A149F-3BC9-4488-A0F1-D096F9FC243D}" type="datetime1">
               <a:rPr lang="en-GB" smtClean="0"/>
-              <a:t>13/08/2024</a:t>
+              <a:t>20/08/2024</a:t>
             </a:fld>
             <a:endParaRPr lang="en-GB"/>
           </a:p>
@@ -7120,7 +7120,7 @@
           <a:p>
             <a:fld id="{0E2D3034-9D35-41A4-9E94-4FBA333E95EE}" type="datetime1">
               <a:rPr lang="en-GB" smtClean="0"/>
-              <a:t>13/08/2024</a:t>
+              <a:t>20/08/2024</a:t>
             </a:fld>
             <a:endParaRPr lang="en-GB"/>
           </a:p>
@@ -7366,7 +7366,7 @@
           <a:p>
             <a:fld id="{49EDE3FE-C736-42F7-A4F3-D2C26C11E4F2}" type="datetime1">
               <a:rPr lang="en-GB" smtClean="0"/>
-              <a:t>13/08/2024</a:t>
+              <a:t>20/08/2024</a:t>
             </a:fld>
             <a:endParaRPr lang="en-GB"/>
           </a:p>
@@ -7598,7 +7598,7 @@
           <a:p>
             <a:fld id="{C91EB60C-8AFE-46E6-8973-70771194545E}" type="datetime1">
               <a:rPr lang="en-GB" smtClean="0"/>
-              <a:t>13/08/2024</a:t>
+              <a:t>20/08/2024</a:t>
             </a:fld>
             <a:endParaRPr lang="en-GB"/>
           </a:p>
@@ -7965,7 +7965,7 @@
           <a:p>
             <a:fld id="{EA985306-3F5C-4164-B1BE-AF062875C1EC}" type="datetime1">
               <a:rPr lang="en-GB" smtClean="0"/>
-              <a:t>13/08/2024</a:t>
+              <a:t>20/08/2024</a:t>
             </a:fld>
             <a:endParaRPr lang="en-GB"/>
           </a:p>
@@ -8083,7 +8083,7 @@
           <a:p>
             <a:fld id="{AC64500A-0CA5-4733-9D06-CCAE2ED65B74}" type="datetime1">
               <a:rPr lang="en-GB" smtClean="0"/>
-              <a:t>13/08/2024</a:t>
+              <a:t>20/08/2024</a:t>
             </a:fld>
             <a:endParaRPr lang="en-GB"/>
           </a:p>
@@ -8178,7 +8178,7 @@
           <a:p>
             <a:fld id="{B99782EB-9EB7-4454-9EDC-422D6DFF334E}" type="datetime1">
               <a:rPr lang="en-GB" smtClean="0"/>
-              <a:t>13/08/2024</a:t>
+              <a:t>20/08/2024</a:t>
             </a:fld>
             <a:endParaRPr lang="en-GB"/>
           </a:p>
@@ -8455,7 +8455,7 @@
           <a:p>
             <a:fld id="{51176BB7-EE7E-4CDD-B66F-6308210D855D}" type="datetime1">
               <a:rPr lang="en-GB" smtClean="0"/>
-              <a:t>13/08/2024</a:t>
+              <a:t>20/08/2024</a:t>
             </a:fld>
             <a:endParaRPr lang="en-GB"/>
           </a:p>
@@ -8708,7 +8708,7 @@
           <a:p>
             <a:fld id="{C678F787-E9DC-484B-8432-0A5290E98B47}" type="datetime1">
               <a:rPr lang="en-GB" smtClean="0"/>
-              <a:t>13/08/2024</a:t>
+              <a:t>20/08/2024</a:t>
             </a:fld>
             <a:endParaRPr lang="en-GB"/>
           </a:p>
@@ -8930,7 +8930,7 @@
           <a:p>
             <a:fld id="{AD2ED24A-EECF-431B-9837-DCF7CD8E0482}" type="datetime1">
               <a:rPr lang="en-GB" smtClean="0"/>
-              <a:t>13/08/2024</a:t>
+              <a:t>20/08/2024</a:t>
             </a:fld>
             <a:endParaRPr lang="en-GB"/>
           </a:p>
@@ -14626,40 +14626,17 @@
             </a:endParaRPr>
           </a:p>
           <a:p>
-            <a:pPr marL="285750" indent="-285750" algn="just">
+            <a:pPr algn="just">
               <a:lnSpc>
                 <a:spcPct val="95000"/>
               </a:lnSpc>
               <a:spcAft>
                 <a:spcPts val="600"/>
               </a:spcAft>
-              <a:buFont typeface="Arial" panose="020B0604020202020204" pitchFamily="34" charset="0"/>
-              <a:buChar char="•"/>
               <a:tabLst>
                 <a:tab pos="182880" algn="l"/>
               </a:tabLst>
             </a:pPr>
-            <a:r>
-              <a:rPr lang="en-US" spc="-5" dirty="0" err="1">
-                <a:latin typeface="Cambria" panose="02040503050406030204" pitchFamily="18" charset="0"/>
-                <a:ea typeface="Cambria" panose="02040503050406030204" pitchFamily="18" charset="0"/>
-              </a:rPr>
-              <a:t>Ứng</a:t>
-            </a:r>
-            <a:r>
-              <a:rPr lang="en-US" spc="-5" dirty="0">
-                <a:latin typeface="Cambria" panose="02040503050406030204" pitchFamily="18" charset="0"/>
-                <a:ea typeface="Cambria" panose="02040503050406030204" pitchFamily="18" charset="0"/>
-              </a:rPr>
-              <a:t> </a:t>
-            </a:r>
-            <a:r>
-              <a:rPr lang="en-US" spc="-5" dirty="0" err="1">
-                <a:latin typeface="Cambria" panose="02040503050406030204" pitchFamily="18" charset="0"/>
-                <a:ea typeface="Cambria" panose="02040503050406030204" pitchFamily="18" charset="0"/>
-              </a:rPr>
-              <a:t>dụng</a:t>
-            </a:r>
             <a:endParaRPr lang="en-US" sz="1800" spc="-5" dirty="0">
               <a:effectLst/>
               <a:latin typeface="Cambria" panose="02040503050406030204" pitchFamily="18" charset="0"/>

--- a/DOCUMENT/FULL LVTN/BÀI BÁO KHOA HỌC/85-Research on methods for assessing cumulative fatigue damage in structures, with applications to ships and offshore structures.pptx
+++ b/DOCUMENT/FULL LVTN/BÀI BÁO KHOA HỌC/85-Research on methods for assessing cumulative fatigue damage in structures, with applications to ships and offshore structures.pptx
@@ -240,7 +240,7 @@
           <a:p>
             <a:fld id="{C07986BD-EBB6-4346-92EF-FCE8341307FB}" type="datetimeFigureOut">
               <a:rPr lang="en-GB" smtClean="0"/>
-              <a:t>20/08/2024</a:t>
+              <a:t>15/12/2024</a:t>
             </a:fld>
             <a:endParaRPr lang="en-GB"/>
           </a:p>
@@ -6600,7 +6600,7 @@
           <a:p>
             <a:fld id="{788865AF-7432-480B-9612-EF5D3F52AA0C}" type="datetime1">
               <a:rPr lang="en-GB" smtClean="0"/>
-              <a:t>20/08/2024</a:t>
+              <a:t>15/12/2024</a:t>
             </a:fld>
             <a:endParaRPr lang="en-GB"/>
           </a:p>
@@ -6770,7 +6770,7 @@
           <a:p>
             <a:fld id="{1FC71D8B-99EC-40EA-A233-0973E00D4C15}" type="datetime1">
               <a:rPr lang="en-GB" smtClean="0"/>
-              <a:t>20/08/2024</a:t>
+              <a:t>15/12/2024</a:t>
             </a:fld>
             <a:endParaRPr lang="en-GB"/>
           </a:p>
@@ -6950,7 +6950,7 @@
           <a:p>
             <a:fld id="{F25A149F-3BC9-4488-A0F1-D096F9FC243D}" type="datetime1">
               <a:rPr lang="en-GB" smtClean="0"/>
-              <a:t>20/08/2024</a:t>
+              <a:t>15/12/2024</a:t>
             </a:fld>
             <a:endParaRPr lang="en-GB"/>
           </a:p>
@@ -7120,7 +7120,7 @@
           <a:p>
             <a:fld id="{0E2D3034-9D35-41A4-9E94-4FBA333E95EE}" type="datetime1">
               <a:rPr lang="en-GB" smtClean="0"/>
-              <a:t>20/08/2024</a:t>
+              <a:t>15/12/2024</a:t>
             </a:fld>
             <a:endParaRPr lang="en-GB"/>
           </a:p>
@@ -7366,7 +7366,7 @@
           <a:p>
             <a:fld id="{49EDE3FE-C736-42F7-A4F3-D2C26C11E4F2}" type="datetime1">
               <a:rPr lang="en-GB" smtClean="0"/>
-              <a:t>20/08/2024</a:t>
+              <a:t>15/12/2024</a:t>
             </a:fld>
             <a:endParaRPr lang="en-GB"/>
           </a:p>
@@ -7598,7 +7598,7 @@
           <a:p>
             <a:fld id="{C91EB60C-8AFE-46E6-8973-70771194545E}" type="datetime1">
               <a:rPr lang="en-GB" smtClean="0"/>
-              <a:t>20/08/2024</a:t>
+              <a:t>15/12/2024</a:t>
             </a:fld>
             <a:endParaRPr lang="en-GB"/>
           </a:p>
@@ -7965,7 +7965,7 @@
           <a:p>
             <a:fld id="{EA985306-3F5C-4164-B1BE-AF062875C1EC}" type="datetime1">
               <a:rPr lang="en-GB" smtClean="0"/>
-              <a:t>20/08/2024</a:t>
+              <a:t>15/12/2024</a:t>
             </a:fld>
             <a:endParaRPr lang="en-GB"/>
           </a:p>
@@ -8083,7 +8083,7 @@
           <a:p>
             <a:fld id="{AC64500A-0CA5-4733-9D06-CCAE2ED65B74}" type="datetime1">
               <a:rPr lang="en-GB" smtClean="0"/>
-              <a:t>20/08/2024</a:t>
+              <a:t>15/12/2024</a:t>
             </a:fld>
             <a:endParaRPr lang="en-GB"/>
           </a:p>
@@ -8178,7 +8178,7 @@
           <a:p>
             <a:fld id="{B99782EB-9EB7-4454-9EDC-422D6DFF334E}" type="datetime1">
               <a:rPr lang="en-GB" smtClean="0"/>
-              <a:t>20/08/2024</a:t>
+              <a:t>15/12/2024</a:t>
             </a:fld>
             <a:endParaRPr lang="en-GB"/>
           </a:p>
@@ -8455,7 +8455,7 @@
           <a:p>
             <a:fld id="{51176BB7-EE7E-4CDD-B66F-6308210D855D}" type="datetime1">
               <a:rPr lang="en-GB" smtClean="0"/>
-              <a:t>20/08/2024</a:t>
+              <a:t>15/12/2024</a:t>
             </a:fld>
             <a:endParaRPr lang="en-GB"/>
           </a:p>
@@ -8708,7 +8708,7 @@
           <a:p>
             <a:fld id="{C678F787-E9DC-484B-8432-0A5290E98B47}" type="datetime1">
               <a:rPr lang="en-GB" smtClean="0"/>
-              <a:t>20/08/2024</a:t>
+              <a:t>15/12/2024</a:t>
             </a:fld>
             <a:endParaRPr lang="en-GB"/>
           </a:p>
@@ -8930,7 +8930,7 @@
           <a:p>
             <a:fld id="{AD2ED24A-EECF-431B-9837-DCF7CD8E0482}" type="datetime1">
               <a:rPr lang="en-GB" smtClean="0"/>
-              <a:t>20/08/2024</a:t>
+              <a:t>15/12/2024</a:t>
             </a:fld>
             <a:endParaRPr lang="en-GB"/>
           </a:p>
@@ -9371,7 +9371,7 @@
           <p:spPr>
             <a:xfrm>
               <a:off x="240555" y="1548054"/>
-              <a:ext cx="12039600" cy="855267"/>
+              <a:ext cx="12039600" cy="1241517"/>
             </a:xfrm>
             <a:prstGeom prst="rect">
               <a:avLst/>
@@ -9385,14 +9385,67 @@
             <a:p>
               <a:pPr algn="ctr"/>
               <a:r>
-                <a:rPr lang="da-DK" sz="2800" b="1" dirty="0">
+                <a:rPr lang="da-DK" sz="2800" b="1" i="1" dirty="0">
                   <a:solidFill>
-                    <a:srgbClr val="3F973F"/>
+                    <a:srgbClr val="C00000"/>
                   </a:solidFill>
-                  <a:latin typeface="Cambria" panose="02040503050406030204" pitchFamily="18" charset="0"/>
-                  <a:ea typeface="Cambria" panose="02040503050406030204" pitchFamily="18" charset="0"/>
+                  <a:latin typeface="Times New Roman" panose="02020603050405020304" pitchFamily="18" charset="0"/>
+                  <a:cs typeface="Times New Roman" panose="02020603050405020304" pitchFamily="18" charset="0"/>
                 </a:rPr>
                 <a:t>NGHIÊN CỨU PHƯƠNG PHÁP ĐÁNH GIÁ TỔN THƯƠNG MỎI TÍCH LŨY KẾT CẤU, ỨNG DỤNG CHO TÀU THỦY VÀ CÔNG TRÌNH NỔI</a:t>
+              </a:r>
+            </a:p>
+            <a:p>
+              <a:pPr algn="ctr"/>
+              <a:r>
+                <a:rPr lang="en-US" sz="2800" b="1" i="1" dirty="0" err="1">
+                  <a:solidFill>
+                    <a:srgbClr val="C00000"/>
+                  </a:solidFill>
+                  <a:latin typeface="Times New Roman" panose="02020603050405020304" pitchFamily="18" charset="0"/>
+                  <a:cs typeface="Times New Roman" panose="02020603050405020304" pitchFamily="18" charset="0"/>
+                </a:rPr>
+                <a:t>Nghiên</a:t>
+              </a:r>
+              <a:r>
+                <a:rPr lang="en-US" sz="2800" b="1" i="1" dirty="0">
+                  <a:solidFill>
+                    <a:srgbClr val="C00000"/>
+                  </a:solidFill>
+                  <a:latin typeface="Times New Roman" panose="02020603050405020304" pitchFamily="18" charset="0"/>
+                  <a:cs typeface="Times New Roman" panose="02020603050405020304" pitchFamily="18" charset="0"/>
+                </a:rPr>
+                <a:t> </a:t>
+              </a:r>
+              <a:r>
+                <a:rPr lang="en-US" sz="2800" b="1" i="1" dirty="0" err="1">
+                  <a:solidFill>
+                    <a:srgbClr val="C00000"/>
+                  </a:solidFill>
+                  <a:latin typeface="Times New Roman" panose="02020603050405020304" pitchFamily="18" charset="0"/>
+                  <a:cs typeface="Times New Roman" panose="02020603050405020304" pitchFamily="18" charset="0"/>
+                </a:rPr>
+                <a:t>cứu</a:t>
+              </a:r>
+              <a:r>
+                <a:rPr lang="en-US" sz="2800" b="1" i="1" dirty="0">
+                  <a:solidFill>
+                    <a:srgbClr val="C00000"/>
+                  </a:solidFill>
+                  <a:latin typeface="Times New Roman" panose="02020603050405020304" pitchFamily="18" charset="0"/>
+                  <a:cs typeface="Times New Roman" panose="02020603050405020304" pitchFamily="18" charset="0"/>
+                </a:rPr>
+                <a:t> </a:t>
+              </a:r>
+              <a:r>
+                <a:rPr lang="en-US" sz="2800" b="1" i="1" dirty="0" err="1">
+                  <a:solidFill>
+                    <a:srgbClr val="C00000"/>
+                  </a:solidFill>
+                  <a:latin typeface="Times New Roman" panose="02020603050405020304" pitchFamily="18" charset="0"/>
+                  <a:cs typeface="Times New Roman" panose="02020603050405020304" pitchFamily="18" charset="0"/>
+                </a:rPr>
+                <a:t>khả</a:t>
               </a:r>
               <a:endParaRPr lang="en-US" sz="2800" b="1" dirty="0">
                 <a:solidFill>
